--- a/course_project_for_korund/ver 1.1/уроки/урок 7.pptx
+++ b/course_project_for_korund/ver 1.1/уроки/урок 7.pptx
@@ -16,6 +16,7 @@
     <p:sldId id="328" r:id="rId10"/>
     <p:sldId id="329" r:id="rId11"/>
     <p:sldId id="330" r:id="rId12"/>
+    <p:sldId id="331" r:id="rId13"/>
   </p:sldIdLst>
   <p:sldSz cx="12192000" cy="6858000"/>
   <p:notesSz cx="6858000" cy="9144000"/>
@@ -116,7 +117,7 @@
   </p:defaultTextStyle>
   <p:extLst>
     <p:ext uri="{EFAFB233-063F-42B5-8137-9DF3F51BA10A}">
-      <p15:sldGuideLst xmlns="" xmlns:p15="http://schemas.microsoft.com/office/powerpoint/2012/main">
+      <p15:sldGuideLst xmlns:p15="http://schemas.microsoft.com/office/powerpoint/2012/main" xmlns="">
         <p15:guide id="1" orient="horz" pos="2160">
           <p15:clr>
             <a:srgbClr val="A4A3A4"/>
@@ -910,7 +911,7 @@
     </p:spTree>
     <p:extLst>
       <p:ext uri="{BB962C8B-B14F-4D97-AF65-F5344CB8AC3E}">
-        <p14:creationId xmlns="" xmlns:p14="http://schemas.microsoft.com/office/powerpoint/2010/main" val="4238684791"/>
+        <p14:creationId xmlns:p14="http://schemas.microsoft.com/office/powerpoint/2010/main" xmlns="" val="4238684791"/>
       </p:ext>
     </p:extLst>
   </p:cSld>
@@ -1163,7 +1164,7 @@
     </p:spTree>
     <p:extLst>
       <p:ext uri="{BB962C8B-B14F-4D97-AF65-F5344CB8AC3E}">
-        <p14:creationId xmlns="" xmlns:p14="http://schemas.microsoft.com/office/powerpoint/2010/main" val="3509571314"/>
+        <p14:creationId xmlns:p14="http://schemas.microsoft.com/office/powerpoint/2010/main" xmlns="" val="3509571314"/>
       </p:ext>
     </p:extLst>
   </p:cSld>
@@ -1555,7 +1556,7 @@
     </p:spTree>
     <p:extLst>
       <p:ext uri="{BB962C8B-B14F-4D97-AF65-F5344CB8AC3E}">
-        <p14:creationId xmlns="" xmlns:p14="http://schemas.microsoft.com/office/powerpoint/2010/main" val="913784525"/>
+        <p14:creationId xmlns:p14="http://schemas.microsoft.com/office/powerpoint/2010/main" xmlns="" val="913784525"/>
       </p:ext>
     </p:extLst>
   </p:cSld>
@@ -1808,7 +1809,7 @@
     </p:spTree>
     <p:extLst>
       <p:ext uri="{BB962C8B-B14F-4D97-AF65-F5344CB8AC3E}">
-        <p14:creationId xmlns="" xmlns:p14="http://schemas.microsoft.com/office/powerpoint/2010/main" val="1237628931"/>
+        <p14:creationId xmlns:p14="http://schemas.microsoft.com/office/powerpoint/2010/main" xmlns="" val="1237628931"/>
       </p:ext>
     </p:extLst>
   </p:cSld>
@@ -2200,7 +2201,7 @@
     </p:spTree>
     <p:extLst>
       <p:ext uri="{BB962C8B-B14F-4D97-AF65-F5344CB8AC3E}">
-        <p14:creationId xmlns="" xmlns:p14="http://schemas.microsoft.com/office/powerpoint/2010/main" val="4076467919"/>
+        <p14:creationId xmlns:p14="http://schemas.microsoft.com/office/powerpoint/2010/main" xmlns="" val="4076467919"/>
       </p:ext>
     </p:extLst>
   </p:cSld>
@@ -2513,7 +2514,7 @@
     </p:spTree>
     <p:extLst>
       <p:ext uri="{BB962C8B-B14F-4D97-AF65-F5344CB8AC3E}">
-        <p14:creationId xmlns="" xmlns:p14="http://schemas.microsoft.com/office/powerpoint/2010/main" val="2010692"/>
+        <p14:creationId xmlns:p14="http://schemas.microsoft.com/office/powerpoint/2010/main" xmlns="" val="2010692"/>
       </p:ext>
     </p:extLst>
   </p:cSld>
@@ -2685,7 +2686,7 @@
     </p:spTree>
     <p:extLst>
       <p:ext uri="{BB962C8B-B14F-4D97-AF65-F5344CB8AC3E}">
-        <p14:creationId xmlns="" xmlns:p14="http://schemas.microsoft.com/office/powerpoint/2010/main" val="1184326843"/>
+        <p14:creationId xmlns:p14="http://schemas.microsoft.com/office/powerpoint/2010/main" xmlns="" val="1184326843"/>
       </p:ext>
     </p:extLst>
   </p:cSld>
@@ -2867,7 +2868,7 @@
     </p:spTree>
     <p:extLst>
       <p:ext uri="{BB962C8B-B14F-4D97-AF65-F5344CB8AC3E}">
-        <p14:creationId xmlns="" xmlns:p14="http://schemas.microsoft.com/office/powerpoint/2010/main" val="529529951"/>
+        <p14:creationId xmlns:p14="http://schemas.microsoft.com/office/powerpoint/2010/main" xmlns="" val="529529951"/>
       </p:ext>
     </p:extLst>
   </p:cSld>
@@ -3045,7 +3046,7 @@
     </p:spTree>
     <p:extLst>
       <p:ext uri="{BB962C8B-B14F-4D97-AF65-F5344CB8AC3E}">
-        <p14:creationId xmlns="" xmlns:p14="http://schemas.microsoft.com/office/powerpoint/2010/main" val="1794803828"/>
+        <p14:creationId xmlns:p14="http://schemas.microsoft.com/office/powerpoint/2010/main" xmlns="" val="1794803828"/>
       </p:ext>
     </p:extLst>
   </p:cSld>
@@ -3294,7 +3295,7 @@
     </p:spTree>
     <p:extLst>
       <p:ext uri="{BB962C8B-B14F-4D97-AF65-F5344CB8AC3E}">
-        <p14:creationId xmlns="" xmlns:p14="http://schemas.microsoft.com/office/powerpoint/2010/main" val="1622354848"/>
+        <p14:creationId xmlns:p14="http://schemas.microsoft.com/office/powerpoint/2010/main" xmlns="" val="1622354848"/>
       </p:ext>
     </p:extLst>
   </p:cSld>
@@ -3528,7 +3529,7 @@
     </p:spTree>
     <p:extLst>
       <p:ext uri="{BB962C8B-B14F-4D97-AF65-F5344CB8AC3E}">
-        <p14:creationId xmlns="" xmlns:p14="http://schemas.microsoft.com/office/powerpoint/2010/main" val="2665461008"/>
+        <p14:creationId xmlns:p14="http://schemas.microsoft.com/office/powerpoint/2010/main" xmlns="" val="2665461008"/>
       </p:ext>
     </p:extLst>
   </p:cSld>
@@ -3904,7 +3905,7 @@
     </p:spTree>
     <p:extLst>
       <p:ext uri="{BB962C8B-B14F-4D97-AF65-F5344CB8AC3E}">
-        <p14:creationId xmlns="" xmlns:p14="http://schemas.microsoft.com/office/powerpoint/2010/main" val="2514946757"/>
+        <p14:creationId xmlns:p14="http://schemas.microsoft.com/office/powerpoint/2010/main" xmlns="" val="2514946757"/>
       </p:ext>
     </p:extLst>
   </p:cSld>
@@ -4029,7 +4030,7 @@
     </p:spTree>
     <p:extLst>
       <p:ext uri="{BB962C8B-B14F-4D97-AF65-F5344CB8AC3E}">
-        <p14:creationId xmlns="" xmlns:p14="http://schemas.microsoft.com/office/powerpoint/2010/main" val="1009674793"/>
+        <p14:creationId xmlns:p14="http://schemas.microsoft.com/office/powerpoint/2010/main" xmlns="" val="1009674793"/>
       </p:ext>
     </p:extLst>
   </p:cSld>
@@ -4126,7 +4127,7 @@
     </p:spTree>
     <p:extLst>
       <p:ext uri="{BB962C8B-B14F-4D97-AF65-F5344CB8AC3E}">
-        <p14:creationId xmlns="" xmlns:p14="http://schemas.microsoft.com/office/powerpoint/2010/main" val="37853350"/>
+        <p14:creationId xmlns:p14="http://schemas.microsoft.com/office/powerpoint/2010/main" xmlns="" val="37853350"/>
       </p:ext>
     </p:extLst>
   </p:cSld>
@@ -4383,7 +4384,7 @@
     </p:spTree>
     <p:extLst>
       <p:ext uri="{BB962C8B-B14F-4D97-AF65-F5344CB8AC3E}">
-        <p14:creationId xmlns="" xmlns:p14="http://schemas.microsoft.com/office/powerpoint/2010/main" val="1485505807"/>
+        <p14:creationId xmlns:p14="http://schemas.microsoft.com/office/powerpoint/2010/main" xmlns="" val="1485505807"/>
       </p:ext>
     </p:extLst>
   </p:cSld>
@@ -4648,7 +4649,7 @@
     </p:spTree>
     <p:extLst>
       <p:ext uri="{BB962C8B-B14F-4D97-AF65-F5344CB8AC3E}">
-        <p14:creationId xmlns="" xmlns:p14="http://schemas.microsoft.com/office/powerpoint/2010/main" val="1525686664"/>
+        <p14:creationId xmlns:p14="http://schemas.microsoft.com/office/powerpoint/2010/main" xmlns="" val="1525686664"/>
       </p:ext>
     </p:extLst>
   </p:cSld>
@@ -5429,7 +5430,7 @@
     </p:spTree>
     <p:extLst>
       <p:ext uri="{BB962C8B-B14F-4D97-AF65-F5344CB8AC3E}">
-        <p14:creationId xmlns="" xmlns:p14="http://schemas.microsoft.com/office/powerpoint/2010/main" val="2523392475"/>
+        <p14:creationId xmlns:p14="http://schemas.microsoft.com/office/powerpoint/2010/main" xmlns="" val="2523392475"/>
       </p:ext>
     </p:extLst>
   </p:cSld>
@@ -5937,7 +5938,7 @@
     </p:spTree>
     <p:extLst>
       <p:ext uri="{BB962C8B-B14F-4D97-AF65-F5344CB8AC3E}">
-        <p14:creationId xmlns="" xmlns:p14="http://schemas.microsoft.com/office/powerpoint/2010/main" val="1354132756"/>
+        <p14:creationId xmlns:p14="http://schemas.microsoft.com/office/powerpoint/2010/main" xmlns="" val="1354132756"/>
       </p:ext>
     </p:extLst>
   </p:cSld>
@@ -5988,15 +5989,7 @@
           <a:p>
             <a:r>
               <a:rPr lang="ru-RU" dirty="0" smtClean="0"/>
-              <a:t>Установка </a:t>
-            </a:r>
-            <a:r>
-              <a:rPr lang="ru-RU" dirty="0" smtClean="0"/>
-              <a:t>б</a:t>
-            </a:r>
-            <a:r>
-              <a:rPr lang="ru-RU" dirty="0" smtClean="0"/>
-              <a:t>азы данных - </a:t>
+              <a:t>Установка базы данных - </a:t>
             </a:r>
             <a:r>
               <a:rPr lang="en-US" dirty="0" smtClean="0"/>
@@ -6016,9 +6009,16 @@
             <p:ph idx="1"/>
           </p:nvPr>
         </p:nvSpPr>
-        <p:spPr/>
-        <p:txBody>
-          <a:bodyPr/>
+        <p:spPr>
+          <a:xfrm>
+            <a:off x="677334" y="1578635"/>
+            <a:ext cx="8596668" cy="4986068"/>
+          </a:xfrm>
+        </p:spPr>
+        <p:txBody>
+          <a:bodyPr>
+            <a:normAutofit/>
+          </a:bodyPr>
           <a:lstStyle/>
           <a:p>
             <a:pPr>
@@ -6070,7 +6070,29 @@
           <a:p>
             <a:r>
               <a:rPr lang="en-US" dirty="0" smtClean="0"/>
-              <a:t>File -&gt; Settings -&gt; Project:</a:t>
+              <a:t>File -&gt; </a:t>
+            </a:r>
+            <a:endParaRPr lang="ru-RU" dirty="0" smtClean="0"/>
+          </a:p>
+          <a:p>
+            <a:r>
+              <a:rPr lang="en-US" dirty="0" smtClean="0"/>
+              <a:t>Settings </a:t>
+            </a:r>
+            <a:r>
+              <a:rPr lang="en-US" dirty="0" smtClean="0"/>
+              <a:t>-&gt; </a:t>
+            </a:r>
+            <a:endParaRPr lang="ru-RU" dirty="0" smtClean="0"/>
+          </a:p>
+          <a:p>
+            <a:r>
+              <a:rPr lang="en-US" dirty="0" smtClean="0"/>
+              <a:t>Project</a:t>
+            </a:r>
+            <a:r>
+              <a:rPr lang="en-US" dirty="0" smtClean="0"/>
+              <a:t>:</a:t>
             </a:r>
             <a:r>
               <a:rPr lang="ru-RU" dirty="0" smtClean="0"/>
@@ -6078,23 +6100,70 @@
             </a:r>
             <a:r>
               <a:rPr lang="en-US" dirty="0" smtClean="0"/>
-              <a:t>-&gt; Python Interpreter -&gt; + -&gt; </a:t>
-            </a:r>
+              <a:t>-&gt;</a:t>
+            </a:r>
+            <a:endParaRPr lang="ru-RU" dirty="0" smtClean="0"/>
+          </a:p>
+          <a:p>
+            <a:r>
+              <a:rPr lang="en-US" dirty="0" smtClean="0"/>
+              <a:t>Python </a:t>
+            </a:r>
+            <a:r>
+              <a:rPr lang="en-US" dirty="0" smtClean="0"/>
+              <a:t>Interpreter -&gt; </a:t>
+            </a:r>
+            <a:endParaRPr lang="ru-RU" dirty="0" smtClean="0"/>
+          </a:p>
+          <a:p>
+            <a:r>
+              <a:rPr lang="en-US" dirty="0" smtClean="0"/>
+              <a:t>+ </a:t>
+            </a:r>
+            <a:r>
+              <a:rPr lang="en-US" dirty="0" smtClean="0"/>
+              <a:t>-&gt; </a:t>
+            </a:r>
+            <a:endParaRPr lang="ru-RU" dirty="0" smtClean="0"/>
+          </a:p>
+          <a:p>
             <a:r>
               <a:rPr lang="ru-RU" dirty="0" smtClean="0"/>
-              <a:t>в строке поиска найти </a:t>
+              <a:t>в </a:t>
+            </a:r>
+            <a:r>
+              <a:rPr lang="ru-RU" dirty="0" smtClean="0"/>
+              <a:t>строке поиска найти </a:t>
             </a:r>
             <a:r>
               <a:rPr lang="en-US" dirty="0" smtClean="0"/>
               <a:t>pandas -&gt; </a:t>
             </a:r>
+            <a:endParaRPr lang="ru-RU" dirty="0" smtClean="0"/>
+          </a:p>
+          <a:p>
             <a:r>
               <a:rPr lang="ru-RU" dirty="0" smtClean="0"/>
-              <a:t>выбрать –</a:t>
+              <a:t>выбрать </a:t>
+            </a:r>
+            <a:r>
+              <a:rPr lang="ru-RU" dirty="0" smtClean="0"/>
+              <a:t>–</a:t>
             </a:r>
             <a:r>
               <a:rPr lang="en-US" dirty="0" smtClean="0"/>
-              <a:t>&gt; Install Package</a:t>
+              <a:t>&gt; </a:t>
+            </a:r>
+            <a:endParaRPr lang="ru-RU" dirty="0" smtClean="0"/>
+          </a:p>
+          <a:p>
+            <a:r>
+              <a:rPr lang="en-US" dirty="0" smtClean="0"/>
+              <a:t>Install </a:t>
+            </a:r>
+            <a:r>
+              <a:rPr lang="en-US" dirty="0" smtClean="0"/>
+              <a:t>Package</a:t>
             </a:r>
             <a:endParaRPr lang="ru-RU" dirty="0"/>
           </a:p>
@@ -6135,7 +6204,12 @@
             <p:ph type="title"/>
           </p:nvPr>
         </p:nvSpPr>
-        <p:spPr/>
+        <p:spPr>
+          <a:xfrm>
+            <a:off x="677334" y="609600"/>
+            <a:ext cx="8596668" cy="770626"/>
+          </a:xfrm>
+        </p:spPr>
         <p:txBody>
           <a:bodyPr/>
           <a:lstStyle/>
@@ -6179,9 +6253,16 @@
               <a:rPr lang="en-US" dirty="0" smtClean="0"/>
               <a:t> -&gt; </a:t>
             </a:r>
+            <a:endParaRPr lang="ru-RU" dirty="0" smtClean="0"/>
+          </a:p>
+          <a:p>
             <a:r>
               <a:rPr lang="ru-RU" dirty="0" smtClean="0"/>
-              <a:t>свойства -</a:t>
+              <a:t>свойства </a:t>
+            </a:r>
+            <a:r>
+              <a:rPr lang="ru-RU" dirty="0" smtClean="0"/>
+              <a:t>-</a:t>
             </a:r>
             <a:r>
               <a:rPr lang="en-US" dirty="0" smtClean="0"/>
@@ -6189,31 +6270,78 @@
             </a:r>
             <a:r>
               <a:rPr lang="ru-RU" dirty="0" smtClean="0"/>
-              <a:t> дополнительные параметры системы -</a:t>
+              <a:t> </a:t>
+            </a:r>
+            <a:endParaRPr lang="ru-RU" dirty="0" smtClean="0"/>
+          </a:p>
+          <a:p>
+            <a:r>
+              <a:rPr lang="ru-RU" dirty="0" smtClean="0"/>
+              <a:t>дополнительные </a:t>
+            </a:r>
+            <a:r>
+              <a:rPr lang="ru-RU" dirty="0" smtClean="0"/>
+              <a:t>параметры системы -</a:t>
             </a:r>
             <a:r>
               <a:rPr lang="en-US" dirty="0" smtClean="0"/>
               <a:t>&gt; </a:t>
             </a:r>
+            <a:endParaRPr lang="ru-RU" dirty="0" smtClean="0"/>
+          </a:p>
+          <a:p>
             <a:r>
               <a:rPr lang="ru-RU" dirty="0" smtClean="0"/>
-              <a:t>Параметры среды -</a:t>
+              <a:t>Параметры </a:t>
+            </a:r>
+            <a:r>
+              <a:rPr lang="ru-RU" dirty="0" smtClean="0"/>
+              <a:t>среды -</a:t>
             </a:r>
             <a:r>
               <a:rPr lang="en-US" dirty="0" smtClean="0"/>
               <a:t>&gt; </a:t>
             </a:r>
+            <a:endParaRPr lang="ru-RU" dirty="0" smtClean="0"/>
+          </a:p>
+          <a:p>
             <a:r>
               <a:rPr lang="ru-RU" dirty="0" smtClean="0"/>
-              <a:t>Системные переменные -</a:t>
+              <a:t>Системные </a:t>
+            </a:r>
+            <a:r>
+              <a:rPr lang="ru-RU" dirty="0" smtClean="0"/>
+              <a:t>переменные -</a:t>
             </a:r>
             <a:r>
               <a:rPr lang="en-US" dirty="0" smtClean="0"/>
-              <a:t>&gt; Path -&gt;</a:t>
+              <a:t>&gt; </a:t>
+            </a:r>
+            <a:endParaRPr lang="ru-RU" dirty="0" smtClean="0"/>
+          </a:p>
+          <a:p>
+            <a:r>
+              <a:rPr lang="en-US" dirty="0" smtClean="0"/>
+              <a:t>Path </a:t>
+            </a:r>
+            <a:r>
+              <a:rPr lang="en-US" dirty="0" smtClean="0"/>
+              <a:t>-&gt;</a:t>
             </a:r>
             <a:r>
               <a:rPr lang="ru-RU" dirty="0" smtClean="0"/>
-              <a:t> создать -</a:t>
+              <a:t> </a:t>
+            </a:r>
+            <a:endParaRPr lang="ru-RU" dirty="0" smtClean="0"/>
+          </a:p>
+          <a:p>
+            <a:r>
+              <a:rPr lang="ru-RU" dirty="0" smtClean="0"/>
+              <a:t>создать </a:t>
+            </a:r>
+            <a:r>
+              <a:rPr lang="ru-RU" dirty="0" smtClean="0"/>
+              <a:t>-</a:t>
             </a:r>
             <a:r>
               <a:rPr lang="en-US" dirty="0" smtClean="0"/>
@@ -6221,7 +6349,18 @@
             </a:r>
             <a:r>
               <a:rPr lang="ru-RU" dirty="0" smtClean="0"/>
-              <a:t> вставить туда полный путь до папки с </a:t>
+              <a:t> </a:t>
+            </a:r>
+            <a:endParaRPr lang="ru-RU" dirty="0" smtClean="0"/>
+          </a:p>
+          <a:p>
+            <a:r>
+              <a:rPr lang="ru-RU" dirty="0" smtClean="0"/>
+              <a:t>вставить </a:t>
+            </a:r>
+            <a:r>
+              <a:rPr lang="ru-RU" dirty="0" smtClean="0"/>
+              <a:t>туда полный путь до папки с </a:t>
             </a:r>
             <a:r>
               <a:rPr lang="en-US" dirty="0" smtClean="0"/>
@@ -6229,20 +6368,130 @@
             </a:r>
             <a:r>
               <a:rPr lang="ru-RU" dirty="0" smtClean="0"/>
-              <a:t>конец пути должен быть папкой </a:t>
-            </a:r>
-            <a:r>
-              <a:rPr lang="ru-RU" smtClean="0"/>
-              <a:t>с именем </a:t>
-            </a:r>
-            <a:r>
-              <a:rPr lang="en-US" smtClean="0"/>
-              <a:t>Scripts</a:t>
+              <a:t>конец пути должен быть папкой с именем </a:t>
             </a:r>
             <a:r>
               <a:rPr lang="en-US" dirty="0" smtClean="0"/>
-              <a:t>)</a:t>
-            </a:r>
+              <a:t>Scripts)</a:t>
+            </a:r>
+          </a:p>
+        </p:txBody>
+      </p:sp>
+    </p:spTree>
+  </p:cSld>
+  <p:clrMapOvr>
+    <a:masterClrMapping/>
+  </p:clrMapOvr>
+</p:sld>
+</file>
+
+<file path=ppt/slides/slide12.xml><?xml version="1.0" encoding="utf-8"?>
+<p:sld xmlns:a="http://schemas.openxmlformats.org/drawingml/2006/main" xmlns:r="http://schemas.openxmlformats.org/officeDocument/2006/relationships" xmlns:p="http://schemas.openxmlformats.org/presentationml/2006/main">
+  <p:cSld>
+    <p:spTree>
+      <p:nvGrpSpPr>
+        <p:cNvPr id="1" name=""/>
+        <p:cNvGrpSpPr/>
+        <p:nvPr/>
+      </p:nvGrpSpPr>
+      <p:grpSpPr>
+        <a:xfrm>
+          <a:off x="0" y="0"/>
+          <a:ext cx="0" cy="0"/>
+          <a:chOff x="0" y="0"/>
+          <a:chExt cx="0" cy="0"/>
+        </a:xfrm>
+      </p:grpSpPr>
+      <p:sp>
+        <p:nvSpPr>
+          <p:cNvPr id="2" name="Заголовок 1"/>
+          <p:cNvSpPr>
+            <a:spLocks noGrp="1"/>
+          </p:cNvSpPr>
+          <p:nvPr>
+            <p:ph type="title"/>
+          </p:nvPr>
+        </p:nvSpPr>
+        <p:spPr/>
+        <p:txBody>
+          <a:bodyPr/>
+          <a:lstStyle/>
+          <a:p>
+            <a:r>
+              <a:rPr lang="en-US" dirty="0" smtClean="0"/>
+              <a:t>p</a:t>
+            </a:r>
+            <a:r>
+              <a:rPr lang="en-US" dirty="0" smtClean="0"/>
+              <a:t>andas </a:t>
+            </a:r>
+            <a:endParaRPr lang="ru-RU" dirty="0"/>
+          </a:p>
+        </p:txBody>
+      </p:sp>
+      <p:sp>
+        <p:nvSpPr>
+          <p:cNvPr id="3" name="Содержимое 2"/>
+          <p:cNvSpPr>
+            <a:spLocks noGrp="1"/>
+          </p:cNvSpPr>
+          <p:nvPr>
+            <p:ph idx="1"/>
+          </p:nvPr>
+        </p:nvSpPr>
+        <p:spPr/>
+        <p:txBody>
+          <a:bodyPr/>
+          <a:lstStyle/>
+          <a:p>
+            <a:r>
+              <a:rPr lang="ru-RU" dirty="0" smtClean="0"/>
+              <a:t>Библиотека позволяющая оперировать файлами типа </a:t>
+            </a:r>
+            <a:r>
+              <a:rPr lang="en-US" dirty="0" smtClean="0"/>
+              <a:t>excel</a:t>
+            </a:r>
+            <a:r>
+              <a:rPr lang="ru-RU" dirty="0" smtClean="0"/>
+              <a:t>,</a:t>
+            </a:r>
+            <a:r>
+              <a:rPr lang="en-US" dirty="0" smtClean="0"/>
+              <a:t> </a:t>
+            </a:r>
+            <a:r>
+              <a:rPr lang="ru-RU" dirty="0" smtClean="0"/>
+              <a:t>как базой данных</a:t>
+            </a:r>
+          </a:p>
+          <a:p>
+            <a:r>
+              <a:rPr lang="ru-RU" dirty="0" smtClean="0"/>
+              <a:t>Так же имеет свои аналоги </a:t>
+            </a:r>
+            <a:r>
+              <a:rPr lang="en-US" dirty="0" smtClean="0"/>
+              <a:t>excel </a:t>
+            </a:r>
+            <a:r>
+              <a:rPr lang="ru-RU" dirty="0" smtClean="0"/>
+              <a:t>таблиц</a:t>
+            </a:r>
+            <a:endParaRPr lang="en-US" dirty="0" smtClean="0"/>
+          </a:p>
+          <a:p>
+            <a:r>
+              <a:rPr lang="ru-RU" dirty="0" smtClean="0"/>
+              <a:t>Основное её преимущество в том, что она умеет манипулировать дынными как матрица</a:t>
+            </a:r>
+          </a:p>
+          <a:p>
+            <a:r>
+              <a:rPr lang="ru-RU" dirty="0" smtClean="0"/>
+              <a:t>Для загрузки и  сохранения данных нужно задавать команды явно</a:t>
+            </a:r>
+            <a:endParaRPr lang="ru-RU" dirty="0"/>
           </a:p>
         </p:txBody>
       </p:sp>
@@ -6323,22 +6572,14 @@
           <a:p>
             <a:r>
               <a:rPr lang="en-US" dirty="0" smtClean="0"/>
-              <a:t>d</a:t>
-            </a:r>
+              <a:t>del, in</a:t>
+            </a:r>
+            <a:endParaRPr lang="ru-RU" dirty="0" smtClean="0"/>
+          </a:p>
+          <a:p>
             <a:r>
               <a:rPr lang="en-US" dirty="0" smtClean="0"/>
-              <a:t>el, in</a:t>
-            </a:r>
-            <a:endParaRPr lang="ru-RU" dirty="0" smtClean="0"/>
-          </a:p>
-          <a:p>
-            <a:r>
-              <a:rPr lang="en-US" dirty="0" smtClean="0"/>
-              <a:t>g</a:t>
-            </a:r>
-            <a:r>
-              <a:rPr lang="en-US" dirty="0" smtClean="0"/>
-              <a:t>et()</a:t>
+              <a:t>get()</a:t>
             </a:r>
             <a:endParaRPr lang="ru-RU" dirty="0" smtClean="0"/>
           </a:p>
@@ -6554,11 +6795,6 @@
               </a:rPr>
               <a:t>data = {}	</a:t>
             </a:r>
-            <a:endParaRPr lang="en-US" dirty="0" smtClean="0">
-              <a:solidFill>
-                <a:schemeClr val="tx1"/>
-              </a:solidFill>
-            </a:endParaRPr>
           </a:p>
           <a:p>
             <a:pPr marL="0" indent="0">
@@ -6670,7 +6906,7 @@
     </p:spTree>
     <p:extLst>
       <p:ext uri="{BB962C8B-B14F-4D97-AF65-F5344CB8AC3E}">
-        <p14:creationId xmlns="" xmlns:p14="http://schemas.microsoft.com/office/powerpoint/2010/main" val="2036377716"/>
+        <p14:creationId xmlns:p14="http://schemas.microsoft.com/office/powerpoint/2010/main" xmlns="" val="2036377716"/>
       </p:ext>
     </p:extLst>
   </p:cSld>
@@ -7176,21 +7412,8 @@
                   <a:schemeClr val="tx1"/>
                 </a:solidFill>
               </a:rPr>
-              <a:t>v</a:t>
-            </a:r>
-            <a:r>
-              <a:rPr lang="en-US" dirty="0" smtClean="0">
-                <a:solidFill>
-                  <a:schemeClr val="tx1"/>
-                </a:solidFill>
-              </a:rPr>
-              <a:t>alue1</a:t>
-            </a:r>
-            <a:endParaRPr lang="en-US" dirty="0" smtClean="0">
-              <a:solidFill>
-                <a:schemeClr val="tx1"/>
-              </a:solidFill>
-            </a:endParaRPr>
+              <a:t>value1</a:t>
+            </a:r>
           </a:p>
         </p:txBody>
       </p:sp>
@@ -7247,11 +7470,7 @@
             </a:r>
             <a:r>
               <a:rPr lang="en-US" sz="3200" dirty="0" smtClean="0"/>
-              <a:t> </a:t>
-            </a:r>
-            <a:r>
-              <a:rPr lang="en-US" sz="3200" dirty="0" smtClean="0"/>
-              <a:t>dict</a:t>
+              <a:t> dict</a:t>
             </a:r>
             <a:r>
               <a:rPr lang="ru-RU" sz="3200" dirty="0" smtClean="0"/>
@@ -7321,24 +7540,16 @@
                   <a:schemeClr val="tx1"/>
                 </a:solidFill>
               </a:rPr>
-              <a:t>d</a:t>
-            </a:r>
+              <a:t>dictinary.keys()</a:t>
+            </a:r>
+          </a:p>
+          <a:p>
+            <a:pPr>
+              <a:buNone/>
+            </a:pPr>
             <a:r>
               <a:rPr lang="en-US" dirty="0" smtClean="0">
                 <a:solidFill>
-                  <a:schemeClr val="tx1"/>
-                </a:solidFill>
-              </a:rPr>
-              <a:t>ictinary.keys()</a:t>
-            </a:r>
-          </a:p>
-          <a:p>
-            <a:pPr>
-              <a:buNone/>
-            </a:pPr>
-            <a:r>
-              <a:rPr lang="en-US" dirty="0" smtClean="0">
-                <a:solidFill>
                   <a:schemeClr val="tx1">
                     <a:lumMod val="75000"/>
                   </a:schemeClr>
@@ -7354,17 +7565,7 @@
                   </a:schemeClr>
                 </a:solidFill>
               </a:rPr>
-              <a:t> </a:t>
-            </a:r>
-            <a:r>
-              <a:rPr lang="ru-RU" dirty="0" smtClean="0">
-                <a:solidFill>
-                  <a:schemeClr val="tx1">
-                    <a:lumMod val="75000"/>
-                  </a:schemeClr>
-                </a:solidFill>
-              </a:rPr>
-              <a:t>результат</a:t>
+              <a:t> результат</a:t>
             </a:r>
             <a:endParaRPr lang="en-US" dirty="0" smtClean="0">
               <a:solidFill>
@@ -7384,47 +7585,7 @@
                   <a:schemeClr val="tx1"/>
                 </a:solidFill>
               </a:rPr>
-              <a:t>dict_keys</a:t>
-            </a:r>
-            <a:r>
-              <a:rPr lang="en-US" dirty="0" smtClean="0">
-                <a:solidFill>
-                  <a:schemeClr val="tx1"/>
-                </a:solidFill>
-              </a:rPr>
-              <a:t>([‘</a:t>
-            </a:r>
-            <a:r>
-              <a:rPr lang="en-US" dirty="0" smtClean="0">
-                <a:solidFill>
-                  <a:schemeClr val="tx1"/>
-                </a:solidFill>
-              </a:rPr>
-              <a:t>key1</a:t>
-            </a:r>
-            <a:r>
-              <a:rPr lang="en-US" dirty="0" smtClean="0">
-                <a:solidFill>
-                  <a:schemeClr val="tx1"/>
-                </a:solidFill>
-              </a:rPr>
-              <a:t>’, </a:t>
-            </a:r>
-            <a:r>
-              <a:rPr lang="en-US" dirty="0" smtClean="0">
-                <a:solidFill>
-                  <a:schemeClr val="tx1"/>
-                </a:solidFill>
-              </a:rPr>
-              <a:t>‘key2</a:t>
-            </a:r>
-            <a:r>
-              <a:rPr lang="en-US" dirty="0" smtClean="0">
-                <a:solidFill>
-                  <a:schemeClr val="tx1"/>
-                </a:solidFill>
-              </a:rPr>
-              <a:t>’])</a:t>
+              <a:t>dict_keys([‘key1’, ‘key2’])</a:t>
             </a:r>
           </a:p>
           <a:p>
@@ -7459,7 +7620,35 @@
                   </a:schemeClr>
                 </a:solidFill>
               </a:rPr>
-              <a:t>функция получения </a:t>
+              <a:t>функция получения списка значений</a:t>
+            </a:r>
+          </a:p>
+          <a:p>
+            <a:pPr>
+              <a:buNone/>
+            </a:pPr>
+            <a:r>
+              <a:rPr lang="en-US" dirty="0" smtClean="0">
+                <a:solidFill>
+                  <a:schemeClr val="tx1"/>
+                </a:solidFill>
+              </a:rPr>
+              <a:t>dictinary.values()</a:t>
+            </a:r>
+          </a:p>
+          <a:p>
+            <a:pPr>
+              <a:buNone/>
+            </a:pPr>
+            <a:r>
+              <a:rPr lang="en-US" dirty="0" smtClean="0">
+                <a:solidFill>
+                  <a:schemeClr val="tx1">
+                    <a:lumMod val="75000"/>
+                  </a:schemeClr>
+                </a:solidFill>
+              </a:rPr>
+              <a:t>#</a:t>
             </a:r>
             <a:r>
               <a:rPr lang="ru-RU" dirty="0" smtClean="0">
@@ -7469,72 +7658,7 @@
                   </a:schemeClr>
                 </a:solidFill>
               </a:rPr>
-              <a:t>списка </a:t>
-            </a:r>
-            <a:r>
-              <a:rPr lang="ru-RU" dirty="0" smtClean="0">
-                <a:solidFill>
-                  <a:schemeClr val="tx1">
-                    <a:lumMod val="75000"/>
-                  </a:schemeClr>
-                </a:solidFill>
-              </a:rPr>
-              <a:t>значений</a:t>
-            </a:r>
-            <a:endParaRPr lang="ru-RU" dirty="0" smtClean="0">
-              <a:solidFill>
-                <a:schemeClr val="tx1">
-                  <a:lumMod val="75000"/>
-                </a:schemeClr>
-              </a:solidFill>
-            </a:endParaRPr>
-          </a:p>
-          <a:p>
-            <a:pPr>
-              <a:buNone/>
-            </a:pPr>
-            <a:r>
-              <a:rPr lang="en-US" dirty="0" smtClean="0">
-                <a:solidFill>
-                  <a:schemeClr val="tx1"/>
-                </a:solidFill>
-              </a:rPr>
-              <a:t>dictinary.values()</a:t>
-            </a:r>
-          </a:p>
-          <a:p>
-            <a:pPr>
-              <a:buNone/>
-            </a:pPr>
-            <a:r>
-              <a:rPr lang="en-US" dirty="0" smtClean="0">
-                <a:solidFill>
-                  <a:schemeClr val="tx1">
-                    <a:lumMod val="75000"/>
-                  </a:schemeClr>
-                </a:solidFill>
-              </a:rPr>
-              <a:t>#</a:t>
-            </a:r>
-            <a:r>
-              <a:rPr lang="ru-RU" dirty="0" smtClean="0">
-                <a:solidFill>
-                  <a:schemeClr val="tx1">
-                    <a:lumMod val="75000"/>
-                  </a:schemeClr>
-                </a:solidFill>
-              </a:rPr>
-              <a:t> </a:t>
-            </a:r>
-            <a:r>
-              <a:rPr lang="ru-RU" dirty="0" smtClean="0">
-                <a:solidFill>
-                  <a:schemeClr val="tx1">
-                    <a:lumMod val="75000"/>
-                  </a:schemeClr>
-                </a:solidFill>
-              </a:rPr>
-              <a:t>результат</a:t>
+              <a:t> результат</a:t>
             </a:r>
             <a:endParaRPr lang="en-US" dirty="0" smtClean="0">
               <a:solidFill>
@@ -7552,31 +7676,7 @@
                   <a:schemeClr val="tx1"/>
                 </a:solidFill>
               </a:rPr>
-              <a:t>dict_values</a:t>
-            </a:r>
-            <a:r>
-              <a:rPr lang="en-US" dirty="0" smtClean="0">
-                <a:solidFill>
-                  <a:schemeClr val="tx1"/>
-                </a:solidFill>
-              </a:rPr>
-              <a:t>([</a:t>
-            </a:r>
-            <a:r>
-              <a:rPr lang="en-US" dirty="0" smtClean="0">
-                <a:solidFill>
-                  <a:schemeClr val="tx1"/>
-                </a:solidFill>
-              </a:rPr>
-              <a:t>‘value1’, </a:t>
-            </a:r>
-            <a:r>
-              <a:rPr lang="en-US" dirty="0" smtClean="0">
-                <a:solidFill>
-                  <a:schemeClr val="tx1"/>
-                </a:solidFill>
-              </a:rPr>
-              <a:t>‘value2’])</a:t>
+              <a:t>dict_values([‘value1’, ‘value2’])</a:t>
             </a:r>
           </a:p>
           <a:p>
@@ -7735,11 +7835,7 @@
             </a:r>
             <a:r>
               <a:rPr lang="en-US" sz="3200" dirty="0" smtClean="0"/>
-              <a:t> </a:t>
-            </a:r>
-            <a:r>
-              <a:rPr lang="en-US" sz="3200" dirty="0" smtClean="0"/>
-              <a:t>dict</a:t>
+              <a:t> dict</a:t>
             </a:r>
             <a:r>
               <a:rPr lang="ru-RU" sz="3200" dirty="0" smtClean="0"/>
@@ -8211,31 +8307,15 @@
                   <a:schemeClr val="tx1"/>
                 </a:solidFill>
               </a:rPr>
-              <a:t>del </a:t>
-            </a:r>
-            <a:r>
-              <a:rPr lang="en-US" dirty="0" smtClean="0">
+              <a:t>del – </a:t>
+            </a:r>
+            <a:r>
+              <a:rPr lang="ru-RU" dirty="0" smtClean="0">
                 <a:solidFill>
                   <a:schemeClr val="tx1"/>
                 </a:solidFill>
               </a:rPr>
-              <a:t>– </a:t>
-            </a:r>
-            <a:r>
-              <a:rPr lang="ru-RU" dirty="0" smtClean="0">
-                <a:solidFill>
-                  <a:schemeClr val="tx1"/>
-                </a:solidFill>
-              </a:rPr>
-              <a:t>оператор </a:t>
-            </a:r>
-            <a:r>
-              <a:rPr lang="ru-RU" dirty="0" smtClean="0">
-                <a:solidFill>
-                  <a:schemeClr val="tx1"/>
-                </a:solidFill>
-              </a:rPr>
-              <a:t>удаления, удаляет объект по индексу</a:t>
+              <a:t>оператор удаления, удаляет объект по индексу</a:t>
             </a:r>
             <a:endParaRPr lang="en-US" dirty="0" smtClean="0">
               <a:solidFill>
@@ -8292,15 +8372,7 @@
             </a:r>
             <a:r>
               <a:rPr lang="en-US" dirty="0" smtClean="0"/>
-              <a:t> </a:t>
-            </a:r>
-            <a:r>
-              <a:rPr lang="en-US" dirty="0" smtClean="0"/>
-              <a:t>dictinary</a:t>
-            </a:r>
-            <a:r>
-              <a:rPr lang="en-US" dirty="0" smtClean="0"/>
-              <a:t>[‘</a:t>
+              <a:t> dictinary[‘</a:t>
             </a:r>
             <a:r>
               <a:rPr lang="en-US" dirty="0" smtClean="0">
@@ -8446,31 +8518,7 @@
                   <a:schemeClr val="tx1"/>
                 </a:solidFill>
               </a:rPr>
-              <a:t>{‘key1’: ‘value1’, </a:t>
-            </a:r>
-            <a:r>
-              <a:rPr lang="en-US" dirty="0" smtClean="0">
-                <a:solidFill>
-                  <a:schemeClr val="tx1"/>
-                </a:solidFill>
-              </a:rPr>
-              <a:t>‘</a:t>
-            </a:r>
-            <a:r>
-              <a:rPr lang="en-US" dirty="0" smtClean="0">
-                <a:solidFill>
-                  <a:schemeClr val="tx1"/>
-                </a:solidFill>
-              </a:rPr>
-              <a:t>another_key’: False</a:t>
-            </a:r>
-            <a:r>
-              <a:rPr lang="en-US" dirty="0" smtClean="0">
-                <a:solidFill>
-                  <a:schemeClr val="tx1"/>
-                </a:solidFill>
-              </a:rPr>
-              <a:t>}</a:t>
+              <a:t>{‘key1’: ‘value1’, ‘another_key’: False}</a:t>
             </a:r>
             <a:endParaRPr lang="ru-RU" dirty="0" smtClean="0">
               <a:solidFill>
@@ -8764,11 +8812,7 @@
           <a:p>
             <a:r>
               <a:rPr lang="en-US" dirty="0" smtClean="0"/>
-              <a:t>g</a:t>
-            </a:r>
-            <a:r>
-              <a:rPr lang="en-US" dirty="0" smtClean="0"/>
-              <a:t>et()</a:t>
+              <a:t>get()</a:t>
             </a:r>
             <a:endParaRPr lang="ru-RU" dirty="0"/>
           </a:p>
@@ -8815,11 +8859,7 @@
             </a:pPr>
             <a:r>
               <a:rPr lang="en-US" dirty="0" smtClean="0"/>
-              <a:t>name </a:t>
-            </a:r>
-            <a:r>
-              <a:rPr lang="en-US" dirty="0" smtClean="0"/>
-              <a:t>= ent_name.get()  </a:t>
+              <a:t>name = ent_name.get()  </a:t>
             </a:r>
             <a:r>
               <a:rPr lang="en-US" dirty="0" smtClean="0">
@@ -8855,11 +8895,7 @@
             </a:pPr>
             <a:r>
               <a:rPr lang="en-US" dirty="0" smtClean="0"/>
-              <a:t>data</a:t>
-            </a:r>
-            <a:r>
-              <a:rPr lang="en-US" dirty="0" smtClean="0"/>
-              <a:t>['</a:t>
+              <a:t>data['</a:t>
             </a:r>
             <a:r>
               <a:rPr lang="ru-RU" dirty="0" smtClean="0">
@@ -9249,7 +9285,7 @@
   <a:extraClrSchemeLst/>
   <a:extLst>
     <a:ext uri="{05A4C25C-085E-4340-85A3-A5531E510DB2}">
-      <thm15:themeFamily xmlns="" xmlns:thm15="http://schemas.microsoft.com/office/thememl/2012/main" name="Facet" id="{C0C680CD-088A-49FC-A102-D699147F32B2}" vid="{8C59B386-999D-4CB6-B907-9F3997C027CC}"/>
+      <thm15:themeFamily xmlns:thm15="http://schemas.microsoft.com/office/thememl/2012/main" xmlns="" name="Facet" id="{C0C680CD-088A-49FC-A102-D699147F32B2}" vid="{8C59B386-999D-4CB6-B907-9F3997C027CC}"/>
     </a:ext>
   </a:extLst>
 </a:theme>

--- a/course_project_for_korund/ver 1.1/уроки/урок 7.pptx
+++ b/course_project_for_korund/ver 1.1/уроки/урок 7.pptx
@@ -17,6 +17,8 @@
     <p:sldId id="329" r:id="rId11"/>
     <p:sldId id="330" r:id="rId12"/>
     <p:sldId id="331" r:id="rId13"/>
+    <p:sldId id="333" r:id="rId14"/>
+    <p:sldId id="332" r:id="rId15"/>
   </p:sldIdLst>
   <p:sldSz cx="12192000" cy="6858000"/>
   <p:notesSz cx="6858000" cy="9144000"/>
@@ -117,7 +119,7 @@
   </p:defaultTextStyle>
   <p:extLst>
     <p:ext uri="{EFAFB233-063F-42B5-8137-9DF3F51BA10A}">
-      <p15:sldGuideLst xmlns:p15="http://schemas.microsoft.com/office/powerpoint/2012/main" xmlns="">
+      <p15:sldGuideLst xmlns="" xmlns:p15="http://schemas.microsoft.com/office/powerpoint/2012/main">
         <p15:guide id="1" orient="horz" pos="2160">
           <p15:clr>
             <a:srgbClr val="A4A3A4"/>
@@ -859,7 +861,7 @@
             <a:fld id="{3CCF56C0-5008-4DB4-8698-E16469066013}" type="datetimeFigureOut">
               <a:rPr lang="ru-RU" smtClean="0"/>
               <a:pPr/>
-              <a:t>24.10.2020</a:t>
+              <a:t>25.10.2020</a:t>
             </a:fld>
             <a:endParaRPr lang="ru-RU" dirty="0"/>
           </a:p>
@@ -911,7 +913,7 @@
     </p:spTree>
     <p:extLst>
       <p:ext uri="{BB962C8B-B14F-4D97-AF65-F5344CB8AC3E}">
-        <p14:creationId xmlns:p14="http://schemas.microsoft.com/office/powerpoint/2010/main" xmlns="" val="4238684791"/>
+        <p14:creationId xmlns="" xmlns:p14="http://schemas.microsoft.com/office/powerpoint/2010/main" val="4238684791"/>
       </p:ext>
     </p:extLst>
   </p:cSld>
@@ -1112,7 +1114,7 @@
             <a:fld id="{3CCF56C0-5008-4DB4-8698-E16469066013}" type="datetimeFigureOut">
               <a:rPr lang="ru-RU" smtClean="0"/>
               <a:pPr/>
-              <a:t>24.10.2020</a:t>
+              <a:t>25.10.2020</a:t>
             </a:fld>
             <a:endParaRPr lang="ru-RU" dirty="0"/>
           </a:p>
@@ -1164,7 +1166,7 @@
     </p:spTree>
     <p:extLst>
       <p:ext uri="{BB962C8B-B14F-4D97-AF65-F5344CB8AC3E}">
-        <p14:creationId xmlns:p14="http://schemas.microsoft.com/office/powerpoint/2010/main" xmlns="" val="3509571314"/>
+        <p14:creationId xmlns="" xmlns:p14="http://schemas.microsoft.com/office/powerpoint/2010/main" val="3509571314"/>
       </p:ext>
     </p:extLst>
   </p:cSld>
@@ -1428,7 +1430,7 @@
             <a:fld id="{3CCF56C0-5008-4DB4-8698-E16469066013}" type="datetimeFigureOut">
               <a:rPr lang="ru-RU" smtClean="0"/>
               <a:pPr/>
-              <a:t>24.10.2020</a:t>
+              <a:t>25.10.2020</a:t>
             </a:fld>
             <a:endParaRPr lang="ru-RU" dirty="0"/>
           </a:p>
@@ -1556,7 +1558,7 @@
     </p:spTree>
     <p:extLst>
       <p:ext uri="{BB962C8B-B14F-4D97-AF65-F5344CB8AC3E}">
-        <p14:creationId xmlns:p14="http://schemas.microsoft.com/office/powerpoint/2010/main" xmlns="" val="913784525"/>
+        <p14:creationId xmlns="" xmlns:p14="http://schemas.microsoft.com/office/powerpoint/2010/main" val="913784525"/>
       </p:ext>
     </p:extLst>
   </p:cSld>
@@ -1757,7 +1759,7 @@
             <a:fld id="{3CCF56C0-5008-4DB4-8698-E16469066013}" type="datetimeFigureOut">
               <a:rPr lang="ru-RU" smtClean="0"/>
               <a:pPr/>
-              <a:t>24.10.2020</a:t>
+              <a:t>25.10.2020</a:t>
             </a:fld>
             <a:endParaRPr lang="ru-RU" dirty="0"/>
           </a:p>
@@ -1809,7 +1811,7 @@
     </p:spTree>
     <p:extLst>
       <p:ext uri="{BB962C8B-B14F-4D97-AF65-F5344CB8AC3E}">
-        <p14:creationId xmlns:p14="http://schemas.microsoft.com/office/powerpoint/2010/main" xmlns="" val="1237628931"/>
+        <p14:creationId xmlns="" xmlns:p14="http://schemas.microsoft.com/office/powerpoint/2010/main" val="1237628931"/>
       </p:ext>
     </p:extLst>
   </p:cSld>
@@ -2073,7 +2075,7 @@
             <a:fld id="{3CCF56C0-5008-4DB4-8698-E16469066013}" type="datetimeFigureOut">
               <a:rPr lang="ru-RU" smtClean="0"/>
               <a:pPr/>
-              <a:t>24.10.2020</a:t>
+              <a:t>25.10.2020</a:t>
             </a:fld>
             <a:endParaRPr lang="ru-RU" dirty="0"/>
           </a:p>
@@ -2201,7 +2203,7 @@
     </p:spTree>
     <p:extLst>
       <p:ext uri="{BB962C8B-B14F-4D97-AF65-F5344CB8AC3E}">
-        <p14:creationId xmlns:p14="http://schemas.microsoft.com/office/powerpoint/2010/main" xmlns="" val="4076467919"/>
+        <p14:creationId xmlns="" xmlns:p14="http://schemas.microsoft.com/office/powerpoint/2010/main" val="4076467919"/>
       </p:ext>
     </p:extLst>
   </p:cSld>
@@ -2462,7 +2464,7 @@
             <a:fld id="{3CCF56C0-5008-4DB4-8698-E16469066013}" type="datetimeFigureOut">
               <a:rPr lang="ru-RU" smtClean="0"/>
               <a:pPr/>
-              <a:t>24.10.2020</a:t>
+              <a:t>25.10.2020</a:t>
             </a:fld>
             <a:endParaRPr lang="ru-RU" dirty="0"/>
           </a:p>
@@ -2514,7 +2516,7 @@
     </p:spTree>
     <p:extLst>
       <p:ext uri="{BB962C8B-B14F-4D97-AF65-F5344CB8AC3E}">
-        <p14:creationId xmlns:p14="http://schemas.microsoft.com/office/powerpoint/2010/main" xmlns="" val="2010692"/>
+        <p14:creationId xmlns="" xmlns:p14="http://schemas.microsoft.com/office/powerpoint/2010/main" val="2010692"/>
       </p:ext>
     </p:extLst>
   </p:cSld>
@@ -2634,7 +2636,7 @@
             <a:fld id="{3CCF56C0-5008-4DB4-8698-E16469066013}" type="datetimeFigureOut">
               <a:rPr lang="ru-RU" smtClean="0"/>
               <a:pPr/>
-              <a:t>24.10.2020</a:t>
+              <a:t>25.10.2020</a:t>
             </a:fld>
             <a:endParaRPr lang="ru-RU" dirty="0"/>
           </a:p>
@@ -2686,7 +2688,7 @@
     </p:spTree>
     <p:extLst>
       <p:ext uri="{BB962C8B-B14F-4D97-AF65-F5344CB8AC3E}">
-        <p14:creationId xmlns:p14="http://schemas.microsoft.com/office/powerpoint/2010/main" xmlns="" val="1184326843"/>
+        <p14:creationId xmlns="" xmlns:p14="http://schemas.microsoft.com/office/powerpoint/2010/main" val="1184326843"/>
       </p:ext>
     </p:extLst>
   </p:cSld>
@@ -2816,7 +2818,7 @@
             <a:fld id="{3CCF56C0-5008-4DB4-8698-E16469066013}" type="datetimeFigureOut">
               <a:rPr lang="ru-RU" smtClean="0"/>
               <a:pPr/>
-              <a:t>24.10.2020</a:t>
+              <a:t>25.10.2020</a:t>
             </a:fld>
             <a:endParaRPr lang="ru-RU" dirty="0"/>
           </a:p>
@@ -2868,7 +2870,7 @@
     </p:spTree>
     <p:extLst>
       <p:ext uri="{BB962C8B-B14F-4D97-AF65-F5344CB8AC3E}">
-        <p14:creationId xmlns:p14="http://schemas.microsoft.com/office/powerpoint/2010/main" xmlns="" val="529529951"/>
+        <p14:creationId xmlns="" xmlns:p14="http://schemas.microsoft.com/office/powerpoint/2010/main" val="529529951"/>
       </p:ext>
     </p:extLst>
   </p:cSld>
@@ -2994,7 +2996,7 @@
             <a:fld id="{3CCF56C0-5008-4DB4-8698-E16469066013}" type="datetimeFigureOut">
               <a:rPr lang="ru-RU" smtClean="0"/>
               <a:pPr/>
-              <a:t>24.10.2020</a:t>
+              <a:t>25.10.2020</a:t>
             </a:fld>
             <a:endParaRPr lang="ru-RU" dirty="0"/>
           </a:p>
@@ -3046,7 +3048,7 @@
     </p:spTree>
     <p:extLst>
       <p:ext uri="{BB962C8B-B14F-4D97-AF65-F5344CB8AC3E}">
-        <p14:creationId xmlns:p14="http://schemas.microsoft.com/office/powerpoint/2010/main" xmlns="" val="1794803828"/>
+        <p14:creationId xmlns="" xmlns:p14="http://schemas.microsoft.com/office/powerpoint/2010/main" val="1794803828"/>
       </p:ext>
     </p:extLst>
   </p:cSld>
@@ -3243,7 +3245,7 @@
             <a:fld id="{3CCF56C0-5008-4DB4-8698-E16469066013}" type="datetimeFigureOut">
               <a:rPr lang="ru-RU" smtClean="0"/>
               <a:pPr/>
-              <a:t>24.10.2020</a:t>
+              <a:t>25.10.2020</a:t>
             </a:fld>
             <a:endParaRPr lang="ru-RU" dirty="0"/>
           </a:p>
@@ -3295,7 +3297,7 @@
     </p:spTree>
     <p:extLst>
       <p:ext uri="{BB962C8B-B14F-4D97-AF65-F5344CB8AC3E}">
-        <p14:creationId xmlns:p14="http://schemas.microsoft.com/office/powerpoint/2010/main" xmlns="" val="1622354848"/>
+        <p14:creationId xmlns="" xmlns:p14="http://schemas.microsoft.com/office/powerpoint/2010/main" val="1622354848"/>
       </p:ext>
     </p:extLst>
   </p:cSld>
@@ -3477,7 +3479,7 @@
             <a:fld id="{3CCF56C0-5008-4DB4-8698-E16469066013}" type="datetimeFigureOut">
               <a:rPr lang="ru-RU" smtClean="0"/>
               <a:pPr/>
-              <a:t>24.10.2020</a:t>
+              <a:t>25.10.2020</a:t>
             </a:fld>
             <a:endParaRPr lang="ru-RU" dirty="0"/>
           </a:p>
@@ -3529,7 +3531,7 @@
     </p:spTree>
     <p:extLst>
       <p:ext uri="{BB962C8B-B14F-4D97-AF65-F5344CB8AC3E}">
-        <p14:creationId xmlns:p14="http://schemas.microsoft.com/office/powerpoint/2010/main" xmlns="" val="2665461008"/>
+        <p14:creationId xmlns="" xmlns:p14="http://schemas.microsoft.com/office/powerpoint/2010/main" val="2665461008"/>
       </p:ext>
     </p:extLst>
   </p:cSld>
@@ -3853,7 +3855,7 @@
             <a:fld id="{3CCF56C0-5008-4DB4-8698-E16469066013}" type="datetimeFigureOut">
               <a:rPr lang="ru-RU" smtClean="0"/>
               <a:pPr/>
-              <a:t>24.10.2020</a:t>
+              <a:t>25.10.2020</a:t>
             </a:fld>
             <a:endParaRPr lang="ru-RU" dirty="0"/>
           </a:p>
@@ -3905,7 +3907,7 @@
     </p:spTree>
     <p:extLst>
       <p:ext uri="{BB962C8B-B14F-4D97-AF65-F5344CB8AC3E}">
-        <p14:creationId xmlns:p14="http://schemas.microsoft.com/office/powerpoint/2010/main" xmlns="" val="2514946757"/>
+        <p14:creationId xmlns="" xmlns:p14="http://schemas.microsoft.com/office/powerpoint/2010/main" val="2514946757"/>
       </p:ext>
     </p:extLst>
   </p:cSld>
@@ -3978,7 +3980,7 @@
             <a:fld id="{3CCF56C0-5008-4DB4-8698-E16469066013}" type="datetimeFigureOut">
               <a:rPr lang="ru-RU" smtClean="0"/>
               <a:pPr/>
-              <a:t>24.10.2020</a:t>
+              <a:t>25.10.2020</a:t>
             </a:fld>
             <a:endParaRPr lang="ru-RU" dirty="0"/>
           </a:p>
@@ -4030,7 +4032,7 @@
     </p:spTree>
     <p:extLst>
       <p:ext uri="{BB962C8B-B14F-4D97-AF65-F5344CB8AC3E}">
-        <p14:creationId xmlns:p14="http://schemas.microsoft.com/office/powerpoint/2010/main" xmlns="" val="1009674793"/>
+        <p14:creationId xmlns="" xmlns:p14="http://schemas.microsoft.com/office/powerpoint/2010/main" val="1009674793"/>
       </p:ext>
     </p:extLst>
   </p:cSld>
@@ -4075,7 +4077,7 @@
             <a:fld id="{3CCF56C0-5008-4DB4-8698-E16469066013}" type="datetimeFigureOut">
               <a:rPr lang="ru-RU" smtClean="0"/>
               <a:pPr/>
-              <a:t>24.10.2020</a:t>
+              <a:t>25.10.2020</a:t>
             </a:fld>
             <a:endParaRPr lang="ru-RU" dirty="0"/>
           </a:p>
@@ -4127,7 +4129,7 @@
     </p:spTree>
     <p:extLst>
       <p:ext uri="{BB962C8B-B14F-4D97-AF65-F5344CB8AC3E}">
-        <p14:creationId xmlns:p14="http://schemas.microsoft.com/office/powerpoint/2010/main" xmlns="" val="37853350"/>
+        <p14:creationId xmlns="" xmlns:p14="http://schemas.microsoft.com/office/powerpoint/2010/main" val="37853350"/>
       </p:ext>
     </p:extLst>
   </p:cSld>
@@ -4332,7 +4334,7 @@
             <a:fld id="{3CCF56C0-5008-4DB4-8698-E16469066013}" type="datetimeFigureOut">
               <a:rPr lang="ru-RU" smtClean="0"/>
               <a:pPr/>
-              <a:t>24.10.2020</a:t>
+              <a:t>25.10.2020</a:t>
             </a:fld>
             <a:endParaRPr lang="ru-RU" dirty="0"/>
           </a:p>
@@ -4384,7 +4386,7 @@
     </p:spTree>
     <p:extLst>
       <p:ext uri="{BB962C8B-B14F-4D97-AF65-F5344CB8AC3E}">
-        <p14:creationId xmlns:p14="http://schemas.microsoft.com/office/powerpoint/2010/main" xmlns="" val="1485505807"/>
+        <p14:creationId xmlns="" xmlns:p14="http://schemas.microsoft.com/office/powerpoint/2010/main" val="1485505807"/>
       </p:ext>
     </p:extLst>
   </p:cSld>
@@ -4597,7 +4599,7 @@
             <a:fld id="{3CCF56C0-5008-4DB4-8698-E16469066013}" type="datetimeFigureOut">
               <a:rPr lang="ru-RU" smtClean="0"/>
               <a:pPr/>
-              <a:t>24.10.2020</a:t>
+              <a:t>25.10.2020</a:t>
             </a:fld>
             <a:endParaRPr lang="ru-RU" dirty="0"/>
           </a:p>
@@ -4649,7 +4651,7 @@
     </p:spTree>
     <p:extLst>
       <p:ext uri="{BB962C8B-B14F-4D97-AF65-F5344CB8AC3E}">
-        <p14:creationId xmlns:p14="http://schemas.microsoft.com/office/powerpoint/2010/main" xmlns="" val="1525686664"/>
+        <p14:creationId xmlns="" xmlns:p14="http://schemas.microsoft.com/office/powerpoint/2010/main" val="1525686664"/>
       </p:ext>
     </p:extLst>
   </p:cSld>
@@ -5344,7 +5346,7 @@
             <a:fld id="{3CCF56C0-5008-4DB4-8698-E16469066013}" type="datetimeFigureOut">
               <a:rPr lang="ru-RU" smtClean="0"/>
               <a:pPr/>
-              <a:t>24.10.2020</a:t>
+              <a:t>25.10.2020</a:t>
             </a:fld>
             <a:endParaRPr lang="ru-RU" dirty="0"/>
           </a:p>
@@ -5430,7 +5432,7 @@
     </p:spTree>
     <p:extLst>
       <p:ext uri="{BB962C8B-B14F-4D97-AF65-F5344CB8AC3E}">
-        <p14:creationId xmlns:p14="http://schemas.microsoft.com/office/powerpoint/2010/main" xmlns="" val="2523392475"/>
+        <p14:creationId xmlns="" xmlns:p14="http://schemas.microsoft.com/office/powerpoint/2010/main" val="2523392475"/>
       </p:ext>
     </p:extLst>
   </p:cSld>
@@ -5938,7 +5940,7 @@
     </p:spTree>
     <p:extLst>
       <p:ext uri="{BB962C8B-B14F-4D97-AF65-F5344CB8AC3E}">
-        <p14:creationId xmlns:p14="http://schemas.microsoft.com/office/powerpoint/2010/main" xmlns="" val="1354132756"/>
+        <p14:creationId xmlns="" xmlns:p14="http://schemas.microsoft.com/office/powerpoint/2010/main" val="1354132756"/>
       </p:ext>
     </p:extLst>
   </p:cSld>
@@ -6077,22 +6079,14 @@
           <a:p>
             <a:r>
               <a:rPr lang="en-US" dirty="0" smtClean="0"/>
-              <a:t>Settings </a:t>
-            </a:r>
+              <a:t>Settings -&gt; </a:t>
+            </a:r>
+            <a:endParaRPr lang="ru-RU" dirty="0" smtClean="0"/>
+          </a:p>
+          <a:p>
             <a:r>
               <a:rPr lang="en-US" dirty="0" smtClean="0"/>
-              <a:t>-&gt; </a:t>
-            </a:r>
-            <a:endParaRPr lang="ru-RU" dirty="0" smtClean="0"/>
-          </a:p>
-          <a:p>
-            <a:r>
-              <a:rPr lang="en-US" dirty="0" smtClean="0"/>
-              <a:t>Project</a:t>
-            </a:r>
-            <a:r>
-              <a:rPr lang="en-US" dirty="0" smtClean="0"/>
-              <a:t>:</a:t>
+              <a:t>Project:</a:t>
             </a:r>
             <a:r>
               <a:rPr lang="ru-RU" dirty="0" smtClean="0"/>
@@ -6107,33 +6101,21 @@
           <a:p>
             <a:r>
               <a:rPr lang="en-US" dirty="0" smtClean="0"/>
-              <a:t>Python </a:t>
-            </a:r>
+              <a:t>Python Interpreter -&gt; </a:t>
+            </a:r>
+            <a:endParaRPr lang="ru-RU" dirty="0" smtClean="0"/>
+          </a:p>
+          <a:p>
             <a:r>
               <a:rPr lang="en-US" dirty="0" smtClean="0"/>
-              <a:t>Interpreter -&gt; </a:t>
+              <a:t>+ -&gt; </a:t>
             </a:r>
             <a:endParaRPr lang="ru-RU" dirty="0" smtClean="0"/>
           </a:p>
           <a:p>
             <a:r>
-              <a:rPr lang="en-US" dirty="0" smtClean="0"/>
-              <a:t>+ </a:t>
-            </a:r>
-            <a:r>
-              <a:rPr lang="en-US" dirty="0" smtClean="0"/>
-              <a:t>-&gt; </a:t>
-            </a:r>
-            <a:endParaRPr lang="ru-RU" dirty="0" smtClean="0"/>
-          </a:p>
-          <a:p>
-            <a:r>
               <a:rPr lang="ru-RU" dirty="0" smtClean="0"/>
-              <a:t>в </a:t>
-            </a:r>
-            <a:r>
-              <a:rPr lang="ru-RU" dirty="0" smtClean="0"/>
-              <a:t>строке поиска найти </a:t>
+              <a:t>в строке поиска найти </a:t>
             </a:r>
             <a:r>
               <a:rPr lang="en-US" dirty="0" smtClean="0"/>
@@ -6144,11 +6126,7 @@
           <a:p>
             <a:r>
               <a:rPr lang="ru-RU" dirty="0" smtClean="0"/>
-              <a:t>выбрать </a:t>
-            </a:r>
-            <a:r>
-              <a:rPr lang="ru-RU" dirty="0" smtClean="0"/>
-              <a:t>–</a:t>
+              <a:t>выбрать –</a:t>
             </a:r>
             <a:r>
               <a:rPr lang="en-US" dirty="0" smtClean="0"/>
@@ -6159,11 +6137,7 @@
           <a:p>
             <a:r>
               <a:rPr lang="en-US" dirty="0" smtClean="0"/>
-              <a:t>Install </a:t>
-            </a:r>
-            <a:r>
-              <a:rPr lang="en-US" dirty="0" smtClean="0"/>
-              <a:t>Package</a:t>
+              <a:t>Install Package</a:t>
             </a:r>
             <a:endParaRPr lang="ru-RU" dirty="0"/>
           </a:p>
@@ -6216,7 +6190,23 @@
           <a:p>
             <a:r>
               <a:rPr lang="ru-RU" dirty="0" smtClean="0"/>
-              <a:t>Прокладка пути для работы </a:t>
+              <a:t>Прокладка пути для </a:t>
+            </a:r>
+            <a:r>
+              <a:rPr lang="ru-RU" dirty="0" smtClean="0"/>
+              <a:t>работы</a:t>
+            </a:r>
+            <a:r>
+              <a:rPr lang="en-US" dirty="0" smtClean="0"/>
+              <a:t> </a:t>
+            </a:r>
+            <a:r>
+              <a:rPr lang="ru-RU" dirty="0" smtClean="0"/>
+              <a:t>с</a:t>
+            </a:r>
+            <a:r>
+              <a:rPr lang="ru-RU" dirty="0" smtClean="0"/>
+              <a:t> </a:t>
             </a:r>
             <a:r>
               <a:rPr lang="en-US" dirty="0" smtClean="0"/>
@@ -6258,11 +6248,7 @@
           <a:p>
             <a:r>
               <a:rPr lang="ru-RU" dirty="0" smtClean="0"/>
-              <a:t>свойства </a:t>
-            </a:r>
-            <a:r>
-              <a:rPr lang="ru-RU" dirty="0" smtClean="0"/>
-              <a:t>-</a:t>
+              <a:t>свойства -</a:t>
             </a:r>
             <a:r>
               <a:rPr lang="en-US" dirty="0" smtClean="0"/>
@@ -6272,16 +6258,11 @@
               <a:rPr lang="ru-RU" dirty="0" smtClean="0"/>
               <a:t> </a:t>
             </a:r>
-            <a:endParaRPr lang="ru-RU" dirty="0" smtClean="0"/>
           </a:p>
           <a:p>
             <a:r>
               <a:rPr lang="ru-RU" dirty="0" smtClean="0"/>
-              <a:t>дополнительные </a:t>
-            </a:r>
-            <a:r>
-              <a:rPr lang="ru-RU" dirty="0" smtClean="0"/>
-              <a:t>параметры системы -</a:t>
+              <a:t>дополнительные параметры системы -</a:t>
             </a:r>
             <a:r>
               <a:rPr lang="en-US" dirty="0" smtClean="0"/>
@@ -6292,11 +6273,7 @@
           <a:p>
             <a:r>
               <a:rPr lang="ru-RU" dirty="0" smtClean="0"/>
-              <a:t>Параметры </a:t>
-            </a:r>
-            <a:r>
-              <a:rPr lang="ru-RU" dirty="0" smtClean="0"/>
-              <a:t>среды -</a:t>
+              <a:t>Параметры среды -</a:t>
             </a:r>
             <a:r>
               <a:rPr lang="en-US" dirty="0" smtClean="0"/>
@@ -6307,11 +6284,7 @@
           <a:p>
             <a:r>
               <a:rPr lang="ru-RU" dirty="0" smtClean="0"/>
-              <a:t>Системные </a:t>
-            </a:r>
-            <a:r>
-              <a:rPr lang="ru-RU" dirty="0" smtClean="0"/>
-              <a:t>переменные -</a:t>
+              <a:t>Системные переменные -</a:t>
             </a:r>
             <a:r>
               <a:rPr lang="en-US" dirty="0" smtClean="0"/>
@@ -6322,26 +6295,17 @@
           <a:p>
             <a:r>
               <a:rPr lang="en-US" dirty="0" smtClean="0"/>
-              <a:t>Path </a:t>
-            </a:r>
-            <a:r>
-              <a:rPr lang="en-US" dirty="0" smtClean="0"/>
-              <a:t>-&gt;</a:t>
+              <a:t>Path -&gt;</a:t>
             </a:r>
             <a:r>
               <a:rPr lang="ru-RU" dirty="0" smtClean="0"/>
               <a:t> </a:t>
             </a:r>
-            <a:endParaRPr lang="ru-RU" dirty="0" smtClean="0"/>
           </a:p>
           <a:p>
             <a:r>
               <a:rPr lang="ru-RU" dirty="0" smtClean="0"/>
-              <a:t>создать </a:t>
-            </a:r>
-            <a:r>
-              <a:rPr lang="ru-RU" dirty="0" smtClean="0"/>
-              <a:t>-</a:t>
+              <a:t>создать -</a:t>
             </a:r>
             <a:r>
               <a:rPr lang="en-US" dirty="0" smtClean="0"/>
@@ -6351,16 +6315,11 @@
               <a:rPr lang="ru-RU" dirty="0" smtClean="0"/>
               <a:t> </a:t>
             </a:r>
-            <a:endParaRPr lang="ru-RU" dirty="0" smtClean="0"/>
           </a:p>
           <a:p>
             <a:r>
               <a:rPr lang="ru-RU" dirty="0" smtClean="0"/>
-              <a:t>вставить </a:t>
-            </a:r>
-            <a:r>
-              <a:rPr lang="ru-RU" dirty="0" smtClean="0"/>
-              <a:t>туда полный путь до папки с </a:t>
+              <a:t>вставить туда полный путь до папки с </a:t>
             </a:r>
             <a:r>
               <a:rPr lang="en-US" dirty="0" smtClean="0"/>
@@ -6419,11 +6378,7 @@
           <a:p>
             <a:r>
               <a:rPr lang="en-US" dirty="0" smtClean="0"/>
-              <a:t>p</a:t>
-            </a:r>
-            <a:r>
-              <a:rPr lang="en-US" dirty="0" smtClean="0"/>
-              <a:t>andas </a:t>
+              <a:t>pandas </a:t>
             </a:r>
             <a:endParaRPr lang="ru-RU" dirty="0"/>
           </a:p>
@@ -6476,15 +6431,64 @@
             </a:r>
             <a:r>
               <a:rPr lang="ru-RU" dirty="0" smtClean="0"/>
-              <a:t>таблиц</a:t>
+              <a:t>таблиц (</a:t>
+            </a:r>
+            <a:r>
+              <a:rPr lang="en-US" dirty="0" smtClean="0"/>
+              <a:t>.</a:t>
+            </a:r>
+            <a:r>
+              <a:rPr lang="en-US" dirty="0" err="1" smtClean="0"/>
+              <a:t>scv</a:t>
+            </a:r>
+            <a:r>
+              <a:rPr lang="ru-RU" dirty="0" smtClean="0"/>
+              <a:t>, </a:t>
+            </a:r>
+            <a:r>
+              <a:rPr lang="en-US" dirty="0" smtClean="0"/>
+              <a:t>.</a:t>
+            </a:r>
+            <a:r>
+              <a:rPr lang="en-US" dirty="0" err="1" smtClean="0"/>
+              <a:t>pkl</a:t>
+            </a:r>
+            <a:r>
+              <a:rPr lang="en-US" dirty="0" smtClean="0"/>
+              <a:t>, </a:t>
+            </a:r>
+            <a:r>
+              <a:rPr lang="ru-RU" dirty="0" smtClean="0"/>
+              <a:t>и </a:t>
+            </a:r>
+            <a:r>
+              <a:rPr lang="ru-RU" dirty="0" err="1" smtClean="0"/>
+              <a:t>тд</a:t>
+            </a:r>
+            <a:r>
+              <a:rPr lang="en-US" dirty="0" smtClean="0"/>
+              <a:t>.</a:t>
+            </a:r>
+            <a:r>
+              <a:rPr lang="ru-RU" dirty="0" smtClean="0"/>
+              <a:t>)</a:t>
             </a:r>
             <a:endParaRPr lang="en-US" dirty="0" smtClean="0"/>
           </a:p>
           <a:p>
             <a:r>
               <a:rPr lang="ru-RU" dirty="0" smtClean="0"/>
-              <a:t>Основное её преимущество в том, что она умеет манипулировать дынными как матрица</a:t>
-            </a:r>
+              <a:t>Основное её преимущество в том, что она умеет манипулировать дынными как </a:t>
+            </a:r>
+            <a:r>
+              <a:rPr lang="ru-RU" dirty="0" smtClean="0"/>
+              <a:t>матриц</a:t>
+            </a:r>
+            <a:r>
+              <a:rPr lang="ru-RU" dirty="0" smtClean="0"/>
+              <a:t>ами и векторами</a:t>
+            </a:r>
+            <a:endParaRPr lang="ru-RU" dirty="0" smtClean="0"/>
           </a:p>
           <a:p>
             <a:r>
@@ -6492,6 +6496,1101 @@
               <a:t>Для загрузки и  сохранения данных нужно задавать команды явно</a:t>
             </a:r>
             <a:endParaRPr lang="ru-RU" dirty="0"/>
+          </a:p>
+        </p:txBody>
+      </p:sp>
+    </p:spTree>
+  </p:cSld>
+  <p:clrMapOvr>
+    <a:masterClrMapping/>
+  </p:clrMapOvr>
+</p:sld>
+</file>
+
+<file path=ppt/slides/slide13.xml><?xml version="1.0" encoding="utf-8"?>
+<p:sld xmlns:a="http://schemas.openxmlformats.org/drawingml/2006/main" xmlns:r="http://schemas.openxmlformats.org/officeDocument/2006/relationships" xmlns:p="http://schemas.openxmlformats.org/presentationml/2006/main">
+  <p:cSld>
+    <p:spTree>
+      <p:nvGrpSpPr>
+        <p:cNvPr id="1" name=""/>
+        <p:cNvGrpSpPr/>
+        <p:nvPr/>
+      </p:nvGrpSpPr>
+      <p:grpSpPr>
+        <a:xfrm>
+          <a:off x="0" y="0"/>
+          <a:ext cx="0" cy="0"/>
+          <a:chOff x="0" y="0"/>
+          <a:chExt cx="0" cy="0"/>
+        </a:xfrm>
+      </p:grpSpPr>
+      <p:sp>
+        <p:nvSpPr>
+          <p:cNvPr id="2" name="Заголовок 1"/>
+          <p:cNvSpPr>
+            <a:spLocks noGrp="1"/>
+          </p:cNvSpPr>
+          <p:nvPr>
+            <p:ph type="title"/>
+          </p:nvPr>
+        </p:nvSpPr>
+        <p:spPr/>
+        <p:txBody>
+          <a:bodyPr/>
+          <a:lstStyle/>
+          <a:p>
+            <a:r>
+              <a:rPr lang="ru-RU" dirty="0" smtClean="0"/>
+              <a:t>Создание базы данных на </a:t>
+            </a:r>
+            <a:r>
+              <a:rPr lang="en-US" dirty="0" smtClean="0"/>
+              <a:t>pandas</a:t>
+            </a:r>
+            <a:endParaRPr lang="ru-RU" dirty="0"/>
+          </a:p>
+        </p:txBody>
+      </p:sp>
+      <p:sp>
+        <p:nvSpPr>
+          <p:cNvPr id="3" name="Содержимое 2"/>
+          <p:cNvSpPr>
+            <a:spLocks noGrp="1"/>
+          </p:cNvSpPr>
+          <p:nvPr>
+            <p:ph idx="1"/>
+          </p:nvPr>
+        </p:nvSpPr>
+        <p:spPr/>
+        <p:txBody>
+          <a:bodyPr>
+            <a:normAutofit lnSpcReduction="10000"/>
+          </a:bodyPr>
+          <a:lstStyle/>
+          <a:p>
+            <a:pPr>
+              <a:buNone/>
+            </a:pPr>
+            <a:r>
+              <a:rPr lang="en-US" dirty="0" smtClean="0">
+                <a:solidFill>
+                  <a:schemeClr val="tx1">
+                    <a:lumMod val="75000"/>
+                  </a:schemeClr>
+                </a:solidFill>
+              </a:rPr>
+              <a:t># </a:t>
+            </a:r>
+            <a:r>
+              <a:rPr lang="ru-RU" dirty="0" smtClean="0">
+                <a:solidFill>
+                  <a:schemeClr val="tx1">
+                    <a:lumMod val="75000"/>
+                  </a:schemeClr>
+                </a:solidFill>
+              </a:rPr>
+              <a:t>с</a:t>
+            </a:r>
+            <a:r>
+              <a:rPr lang="ru-RU" dirty="0" smtClean="0">
+                <a:solidFill>
+                  <a:schemeClr val="tx1">
+                    <a:lumMod val="75000"/>
+                  </a:schemeClr>
+                </a:solidFill>
+              </a:rPr>
+              <a:t>интаксис</a:t>
+            </a:r>
+            <a:endParaRPr lang="en-US" dirty="0" smtClean="0">
+              <a:solidFill>
+                <a:schemeClr val="tx1">
+                  <a:lumMod val="75000"/>
+                </a:schemeClr>
+              </a:solidFill>
+            </a:endParaRPr>
+          </a:p>
+          <a:p>
+            <a:pPr>
+              <a:buNone/>
+            </a:pPr>
+            <a:r>
+              <a:rPr lang="en-US" dirty="0" smtClean="0"/>
+              <a:t>d</a:t>
+            </a:r>
+            <a:r>
+              <a:rPr lang="en-US" dirty="0" smtClean="0"/>
+              <a:t>f = pandas.DataFrame(</a:t>
+            </a:r>
+          </a:p>
+          <a:p>
+            <a:pPr>
+              <a:buNone/>
+            </a:pPr>
+            <a:r>
+              <a:rPr lang="en-US" dirty="0" smtClean="0"/>
+              <a:t>	</a:t>
+            </a:r>
+            <a:r>
+              <a:rPr lang="en-US" dirty="0" smtClean="0"/>
+              <a:t>		</a:t>
+            </a:r>
+            <a:r>
+              <a:rPr lang="en-US" dirty="0" smtClean="0">
+                <a:solidFill>
+                  <a:schemeClr val="accent5">
+                    <a:lumMod val="60000"/>
+                    <a:lumOff val="40000"/>
+                  </a:schemeClr>
+                </a:solidFill>
+              </a:rPr>
+              <a:t>data</a:t>
+            </a:r>
+            <a:r>
+              <a:rPr lang="en-US" dirty="0" smtClean="0"/>
+              <a:t>={‘</a:t>
+            </a:r>
+            <a:r>
+              <a:rPr lang="en-US" dirty="0" smtClean="0">
+                <a:solidFill>
+                  <a:schemeClr val="accent1">
+                    <a:lumMod val="60000"/>
+                    <a:lumOff val="40000"/>
+                  </a:schemeClr>
+                </a:solidFill>
+              </a:rPr>
+              <a:t>key1</a:t>
+            </a:r>
+            <a:r>
+              <a:rPr lang="en-US" dirty="0" smtClean="0">
+                <a:solidFill>
+                  <a:schemeClr val="tx1"/>
+                </a:solidFill>
+              </a:rPr>
+              <a:t>’: (</a:t>
+            </a:r>
+            <a:r>
+              <a:rPr lang="en-US" dirty="0" smtClean="0">
+                <a:solidFill>
+                  <a:schemeClr val="tx1"/>
+                </a:solidFill>
+              </a:rPr>
+              <a:t>‘</a:t>
+            </a:r>
+            <a:r>
+              <a:rPr lang="en-US" dirty="0" smtClean="0">
+                <a:solidFill>
+                  <a:schemeClr val="accent1">
+                    <a:lumMod val="60000"/>
+                    <a:lumOff val="40000"/>
+                  </a:schemeClr>
+                </a:solidFill>
+              </a:rPr>
+              <a:t>value1</a:t>
+            </a:r>
+            <a:r>
+              <a:rPr lang="en-US" dirty="0" smtClean="0">
+                <a:solidFill>
+                  <a:schemeClr val="tx1"/>
+                </a:solidFill>
+              </a:rPr>
+              <a:t>’, </a:t>
+            </a:r>
+            <a:r>
+              <a:rPr lang="en-US" dirty="0" smtClean="0">
+                <a:solidFill>
+                  <a:schemeClr val="tx1"/>
+                </a:solidFill>
+              </a:rPr>
+              <a:t>‘</a:t>
+            </a:r>
+            <a:r>
+              <a:rPr lang="en-US" dirty="0" smtClean="0">
+                <a:solidFill>
+                  <a:schemeClr val="accent1">
+                    <a:lumMod val="60000"/>
+                    <a:lumOff val="40000"/>
+                  </a:schemeClr>
+                </a:solidFill>
+              </a:rPr>
+              <a:t>value2</a:t>
+            </a:r>
+            <a:r>
+              <a:rPr lang="en-US" dirty="0" smtClean="0">
+                <a:solidFill>
+                  <a:schemeClr val="tx1"/>
+                </a:solidFill>
+              </a:rPr>
+              <a:t>’), ‘</a:t>
+            </a:r>
+            <a:r>
+              <a:rPr lang="en-US" dirty="0" smtClean="0">
+                <a:solidFill>
+                  <a:schemeClr val="accent1">
+                    <a:lumMod val="60000"/>
+                    <a:lumOff val="40000"/>
+                  </a:schemeClr>
+                </a:solidFill>
+              </a:rPr>
+              <a:t>another_key</a:t>
+            </a:r>
+            <a:r>
+              <a:rPr lang="en-US" dirty="0" smtClean="0">
+                <a:solidFill>
+                  <a:schemeClr val="tx1"/>
+                </a:solidFill>
+              </a:rPr>
+              <a:t>’: (</a:t>
+            </a:r>
+            <a:r>
+              <a:rPr lang="en-US" dirty="0" smtClean="0">
+                <a:solidFill>
+                  <a:schemeClr val="bg2">
+                    <a:lumMod val="40000"/>
+                    <a:lumOff val="60000"/>
+                  </a:schemeClr>
+                </a:solidFill>
+              </a:rPr>
+              <a:t>2.72</a:t>
+            </a:r>
+            <a:r>
+              <a:rPr lang="en-US" dirty="0" smtClean="0">
+                <a:solidFill>
+                  <a:schemeClr val="tx1"/>
+                </a:solidFill>
+              </a:rPr>
+              <a:t>,</a:t>
+            </a:r>
+            <a:r>
+              <a:rPr lang="en-US" dirty="0" smtClean="0">
+                <a:solidFill>
+                  <a:schemeClr val="bg2">
+                    <a:lumMod val="40000"/>
+                    <a:lumOff val="60000"/>
+                  </a:schemeClr>
+                </a:solidFill>
+              </a:rPr>
+              <a:t> 3.14</a:t>
+            </a:r>
+            <a:r>
+              <a:rPr lang="en-US" dirty="0" smtClean="0">
+                <a:solidFill>
+                  <a:schemeClr val="tx1"/>
+                </a:solidFill>
+              </a:rPr>
+              <a:t>)</a:t>
+            </a:r>
+            <a:r>
+              <a:rPr lang="en-US" dirty="0" smtClean="0"/>
+              <a:t>}</a:t>
+            </a:r>
+          </a:p>
+          <a:p>
+            <a:pPr>
+              <a:buNone/>
+            </a:pPr>
+            <a:r>
+              <a:rPr lang="en-US" dirty="0" smtClean="0"/>
+              <a:t>	</a:t>
+            </a:r>
+            <a:r>
+              <a:rPr lang="en-US" dirty="0" smtClean="0"/>
+              <a:t>		</a:t>
+            </a:r>
+            <a:r>
+              <a:rPr lang="en-US" dirty="0" smtClean="0">
+                <a:solidFill>
+                  <a:schemeClr val="accent5">
+                    <a:lumMod val="60000"/>
+                    <a:lumOff val="40000"/>
+                  </a:schemeClr>
+                </a:solidFill>
+              </a:rPr>
+              <a:t>index</a:t>
+            </a:r>
+            <a:r>
+              <a:rPr lang="en-US" dirty="0" smtClean="0"/>
+              <a:t>=(‘</a:t>
+            </a:r>
+            <a:r>
+              <a:rPr lang="en-US" dirty="0" smtClean="0">
+                <a:solidFill>
+                  <a:schemeClr val="accent1">
+                    <a:lumMod val="60000"/>
+                    <a:lumOff val="40000"/>
+                  </a:schemeClr>
+                </a:solidFill>
+              </a:rPr>
+              <a:t>a</a:t>
+            </a:r>
+            <a:r>
+              <a:rPr lang="en-US" dirty="0" smtClean="0"/>
+              <a:t>’, ‘</a:t>
+            </a:r>
+            <a:r>
+              <a:rPr lang="en-US" dirty="0" smtClean="0">
+                <a:solidFill>
+                  <a:schemeClr val="accent1">
+                    <a:lumMod val="60000"/>
+                    <a:lumOff val="40000"/>
+                  </a:schemeClr>
+                </a:solidFill>
+              </a:rPr>
+              <a:t>b</a:t>
+            </a:r>
+            <a:r>
+              <a:rPr lang="en-US" dirty="0" smtClean="0"/>
+              <a:t>’)					</a:t>
+            </a:r>
+            <a:r>
+              <a:rPr lang="en-US" dirty="0" smtClean="0">
+                <a:solidFill>
+                  <a:schemeClr val="tx1">
+                    <a:lumMod val="75000"/>
+                  </a:schemeClr>
+                </a:solidFill>
+              </a:rPr>
+              <a:t># </a:t>
+            </a:r>
+            <a:r>
+              <a:rPr lang="ru-RU" dirty="0" smtClean="0">
+                <a:solidFill>
+                  <a:schemeClr val="tx1">
+                    <a:lumMod val="75000"/>
+                  </a:schemeClr>
+                </a:solidFill>
+              </a:rPr>
+              <a:t>задаем индексы очевидно</a:t>
+            </a:r>
+          </a:p>
+          <a:p>
+            <a:pPr>
+              <a:buNone/>
+            </a:pPr>
+            <a:r>
+              <a:rPr lang="ru-RU" dirty="0" smtClean="0"/>
+              <a:t>	</a:t>
+            </a:r>
+            <a:r>
+              <a:rPr lang="ru-RU" dirty="0" smtClean="0"/>
+              <a:t>		</a:t>
+            </a:r>
+            <a:r>
+              <a:rPr lang="en-US" dirty="0" smtClean="0">
+                <a:solidFill>
+                  <a:schemeClr val="accent5">
+                    <a:lumMod val="60000"/>
+                    <a:lumOff val="40000"/>
+                  </a:schemeClr>
+                </a:solidFill>
+              </a:rPr>
+              <a:t>columns</a:t>
+            </a:r>
+            <a:r>
+              <a:rPr lang="en-US" dirty="0" smtClean="0"/>
+              <a:t>=(‘</a:t>
+            </a:r>
+            <a:r>
+              <a:rPr lang="en-US" dirty="0" smtClean="0">
+                <a:solidFill>
+                  <a:schemeClr val="accent1">
+                    <a:lumMod val="60000"/>
+                    <a:lumOff val="40000"/>
+                  </a:schemeClr>
+                </a:solidFill>
+              </a:rPr>
+              <a:t>another_key</a:t>
+            </a:r>
+            <a:r>
+              <a:rPr lang="en-US" dirty="0" smtClean="0">
+                <a:solidFill>
+                  <a:schemeClr val="accent1">
+                    <a:lumMod val="60000"/>
+                    <a:lumOff val="40000"/>
+                  </a:schemeClr>
+                </a:solidFill>
+              </a:rPr>
+              <a:t>’</a:t>
+            </a:r>
+            <a:r>
+              <a:rPr lang="en-US" dirty="0" smtClean="0">
+                <a:solidFill>
+                  <a:schemeClr val="tx1"/>
+                </a:solidFill>
+              </a:rPr>
+              <a:t>,</a:t>
+            </a:r>
+            <a:r>
+              <a:rPr lang="en-US" dirty="0" smtClean="0">
+                <a:solidFill>
+                  <a:schemeClr val="accent1">
+                    <a:lumMod val="60000"/>
+                    <a:lumOff val="40000"/>
+                  </a:schemeClr>
+                </a:solidFill>
+              </a:rPr>
+              <a:t> ‘</a:t>
+            </a:r>
+            <a:r>
+              <a:rPr lang="en-US" dirty="0" smtClean="0">
+                <a:solidFill>
+                  <a:schemeClr val="accent1">
+                    <a:lumMod val="60000"/>
+                    <a:lumOff val="40000"/>
+                  </a:schemeClr>
+                </a:solidFill>
+              </a:rPr>
+              <a:t>key1</a:t>
+            </a:r>
+            <a:r>
+              <a:rPr lang="en-US" dirty="0" smtClean="0">
+                <a:solidFill>
+                  <a:schemeClr val="accent1">
+                    <a:lumMod val="60000"/>
+                    <a:lumOff val="40000"/>
+                  </a:schemeClr>
+                </a:solidFill>
+              </a:rPr>
+              <a:t>’</a:t>
+            </a:r>
+            <a:r>
+              <a:rPr lang="en-US" dirty="0" smtClean="0"/>
+              <a:t>)</a:t>
+            </a:r>
+            <a:r>
+              <a:rPr lang="ru-RU" dirty="0" smtClean="0"/>
+              <a:t>	</a:t>
+            </a:r>
+            <a:r>
+              <a:rPr lang="en-US" dirty="0" smtClean="0">
+                <a:solidFill>
+                  <a:schemeClr val="tx1">
+                    <a:lumMod val="75000"/>
+                  </a:schemeClr>
+                </a:solidFill>
+              </a:rPr>
+              <a:t># </a:t>
+            </a:r>
+            <a:r>
+              <a:rPr lang="ru-RU" dirty="0" smtClean="0">
+                <a:solidFill>
+                  <a:schemeClr val="tx1">
+                    <a:lumMod val="75000"/>
+                  </a:schemeClr>
+                </a:solidFill>
+              </a:rPr>
+              <a:t>задаем </a:t>
+            </a:r>
+            <a:r>
+              <a:rPr lang="ru-RU" dirty="0" smtClean="0">
+                <a:solidFill>
+                  <a:schemeClr val="tx1">
+                    <a:lumMod val="75000"/>
+                  </a:schemeClr>
+                </a:solidFill>
+              </a:rPr>
+              <a:t>колонки очевидно</a:t>
+            </a:r>
+            <a:endParaRPr lang="en-US" dirty="0" smtClean="0">
+              <a:solidFill>
+                <a:schemeClr val="tx1">
+                  <a:lumMod val="75000"/>
+                </a:schemeClr>
+              </a:solidFill>
+            </a:endParaRPr>
+          </a:p>
+          <a:p>
+            <a:pPr>
+              <a:buNone/>
+            </a:pPr>
+            <a:r>
+              <a:rPr lang="en-US" dirty="0" smtClean="0"/>
+              <a:t>)</a:t>
+            </a:r>
+          </a:p>
+          <a:p>
+            <a:pPr>
+              <a:buNone/>
+            </a:pPr>
+            <a:r>
+              <a:rPr lang="en-US" dirty="0" smtClean="0">
+                <a:solidFill>
+                  <a:schemeClr val="tx1">
+                    <a:lumMod val="75000"/>
+                  </a:schemeClr>
+                </a:solidFill>
+              </a:rPr>
+              <a:t># </a:t>
+            </a:r>
+            <a:r>
+              <a:rPr lang="ru-RU" dirty="0" smtClean="0">
+                <a:solidFill>
+                  <a:schemeClr val="tx1">
+                    <a:lumMod val="75000"/>
+                  </a:schemeClr>
+                </a:solidFill>
+              </a:rPr>
+              <a:t>результат</a:t>
+            </a:r>
+          </a:p>
+          <a:p>
+            <a:pPr>
+              <a:buNone/>
+            </a:pPr>
+            <a:r>
+              <a:rPr lang="ru-RU" dirty="0" smtClean="0">
+                <a:solidFill>
+                  <a:schemeClr val="tx1"/>
+                </a:solidFill>
+              </a:rPr>
+              <a:t>	</a:t>
+            </a:r>
+            <a:r>
+              <a:rPr lang="en-US" dirty="0" smtClean="0">
+                <a:solidFill>
+                  <a:schemeClr val="tx1"/>
+                </a:solidFill>
+              </a:rPr>
+              <a:t>an_key   </a:t>
+            </a:r>
+            <a:r>
+              <a:rPr lang="ru-RU" dirty="0" smtClean="0">
+                <a:solidFill>
+                  <a:schemeClr val="tx1"/>
+                </a:solidFill>
+              </a:rPr>
+              <a:t>	</a:t>
+            </a:r>
+            <a:r>
+              <a:rPr lang="en-US" dirty="0" smtClean="0">
+                <a:solidFill>
+                  <a:schemeClr val="tx1"/>
+                </a:solidFill>
+              </a:rPr>
+              <a:t>key</a:t>
+            </a:r>
+            <a:endParaRPr lang="en-US" dirty="0" smtClean="0">
+              <a:solidFill>
+                <a:schemeClr val="tx1"/>
+              </a:solidFill>
+            </a:endParaRPr>
+          </a:p>
+          <a:p>
+            <a:pPr>
+              <a:buNone/>
+            </a:pPr>
+            <a:r>
+              <a:rPr lang="en-US" dirty="0" smtClean="0">
+                <a:solidFill>
+                  <a:schemeClr val="tx1"/>
+                </a:solidFill>
+              </a:rPr>
+              <a:t>a    </a:t>
+            </a:r>
+            <a:r>
+              <a:rPr lang="ru-RU" dirty="0" smtClean="0">
+                <a:solidFill>
+                  <a:schemeClr val="tx1"/>
+                </a:solidFill>
+              </a:rPr>
+              <a:t>	</a:t>
+            </a:r>
+            <a:r>
+              <a:rPr lang="en-US" dirty="0" smtClean="0">
+                <a:solidFill>
+                  <a:schemeClr val="tx1"/>
+                </a:solidFill>
+              </a:rPr>
+              <a:t>2.72  </a:t>
+            </a:r>
+            <a:r>
+              <a:rPr lang="ru-RU" dirty="0" smtClean="0">
+                <a:solidFill>
+                  <a:schemeClr val="tx1"/>
+                </a:solidFill>
+              </a:rPr>
+              <a:t>	</a:t>
+            </a:r>
+            <a:r>
+              <a:rPr lang="en-US" dirty="0" smtClean="0">
+                <a:solidFill>
+                  <a:schemeClr val="tx1"/>
+                </a:solidFill>
+              </a:rPr>
+              <a:t>val1</a:t>
+            </a:r>
+            <a:endParaRPr lang="en-US" dirty="0" smtClean="0">
+              <a:solidFill>
+                <a:schemeClr val="tx1"/>
+              </a:solidFill>
+            </a:endParaRPr>
+          </a:p>
+          <a:p>
+            <a:pPr>
+              <a:buNone/>
+            </a:pPr>
+            <a:r>
+              <a:rPr lang="en-US" dirty="0" smtClean="0">
+                <a:solidFill>
+                  <a:schemeClr val="tx1"/>
+                </a:solidFill>
+              </a:rPr>
+              <a:t>b    </a:t>
+            </a:r>
+            <a:r>
+              <a:rPr lang="ru-RU" dirty="0" smtClean="0">
+                <a:solidFill>
+                  <a:schemeClr val="tx1"/>
+                </a:solidFill>
+              </a:rPr>
+              <a:t>	</a:t>
+            </a:r>
+            <a:r>
+              <a:rPr lang="en-US" dirty="0" smtClean="0">
+                <a:solidFill>
+                  <a:schemeClr val="tx1"/>
+                </a:solidFill>
+              </a:rPr>
+              <a:t>3.14  </a:t>
+            </a:r>
+            <a:r>
+              <a:rPr lang="ru-RU" dirty="0" smtClean="0">
+                <a:solidFill>
+                  <a:schemeClr val="tx1"/>
+                </a:solidFill>
+              </a:rPr>
+              <a:t>	</a:t>
+            </a:r>
+            <a:r>
+              <a:rPr lang="en-US" dirty="0" smtClean="0">
+                <a:solidFill>
+                  <a:schemeClr val="tx1"/>
+                </a:solidFill>
+              </a:rPr>
+              <a:t>val2</a:t>
+            </a:r>
+            <a:endParaRPr lang="ru-RU" dirty="0">
+              <a:solidFill>
+                <a:schemeClr val="tx1"/>
+              </a:solidFill>
+            </a:endParaRPr>
+          </a:p>
+        </p:txBody>
+      </p:sp>
+    </p:spTree>
+  </p:cSld>
+  <p:clrMapOvr>
+    <a:masterClrMapping/>
+  </p:clrMapOvr>
+</p:sld>
+</file>
+
+<file path=ppt/slides/slide14.xml><?xml version="1.0" encoding="utf-8"?>
+<p:sld xmlns:a="http://schemas.openxmlformats.org/drawingml/2006/main" xmlns:r="http://schemas.openxmlformats.org/officeDocument/2006/relationships" xmlns:p="http://schemas.openxmlformats.org/presentationml/2006/main">
+  <p:cSld>
+    <p:spTree>
+      <p:nvGrpSpPr>
+        <p:cNvPr id="1" name=""/>
+        <p:cNvGrpSpPr/>
+        <p:nvPr/>
+      </p:nvGrpSpPr>
+      <p:grpSpPr>
+        <a:xfrm>
+          <a:off x="0" y="0"/>
+          <a:ext cx="0" cy="0"/>
+          <a:chOff x="0" y="0"/>
+          <a:chExt cx="0" cy="0"/>
+        </a:xfrm>
+      </p:grpSpPr>
+      <p:sp>
+        <p:nvSpPr>
+          <p:cNvPr id="2" name="Заголовок 1"/>
+          <p:cNvSpPr>
+            <a:spLocks noGrp="1"/>
+          </p:cNvSpPr>
+          <p:nvPr>
+            <p:ph type="title"/>
+          </p:nvPr>
+        </p:nvSpPr>
+        <p:spPr/>
+        <p:txBody>
+          <a:bodyPr/>
+          <a:lstStyle/>
+          <a:p>
+            <a:r>
+              <a:rPr lang="en-US" dirty="0" smtClean="0"/>
+              <a:t>Backend </a:t>
+            </a:r>
+            <a:r>
+              <a:rPr lang="en-US" dirty="0" smtClean="0"/>
+              <a:t>/ </a:t>
+            </a:r>
+            <a:r>
+              <a:rPr lang="ru-RU" dirty="0" smtClean="0"/>
+              <a:t>Подключение базы данных</a:t>
+            </a:r>
+            <a:endParaRPr lang="ru-RU" dirty="0"/>
+          </a:p>
+        </p:txBody>
+      </p:sp>
+      <p:sp>
+        <p:nvSpPr>
+          <p:cNvPr id="3" name="Содержимое 2"/>
+          <p:cNvSpPr>
+            <a:spLocks noGrp="1"/>
+          </p:cNvSpPr>
+          <p:nvPr>
+            <p:ph idx="1"/>
+          </p:nvPr>
+        </p:nvSpPr>
+        <p:spPr>
+          <a:xfrm>
+            <a:off x="677333" y="2160589"/>
+            <a:ext cx="9070515" cy="3880773"/>
+          </a:xfrm>
+        </p:spPr>
+        <p:txBody>
+          <a:bodyPr/>
+          <a:lstStyle/>
+          <a:p>
+            <a:pPr>
+              <a:buNone/>
+            </a:pPr>
+            <a:r>
+              <a:rPr lang="en-US" dirty="0" smtClean="0">
+                <a:solidFill>
+                  <a:schemeClr val="tx1">
+                    <a:lumMod val="75000"/>
+                  </a:schemeClr>
+                </a:solidFill>
+              </a:rPr>
+              <a:t># </a:t>
+            </a:r>
+            <a:r>
+              <a:rPr lang="ru-RU" dirty="0" smtClean="0">
+                <a:solidFill>
+                  <a:schemeClr val="tx1">
+                    <a:lumMod val="75000"/>
+                  </a:schemeClr>
+                </a:solidFill>
+              </a:rPr>
+              <a:t>импортируем библиотеку</a:t>
+            </a:r>
+            <a:endParaRPr lang="en-US" dirty="0" smtClean="0">
+              <a:solidFill>
+                <a:schemeClr val="tx1">
+                  <a:lumMod val="75000"/>
+                </a:schemeClr>
+              </a:solidFill>
+            </a:endParaRPr>
+          </a:p>
+          <a:p>
+            <a:pPr>
+              <a:buNone/>
+            </a:pPr>
+            <a:r>
+              <a:rPr lang="en-US" dirty="0" smtClean="0">
+                <a:solidFill>
+                  <a:schemeClr val="accent3">
+                    <a:lumMod val="60000"/>
+                    <a:lumOff val="40000"/>
+                  </a:schemeClr>
+                </a:solidFill>
+              </a:rPr>
+              <a:t>import</a:t>
+            </a:r>
+            <a:r>
+              <a:rPr lang="en-US" dirty="0" smtClean="0"/>
+              <a:t> pandas </a:t>
+            </a:r>
+            <a:r>
+              <a:rPr lang="en-US" dirty="0" smtClean="0">
+                <a:solidFill>
+                  <a:schemeClr val="accent3">
+                    <a:lumMod val="60000"/>
+                    <a:lumOff val="40000"/>
+                  </a:schemeClr>
+                </a:solidFill>
+              </a:rPr>
+              <a:t>as</a:t>
+            </a:r>
+            <a:r>
+              <a:rPr lang="en-US" dirty="0" smtClean="0"/>
+              <a:t> pd</a:t>
+            </a:r>
+            <a:endParaRPr lang="ru-RU" dirty="0" smtClean="0"/>
+          </a:p>
+          <a:p>
+            <a:pPr>
+              <a:buNone/>
+            </a:pPr>
+            <a:endParaRPr lang="ru-RU" dirty="0" smtClean="0"/>
+          </a:p>
+          <a:p>
+            <a:pPr>
+              <a:buNone/>
+            </a:pPr>
+            <a:r>
+              <a:rPr lang="en-US" dirty="0" smtClean="0">
+                <a:solidFill>
+                  <a:schemeClr val="tx1">
+                    <a:lumMod val="75000"/>
+                  </a:schemeClr>
+                </a:solidFill>
+              </a:rPr>
+              <a:t># </a:t>
+            </a:r>
+            <a:r>
+              <a:rPr lang="ru-RU" dirty="0" smtClean="0">
+                <a:solidFill>
+                  <a:schemeClr val="tx1">
+                    <a:lumMod val="75000"/>
+                  </a:schemeClr>
+                </a:solidFill>
+              </a:rPr>
+              <a:t>формируем базу</a:t>
+            </a:r>
+          </a:p>
+          <a:p>
+            <a:pPr>
+              <a:buNone/>
+            </a:pPr>
+            <a:r>
+              <a:rPr lang="en-US" dirty="0" smtClean="0">
+                <a:solidFill>
+                  <a:schemeClr val="tx1"/>
+                </a:solidFill>
+              </a:rPr>
+              <a:t>c</a:t>
+            </a:r>
+            <a:r>
+              <a:rPr lang="en-US" dirty="0" smtClean="0">
+                <a:solidFill>
+                  <a:schemeClr val="tx1"/>
+                </a:solidFill>
+              </a:rPr>
+              <a:t>olumns = </a:t>
+            </a:r>
+            <a:r>
+              <a:rPr lang="ru-RU" dirty="0" smtClean="0">
+                <a:solidFill>
+                  <a:schemeClr val="accent1">
+                    <a:lumMod val="60000"/>
+                    <a:lumOff val="40000"/>
+                  </a:schemeClr>
+                </a:solidFill>
+              </a:rPr>
+              <a:t>'ФИО</a:t>
+            </a:r>
+            <a:r>
+              <a:rPr lang="ru-RU" dirty="0" smtClean="0"/>
+              <a:t>', </a:t>
+            </a:r>
+            <a:r>
+              <a:rPr lang="ru-RU" dirty="0" smtClean="0">
+                <a:solidFill>
+                  <a:schemeClr val="accent1">
+                    <a:lumMod val="60000"/>
+                    <a:lumOff val="40000"/>
+                  </a:schemeClr>
+                </a:solidFill>
+              </a:rPr>
+              <a:t>‘пол</a:t>
+            </a:r>
+            <a:r>
+              <a:rPr lang="ru-RU" dirty="0" smtClean="0"/>
+              <a:t>', </a:t>
+            </a:r>
+            <a:r>
+              <a:rPr lang="ru-RU" dirty="0" smtClean="0">
+                <a:solidFill>
+                  <a:schemeClr val="accent1">
+                    <a:lumMod val="60000"/>
+                    <a:lumOff val="40000"/>
+                  </a:schemeClr>
+                </a:solidFill>
+              </a:rPr>
+              <a:t>‘возраст</a:t>
+            </a:r>
+            <a:r>
+              <a:rPr lang="ru-RU" dirty="0" smtClean="0"/>
+              <a:t>', </a:t>
+            </a:r>
+            <a:r>
+              <a:rPr lang="ru-RU" dirty="0" smtClean="0">
+                <a:solidFill>
+                  <a:schemeClr val="accent1">
+                    <a:lumMod val="60000"/>
+                    <a:lumOff val="40000"/>
+                  </a:schemeClr>
+                </a:solidFill>
+              </a:rPr>
+              <a:t>‘дата</a:t>
+            </a:r>
+            <a:r>
+              <a:rPr lang="ru-RU" dirty="0" smtClean="0"/>
+              <a:t> </a:t>
+            </a:r>
+            <a:r>
+              <a:rPr lang="ru-RU" dirty="0" smtClean="0">
+                <a:solidFill>
+                  <a:schemeClr val="accent1">
+                    <a:lumMod val="60000"/>
+                    <a:lumOff val="40000"/>
+                  </a:schemeClr>
+                </a:solidFill>
+              </a:rPr>
+              <a:t>рождения</a:t>
+            </a:r>
+            <a:r>
+              <a:rPr lang="ru-RU" dirty="0" smtClean="0"/>
+              <a:t>', </a:t>
+            </a:r>
+            <a:r>
+              <a:rPr lang="ru-RU" dirty="0" smtClean="0">
+                <a:solidFill>
+                  <a:schemeClr val="accent1">
+                    <a:lumMod val="60000"/>
+                    <a:lumOff val="40000"/>
+                  </a:schemeClr>
+                </a:solidFill>
+              </a:rPr>
+              <a:t>‘интересы</a:t>
+            </a:r>
+            <a:r>
+              <a:rPr lang="ru-RU" dirty="0" smtClean="0"/>
+              <a:t>', </a:t>
+            </a:r>
+            <a:r>
+              <a:rPr lang="ru-RU" dirty="0" smtClean="0">
+                <a:solidFill>
+                  <a:schemeClr val="accent1">
+                    <a:lumMod val="60000"/>
+                    <a:lumOff val="40000"/>
+                  </a:schemeClr>
+                </a:solidFill>
+              </a:rPr>
+              <a:t>‘</a:t>
+            </a:r>
+            <a:r>
+              <a:rPr lang="ru-RU" dirty="0" smtClean="0">
+                <a:solidFill>
+                  <a:schemeClr val="accent1">
+                    <a:lumMod val="60000"/>
+                    <a:lumOff val="40000"/>
+                  </a:schemeClr>
+                </a:solidFill>
+              </a:rPr>
+              <a:t>д</a:t>
+            </a:r>
+            <a:r>
+              <a:rPr lang="ru-RU" dirty="0" smtClean="0">
+                <a:solidFill>
+                  <a:schemeClr val="accent1">
+                    <a:lumMod val="60000"/>
+                    <a:lumOff val="40000"/>
+                  </a:schemeClr>
+                </a:solidFill>
+              </a:rPr>
+              <a:t>ата</a:t>
+            </a:r>
+            <a:r>
+              <a:rPr lang="en-US" dirty="0" smtClean="0"/>
+              <a:t> </a:t>
+            </a:r>
+            <a:r>
+              <a:rPr lang="ru-RU" dirty="0" smtClean="0">
+                <a:solidFill>
+                  <a:schemeClr val="accent1">
+                    <a:lumMod val="60000"/>
+                    <a:lumOff val="40000"/>
+                  </a:schemeClr>
+                </a:solidFill>
+              </a:rPr>
+              <a:t>регистрации</a:t>
+            </a:r>
+            <a:r>
+              <a:rPr lang="ru-RU" dirty="0" smtClean="0"/>
+              <a:t>‘</a:t>
+            </a:r>
+          </a:p>
+          <a:p>
+            <a:pPr>
+              <a:buNone/>
+            </a:pPr>
+            <a:r>
+              <a:rPr lang="en-US" dirty="0" smtClean="0">
+                <a:solidFill>
+                  <a:schemeClr val="tx1"/>
+                </a:solidFill>
+              </a:rPr>
+              <a:t>df = pd.DataFrame(</a:t>
+            </a:r>
+            <a:r>
+              <a:rPr lang="en-US" dirty="0" smtClean="0">
+                <a:solidFill>
+                  <a:schemeClr val="accent5">
+                    <a:lumMod val="60000"/>
+                    <a:lumOff val="40000"/>
+                  </a:schemeClr>
+                </a:solidFill>
+              </a:rPr>
+              <a:t>columns</a:t>
+            </a:r>
+            <a:r>
+              <a:rPr lang="en-US" dirty="0" smtClean="0">
+                <a:solidFill>
+                  <a:schemeClr val="tx1"/>
+                </a:solidFill>
+              </a:rPr>
+              <a:t>=columns) </a:t>
+            </a:r>
+            <a:r>
+              <a:rPr lang="en-US" dirty="0" smtClean="0">
+                <a:solidFill>
+                  <a:schemeClr val="tx1">
+                    <a:lumMod val="75000"/>
+                  </a:schemeClr>
+                </a:solidFill>
+              </a:rPr>
+              <a:t># col</a:t>
+            </a:r>
+            <a:r>
+              <a:rPr lang="en-US" dirty="0" smtClean="0">
+                <a:solidFill>
+                  <a:schemeClr val="tx1">
+                    <a:lumMod val="75000"/>
+                  </a:schemeClr>
+                </a:solidFill>
+              </a:rPr>
+              <a:t>u</a:t>
+            </a:r>
+            <a:r>
+              <a:rPr lang="en-US" dirty="0" smtClean="0">
+                <a:solidFill>
+                  <a:schemeClr val="tx1">
+                    <a:lumMod val="75000"/>
+                  </a:schemeClr>
+                </a:solidFill>
+              </a:rPr>
+              <a:t>mn </a:t>
+            </a:r>
+            <a:r>
+              <a:rPr lang="ru-RU" dirty="0" smtClean="0">
+                <a:solidFill>
+                  <a:schemeClr val="tx1">
+                    <a:lumMod val="75000"/>
+                  </a:schemeClr>
+                </a:solidFill>
+              </a:rPr>
+              <a:t>создает столбцы для базы данных</a:t>
+            </a:r>
+            <a:endParaRPr lang="ru-RU" dirty="0">
+              <a:solidFill>
+                <a:schemeClr val="tx1">
+                  <a:lumMod val="75000"/>
+                </a:schemeClr>
+              </a:solidFill>
+            </a:endParaRPr>
           </a:p>
         </p:txBody>
       </p:sp>
@@ -6584,7 +7683,21 @@
             <a:endParaRPr lang="ru-RU" dirty="0" smtClean="0"/>
           </a:p>
           <a:p>
-            <a:endParaRPr lang="ru-RU" dirty="0"/>
+            <a:r>
+              <a:rPr lang="ru-RU" dirty="0" smtClean="0"/>
+              <a:t>Загрузка пакетов</a:t>
+            </a:r>
+          </a:p>
+          <a:p>
+            <a:r>
+              <a:rPr lang="ru-RU" dirty="0" smtClean="0"/>
+              <a:t>Создание базы данных на </a:t>
+            </a:r>
+            <a:r>
+              <a:rPr lang="en-US" smtClean="0"/>
+              <a:t>pandas</a:t>
+            </a:r>
+            <a:endParaRPr lang="ru-RU" dirty="0" smtClean="0"/>
           </a:p>
         </p:txBody>
       </p:sp>
@@ -6632,7 +7745,7 @@
           <a:p>
             <a:r>
               <a:rPr lang="en-US" sz="3200" dirty="0" smtClean="0"/>
-              <a:t>Back_end </a:t>
+              <a:t>Backend </a:t>
             </a:r>
             <a:r>
               <a:rPr lang="ru-RU" sz="3200" dirty="0" smtClean="0"/>
@@ -6906,7 +8019,7 @@
     </p:spTree>
     <p:extLst>
       <p:ext uri="{BB962C8B-B14F-4D97-AF65-F5344CB8AC3E}">
-        <p14:creationId xmlns:p14="http://schemas.microsoft.com/office/powerpoint/2010/main" xmlns="" val="2036377716"/>
+        <p14:creationId xmlns="" xmlns:p14="http://schemas.microsoft.com/office/powerpoint/2010/main" val="2036377716"/>
       </p:ext>
     </p:extLst>
   </p:cSld>
@@ -7965,6 +9078,13 @@
               </a:rPr>
               <a:t>2.72</a:t>
             </a:r>
+            <a:endParaRPr lang="en-US" dirty="0" smtClean="0">
+              <a:solidFill>
+                <a:schemeClr val="tx1">
+                  <a:lumMod val="75000"/>
+                </a:schemeClr>
+              </a:solidFill>
+            </a:endParaRPr>
           </a:p>
           <a:p>
             <a:pPr>
@@ -8750,7 +9870,11 @@
             </a:r>
             <a:r>
               <a:rPr lang="en-US" dirty="0" smtClean="0"/>
-              <a:t>name, age, height, education - </a:t>
+              <a:t>name, age, height, sex, </a:t>
+            </a:r>
+            <a:r>
+              <a:rPr lang="en-US" dirty="0" smtClean="0"/>
+              <a:t>education - </a:t>
             </a:r>
             <a:r>
               <a:rPr lang="ru-RU" dirty="0" smtClean="0"/>
@@ -8760,11 +9884,35 @@
               <a:rPr lang="en-US" dirty="0" smtClean="0"/>
               <a:t>None</a:t>
             </a:r>
+            <a:endParaRPr lang="ru-RU" dirty="0" smtClean="0"/>
           </a:p>
           <a:p>
             <a:r>
               <a:rPr lang="ru-RU" dirty="0" smtClean="0"/>
-              <a:t>Затем через консоль заполните ключи своими данными</a:t>
+              <a:t>Напишите программу которая будет запрашивать у пользователя данные и записывать их в значения ключей</a:t>
+            </a:r>
+            <a:endParaRPr lang="en-US" dirty="0" smtClean="0"/>
+          </a:p>
+          <a:p>
+            <a:r>
+              <a:rPr lang="en-US" dirty="0" smtClean="0"/>
+              <a:t>age</a:t>
+            </a:r>
+            <a:r>
+              <a:rPr lang="ru-RU" dirty="0" smtClean="0"/>
+              <a:t> и</a:t>
+            </a:r>
+            <a:r>
+              <a:rPr lang="en-US" dirty="0" smtClean="0"/>
+              <a:t> height </a:t>
+            </a:r>
+            <a:r>
+              <a:rPr lang="ru-RU" dirty="0" smtClean="0"/>
+              <a:t>должны записываться в типе </a:t>
+            </a:r>
+            <a:r>
+              <a:rPr lang="en-US" dirty="0" smtClean="0"/>
+              <a:t>int</a:t>
             </a:r>
             <a:endParaRPr lang="en-US" dirty="0" smtClean="0"/>
           </a:p>
@@ -9285,7 +10433,7 @@
   <a:extraClrSchemeLst/>
   <a:extLst>
     <a:ext uri="{05A4C25C-085E-4340-85A3-A5531E510DB2}">
-      <thm15:themeFamily xmlns:thm15="http://schemas.microsoft.com/office/thememl/2012/main" xmlns="" name="Facet" id="{C0C680CD-088A-49FC-A102-D699147F32B2}" vid="{8C59B386-999D-4CB6-B907-9F3997C027CC}"/>
+      <thm15:themeFamily xmlns="" xmlns:thm15="http://schemas.microsoft.com/office/thememl/2012/main" name="Facet" id="{C0C680CD-088A-49FC-A102-D699147F32B2}" vid="{8C59B386-999D-4CB6-B907-9F3997C027CC}"/>
     </a:ext>
   </a:extLst>
 </a:theme>

--- a/course_project_for_korund/ver 1.1/уроки/урок 7.pptx
+++ b/course_project_for_korund/ver 1.1/уроки/урок 7.pptx
@@ -19,6 +19,12 @@
     <p:sldId id="331" r:id="rId13"/>
     <p:sldId id="333" r:id="rId14"/>
     <p:sldId id="332" r:id="rId15"/>
+    <p:sldId id="334" r:id="rId16"/>
+    <p:sldId id="335" r:id="rId17"/>
+    <p:sldId id="336" r:id="rId18"/>
+    <p:sldId id="337" r:id="rId19"/>
+    <p:sldId id="338" r:id="rId20"/>
+    <p:sldId id="339" r:id="rId21"/>
   </p:sldIdLst>
   <p:sldSz cx="12192000" cy="6858000"/>
   <p:notesSz cx="6858000" cy="9144000"/>
@@ -119,7 +125,7 @@
   </p:defaultTextStyle>
   <p:extLst>
     <p:ext uri="{EFAFB233-063F-42B5-8137-9DF3F51BA10A}">
-      <p15:sldGuideLst xmlns="" xmlns:p15="http://schemas.microsoft.com/office/powerpoint/2012/main">
+      <p15:sldGuideLst xmlns:p15="http://schemas.microsoft.com/office/powerpoint/2012/main">
         <p15:guide id="1" orient="horz" pos="2160">
           <p15:clr>
             <a:srgbClr val="A4A3A4"/>
@@ -861,7 +867,7 @@
             <a:fld id="{3CCF56C0-5008-4DB4-8698-E16469066013}" type="datetimeFigureOut">
               <a:rPr lang="ru-RU" smtClean="0"/>
               <a:pPr/>
-              <a:t>25.10.2020</a:t>
+              <a:t>28.10.2020</a:t>
             </a:fld>
             <a:endParaRPr lang="ru-RU" dirty="0"/>
           </a:p>
@@ -913,7 +919,7 @@
     </p:spTree>
     <p:extLst>
       <p:ext uri="{BB962C8B-B14F-4D97-AF65-F5344CB8AC3E}">
-        <p14:creationId xmlns="" xmlns:p14="http://schemas.microsoft.com/office/powerpoint/2010/main" val="4238684791"/>
+        <p14:creationId xmlns:p14="http://schemas.microsoft.com/office/powerpoint/2010/main" val="4238684791"/>
       </p:ext>
     </p:extLst>
   </p:cSld>
@@ -1114,7 +1120,7 @@
             <a:fld id="{3CCF56C0-5008-4DB4-8698-E16469066013}" type="datetimeFigureOut">
               <a:rPr lang="ru-RU" smtClean="0"/>
               <a:pPr/>
-              <a:t>25.10.2020</a:t>
+              <a:t>28.10.2020</a:t>
             </a:fld>
             <a:endParaRPr lang="ru-RU" dirty="0"/>
           </a:p>
@@ -1166,7 +1172,7 @@
     </p:spTree>
     <p:extLst>
       <p:ext uri="{BB962C8B-B14F-4D97-AF65-F5344CB8AC3E}">
-        <p14:creationId xmlns="" xmlns:p14="http://schemas.microsoft.com/office/powerpoint/2010/main" val="3509571314"/>
+        <p14:creationId xmlns:p14="http://schemas.microsoft.com/office/powerpoint/2010/main" val="3509571314"/>
       </p:ext>
     </p:extLst>
   </p:cSld>
@@ -1430,7 +1436,7 @@
             <a:fld id="{3CCF56C0-5008-4DB4-8698-E16469066013}" type="datetimeFigureOut">
               <a:rPr lang="ru-RU" smtClean="0"/>
               <a:pPr/>
-              <a:t>25.10.2020</a:t>
+              <a:t>28.10.2020</a:t>
             </a:fld>
             <a:endParaRPr lang="ru-RU" dirty="0"/>
           </a:p>
@@ -1558,7 +1564,7 @@
     </p:spTree>
     <p:extLst>
       <p:ext uri="{BB962C8B-B14F-4D97-AF65-F5344CB8AC3E}">
-        <p14:creationId xmlns="" xmlns:p14="http://schemas.microsoft.com/office/powerpoint/2010/main" val="913784525"/>
+        <p14:creationId xmlns:p14="http://schemas.microsoft.com/office/powerpoint/2010/main" val="913784525"/>
       </p:ext>
     </p:extLst>
   </p:cSld>
@@ -1759,7 +1765,7 @@
             <a:fld id="{3CCF56C0-5008-4DB4-8698-E16469066013}" type="datetimeFigureOut">
               <a:rPr lang="ru-RU" smtClean="0"/>
               <a:pPr/>
-              <a:t>25.10.2020</a:t>
+              <a:t>28.10.2020</a:t>
             </a:fld>
             <a:endParaRPr lang="ru-RU" dirty="0"/>
           </a:p>
@@ -1811,7 +1817,7 @@
     </p:spTree>
     <p:extLst>
       <p:ext uri="{BB962C8B-B14F-4D97-AF65-F5344CB8AC3E}">
-        <p14:creationId xmlns="" xmlns:p14="http://schemas.microsoft.com/office/powerpoint/2010/main" val="1237628931"/>
+        <p14:creationId xmlns:p14="http://schemas.microsoft.com/office/powerpoint/2010/main" val="1237628931"/>
       </p:ext>
     </p:extLst>
   </p:cSld>
@@ -2075,7 +2081,7 @@
             <a:fld id="{3CCF56C0-5008-4DB4-8698-E16469066013}" type="datetimeFigureOut">
               <a:rPr lang="ru-RU" smtClean="0"/>
               <a:pPr/>
-              <a:t>25.10.2020</a:t>
+              <a:t>28.10.2020</a:t>
             </a:fld>
             <a:endParaRPr lang="ru-RU" dirty="0"/>
           </a:p>
@@ -2203,7 +2209,7 @@
     </p:spTree>
     <p:extLst>
       <p:ext uri="{BB962C8B-B14F-4D97-AF65-F5344CB8AC3E}">
-        <p14:creationId xmlns="" xmlns:p14="http://schemas.microsoft.com/office/powerpoint/2010/main" val="4076467919"/>
+        <p14:creationId xmlns:p14="http://schemas.microsoft.com/office/powerpoint/2010/main" val="4076467919"/>
       </p:ext>
     </p:extLst>
   </p:cSld>
@@ -2464,7 +2470,7 @@
             <a:fld id="{3CCF56C0-5008-4DB4-8698-E16469066013}" type="datetimeFigureOut">
               <a:rPr lang="ru-RU" smtClean="0"/>
               <a:pPr/>
-              <a:t>25.10.2020</a:t>
+              <a:t>28.10.2020</a:t>
             </a:fld>
             <a:endParaRPr lang="ru-RU" dirty="0"/>
           </a:p>
@@ -2516,7 +2522,7 @@
     </p:spTree>
     <p:extLst>
       <p:ext uri="{BB962C8B-B14F-4D97-AF65-F5344CB8AC3E}">
-        <p14:creationId xmlns="" xmlns:p14="http://schemas.microsoft.com/office/powerpoint/2010/main" val="2010692"/>
+        <p14:creationId xmlns:p14="http://schemas.microsoft.com/office/powerpoint/2010/main" val="2010692"/>
       </p:ext>
     </p:extLst>
   </p:cSld>
@@ -2636,7 +2642,7 @@
             <a:fld id="{3CCF56C0-5008-4DB4-8698-E16469066013}" type="datetimeFigureOut">
               <a:rPr lang="ru-RU" smtClean="0"/>
               <a:pPr/>
-              <a:t>25.10.2020</a:t>
+              <a:t>28.10.2020</a:t>
             </a:fld>
             <a:endParaRPr lang="ru-RU" dirty="0"/>
           </a:p>
@@ -2688,7 +2694,7 @@
     </p:spTree>
     <p:extLst>
       <p:ext uri="{BB962C8B-B14F-4D97-AF65-F5344CB8AC3E}">
-        <p14:creationId xmlns="" xmlns:p14="http://schemas.microsoft.com/office/powerpoint/2010/main" val="1184326843"/>
+        <p14:creationId xmlns:p14="http://schemas.microsoft.com/office/powerpoint/2010/main" val="1184326843"/>
       </p:ext>
     </p:extLst>
   </p:cSld>
@@ -2818,7 +2824,7 @@
             <a:fld id="{3CCF56C0-5008-4DB4-8698-E16469066013}" type="datetimeFigureOut">
               <a:rPr lang="ru-RU" smtClean="0"/>
               <a:pPr/>
-              <a:t>25.10.2020</a:t>
+              <a:t>28.10.2020</a:t>
             </a:fld>
             <a:endParaRPr lang="ru-RU" dirty="0"/>
           </a:p>
@@ -2870,7 +2876,7 @@
     </p:spTree>
     <p:extLst>
       <p:ext uri="{BB962C8B-B14F-4D97-AF65-F5344CB8AC3E}">
-        <p14:creationId xmlns="" xmlns:p14="http://schemas.microsoft.com/office/powerpoint/2010/main" val="529529951"/>
+        <p14:creationId xmlns:p14="http://schemas.microsoft.com/office/powerpoint/2010/main" val="529529951"/>
       </p:ext>
     </p:extLst>
   </p:cSld>
@@ -2996,7 +3002,7 @@
             <a:fld id="{3CCF56C0-5008-4DB4-8698-E16469066013}" type="datetimeFigureOut">
               <a:rPr lang="ru-RU" smtClean="0"/>
               <a:pPr/>
-              <a:t>25.10.2020</a:t>
+              <a:t>28.10.2020</a:t>
             </a:fld>
             <a:endParaRPr lang="ru-RU" dirty="0"/>
           </a:p>
@@ -3048,7 +3054,7 @@
     </p:spTree>
     <p:extLst>
       <p:ext uri="{BB962C8B-B14F-4D97-AF65-F5344CB8AC3E}">
-        <p14:creationId xmlns="" xmlns:p14="http://schemas.microsoft.com/office/powerpoint/2010/main" val="1794803828"/>
+        <p14:creationId xmlns:p14="http://schemas.microsoft.com/office/powerpoint/2010/main" val="1794803828"/>
       </p:ext>
     </p:extLst>
   </p:cSld>
@@ -3245,7 +3251,7 @@
             <a:fld id="{3CCF56C0-5008-4DB4-8698-E16469066013}" type="datetimeFigureOut">
               <a:rPr lang="ru-RU" smtClean="0"/>
               <a:pPr/>
-              <a:t>25.10.2020</a:t>
+              <a:t>28.10.2020</a:t>
             </a:fld>
             <a:endParaRPr lang="ru-RU" dirty="0"/>
           </a:p>
@@ -3297,7 +3303,7 @@
     </p:spTree>
     <p:extLst>
       <p:ext uri="{BB962C8B-B14F-4D97-AF65-F5344CB8AC3E}">
-        <p14:creationId xmlns="" xmlns:p14="http://schemas.microsoft.com/office/powerpoint/2010/main" val="1622354848"/>
+        <p14:creationId xmlns:p14="http://schemas.microsoft.com/office/powerpoint/2010/main" val="1622354848"/>
       </p:ext>
     </p:extLst>
   </p:cSld>
@@ -3479,7 +3485,7 @@
             <a:fld id="{3CCF56C0-5008-4DB4-8698-E16469066013}" type="datetimeFigureOut">
               <a:rPr lang="ru-RU" smtClean="0"/>
               <a:pPr/>
-              <a:t>25.10.2020</a:t>
+              <a:t>28.10.2020</a:t>
             </a:fld>
             <a:endParaRPr lang="ru-RU" dirty="0"/>
           </a:p>
@@ -3531,7 +3537,7 @@
     </p:spTree>
     <p:extLst>
       <p:ext uri="{BB962C8B-B14F-4D97-AF65-F5344CB8AC3E}">
-        <p14:creationId xmlns="" xmlns:p14="http://schemas.microsoft.com/office/powerpoint/2010/main" val="2665461008"/>
+        <p14:creationId xmlns:p14="http://schemas.microsoft.com/office/powerpoint/2010/main" val="2665461008"/>
       </p:ext>
     </p:extLst>
   </p:cSld>
@@ -3855,7 +3861,7 @@
             <a:fld id="{3CCF56C0-5008-4DB4-8698-E16469066013}" type="datetimeFigureOut">
               <a:rPr lang="ru-RU" smtClean="0"/>
               <a:pPr/>
-              <a:t>25.10.2020</a:t>
+              <a:t>28.10.2020</a:t>
             </a:fld>
             <a:endParaRPr lang="ru-RU" dirty="0"/>
           </a:p>
@@ -3907,7 +3913,7 @@
     </p:spTree>
     <p:extLst>
       <p:ext uri="{BB962C8B-B14F-4D97-AF65-F5344CB8AC3E}">
-        <p14:creationId xmlns="" xmlns:p14="http://schemas.microsoft.com/office/powerpoint/2010/main" val="2514946757"/>
+        <p14:creationId xmlns:p14="http://schemas.microsoft.com/office/powerpoint/2010/main" val="2514946757"/>
       </p:ext>
     </p:extLst>
   </p:cSld>
@@ -3980,7 +3986,7 @@
             <a:fld id="{3CCF56C0-5008-4DB4-8698-E16469066013}" type="datetimeFigureOut">
               <a:rPr lang="ru-RU" smtClean="0"/>
               <a:pPr/>
-              <a:t>25.10.2020</a:t>
+              <a:t>28.10.2020</a:t>
             </a:fld>
             <a:endParaRPr lang="ru-RU" dirty="0"/>
           </a:p>
@@ -4032,7 +4038,7 @@
     </p:spTree>
     <p:extLst>
       <p:ext uri="{BB962C8B-B14F-4D97-AF65-F5344CB8AC3E}">
-        <p14:creationId xmlns="" xmlns:p14="http://schemas.microsoft.com/office/powerpoint/2010/main" val="1009674793"/>
+        <p14:creationId xmlns:p14="http://schemas.microsoft.com/office/powerpoint/2010/main" val="1009674793"/>
       </p:ext>
     </p:extLst>
   </p:cSld>
@@ -4077,7 +4083,7 @@
             <a:fld id="{3CCF56C0-5008-4DB4-8698-E16469066013}" type="datetimeFigureOut">
               <a:rPr lang="ru-RU" smtClean="0"/>
               <a:pPr/>
-              <a:t>25.10.2020</a:t>
+              <a:t>28.10.2020</a:t>
             </a:fld>
             <a:endParaRPr lang="ru-RU" dirty="0"/>
           </a:p>
@@ -4129,7 +4135,7 @@
     </p:spTree>
     <p:extLst>
       <p:ext uri="{BB962C8B-B14F-4D97-AF65-F5344CB8AC3E}">
-        <p14:creationId xmlns="" xmlns:p14="http://schemas.microsoft.com/office/powerpoint/2010/main" val="37853350"/>
+        <p14:creationId xmlns:p14="http://schemas.microsoft.com/office/powerpoint/2010/main" val="37853350"/>
       </p:ext>
     </p:extLst>
   </p:cSld>
@@ -4334,7 +4340,7 @@
             <a:fld id="{3CCF56C0-5008-4DB4-8698-E16469066013}" type="datetimeFigureOut">
               <a:rPr lang="ru-RU" smtClean="0"/>
               <a:pPr/>
-              <a:t>25.10.2020</a:t>
+              <a:t>28.10.2020</a:t>
             </a:fld>
             <a:endParaRPr lang="ru-RU" dirty="0"/>
           </a:p>
@@ -4386,7 +4392,7 @@
     </p:spTree>
     <p:extLst>
       <p:ext uri="{BB962C8B-B14F-4D97-AF65-F5344CB8AC3E}">
-        <p14:creationId xmlns="" xmlns:p14="http://schemas.microsoft.com/office/powerpoint/2010/main" val="1485505807"/>
+        <p14:creationId xmlns:p14="http://schemas.microsoft.com/office/powerpoint/2010/main" val="1485505807"/>
       </p:ext>
     </p:extLst>
   </p:cSld>
@@ -4599,7 +4605,7 @@
             <a:fld id="{3CCF56C0-5008-4DB4-8698-E16469066013}" type="datetimeFigureOut">
               <a:rPr lang="ru-RU" smtClean="0"/>
               <a:pPr/>
-              <a:t>25.10.2020</a:t>
+              <a:t>28.10.2020</a:t>
             </a:fld>
             <a:endParaRPr lang="ru-RU" dirty="0"/>
           </a:p>
@@ -4651,7 +4657,7 @@
     </p:spTree>
     <p:extLst>
       <p:ext uri="{BB962C8B-B14F-4D97-AF65-F5344CB8AC3E}">
-        <p14:creationId xmlns="" xmlns:p14="http://schemas.microsoft.com/office/powerpoint/2010/main" val="1525686664"/>
+        <p14:creationId xmlns:p14="http://schemas.microsoft.com/office/powerpoint/2010/main" val="1525686664"/>
       </p:ext>
     </p:extLst>
   </p:cSld>
@@ -5346,7 +5352,7 @@
             <a:fld id="{3CCF56C0-5008-4DB4-8698-E16469066013}" type="datetimeFigureOut">
               <a:rPr lang="ru-RU" smtClean="0"/>
               <a:pPr/>
-              <a:t>25.10.2020</a:t>
+              <a:t>28.10.2020</a:t>
             </a:fld>
             <a:endParaRPr lang="ru-RU" dirty="0"/>
           </a:p>
@@ -5432,7 +5438,7 @@
     </p:spTree>
     <p:extLst>
       <p:ext uri="{BB962C8B-B14F-4D97-AF65-F5344CB8AC3E}">
-        <p14:creationId xmlns="" xmlns:p14="http://schemas.microsoft.com/office/powerpoint/2010/main" val="2523392475"/>
+        <p14:creationId xmlns:p14="http://schemas.microsoft.com/office/powerpoint/2010/main" val="2523392475"/>
       </p:ext>
     </p:extLst>
   </p:cSld>
@@ -5940,7 +5946,7 @@
     </p:spTree>
     <p:extLst>
       <p:ext uri="{BB962C8B-B14F-4D97-AF65-F5344CB8AC3E}">
-        <p14:creationId xmlns="" xmlns:p14="http://schemas.microsoft.com/office/powerpoint/2010/main" val="1354132756"/>
+        <p14:creationId xmlns:p14="http://schemas.microsoft.com/office/powerpoint/2010/main" val="1354132756"/>
       </p:ext>
     </p:extLst>
   </p:cSld>
@@ -6190,11 +6196,7 @@
           <a:p>
             <a:r>
               <a:rPr lang="ru-RU" dirty="0" smtClean="0"/>
-              <a:t>Прокладка пути для </a:t>
-            </a:r>
-            <a:r>
-              <a:rPr lang="ru-RU" dirty="0" smtClean="0"/>
-              <a:t>работы</a:t>
+              <a:t>Прокладка пути для работы</a:t>
             </a:r>
             <a:r>
               <a:rPr lang="en-US" dirty="0" smtClean="0"/>
@@ -6202,11 +6204,7 @@
             </a:r>
             <a:r>
               <a:rPr lang="ru-RU" dirty="0" smtClean="0"/>
-              <a:t>с</a:t>
-            </a:r>
-            <a:r>
-              <a:rPr lang="ru-RU" dirty="0" smtClean="0"/>
-              <a:t> </a:t>
+              <a:t>с </a:t>
             </a:r>
             <a:r>
               <a:rPr lang="en-US" dirty="0" smtClean="0"/>
@@ -6401,23 +6399,54 @@
           <a:p>
             <a:r>
               <a:rPr lang="ru-RU" dirty="0" smtClean="0"/>
-              <a:t>Библиотека позволяющая оперировать файлами типа </a:t>
+              <a:t>Используется специалистами в сфере </a:t>
             </a:r>
             <a:r>
               <a:rPr lang="en-US" dirty="0" smtClean="0"/>
+              <a:t>Data science, Machine Learning,</a:t>
+            </a:r>
+            <a:r>
+              <a:rPr lang="ru-RU" dirty="0" smtClean="0"/>
+              <a:t> </a:t>
+            </a:r>
+            <a:r>
+              <a:rPr lang="en-US" dirty="0" smtClean="0"/>
+              <a:t>Artificial Intelligence</a:t>
+            </a:r>
+            <a:endParaRPr lang="ru-RU" dirty="0" smtClean="0"/>
+          </a:p>
+          <a:p>
+            <a:r>
+              <a:rPr lang="ru-RU" dirty="0"/>
+              <a:t>П</a:t>
+            </a:r>
+            <a:r>
+              <a:rPr lang="ru-RU" dirty="0" smtClean="0"/>
+              <a:t>озволяющая </a:t>
+            </a:r>
+            <a:r>
+              <a:rPr lang="ru-RU" dirty="0"/>
+              <a:t>оперировать файлами типа </a:t>
+            </a:r>
+            <a:r>
+              <a:rPr lang="en-US" dirty="0"/>
               <a:t>excel</a:t>
             </a:r>
             <a:r>
+              <a:rPr lang="ru-RU" dirty="0"/>
+              <a:t>,</a:t>
+            </a:r>
+            <a:r>
+              <a:rPr lang="en-US" dirty="0"/>
+              <a:t> </a:t>
+            </a:r>
+            <a:r>
+              <a:rPr lang="ru-RU" dirty="0"/>
+              <a:t>как базой </a:t>
+            </a:r>
+            <a:r>
               <a:rPr lang="ru-RU" dirty="0" smtClean="0"/>
-              <a:t>,</a:t>
-            </a:r>
-            <a:r>
-              <a:rPr lang="en-US" dirty="0" smtClean="0"/>
-              <a:t> </a:t>
-            </a:r>
-            <a:r>
-              <a:rPr lang="ru-RU" dirty="0" smtClean="0"/>
-              <a:t>как базой данных</a:t>
+              <a:t>данных</a:t>
             </a:r>
           </a:p>
           <a:p>
@@ -6478,22 +6507,13 @@
           <a:p>
             <a:r>
               <a:rPr lang="ru-RU" dirty="0" smtClean="0"/>
-              <a:t>Основное её преимущество в том, что она умеет манипулировать дынными как </a:t>
-            </a:r>
+              <a:t>Основное её преимущество в том, что она умеет манипулировать дынными как матрицами и векторами</a:t>
+            </a:r>
+          </a:p>
+          <a:p>
             <a:r>
               <a:rPr lang="ru-RU" dirty="0" smtClean="0"/>
-              <a:t>матриц</a:t>
-            </a:r>
-            <a:r>
-              <a:rPr lang="ru-RU" dirty="0" smtClean="0"/>
-              <a:t>ами и векторами</a:t>
-            </a:r>
-            <a:endParaRPr lang="ru-RU" dirty="0" smtClean="0"/>
-          </a:p>
-          <a:p>
-            <a:r>
-              <a:rPr lang="ru-RU" dirty="0" smtClean="0"/>
-              <a:t>Для загрузки и  сохранения данных нужно задавать команды явно</a:t>
+              <a:t>Для загрузки и сохранения данных нужно задавать команды явно</a:t>
             </a:r>
             <a:endParaRPr lang="ru-RU" dirty="0"/>
           </a:p>
@@ -6534,7 +6554,12 @@
             <p:ph type="title"/>
           </p:nvPr>
         </p:nvSpPr>
-        <p:spPr/>
+        <p:spPr>
+          <a:xfrm>
+            <a:off x="677334" y="609600"/>
+            <a:ext cx="8596668" cy="720436"/>
+          </a:xfrm>
+        </p:spPr>
         <p:txBody>
           <a:bodyPr/>
           <a:lstStyle/>
@@ -6561,10 +6586,15 @@
             <p:ph idx="1"/>
           </p:nvPr>
         </p:nvSpPr>
-        <p:spPr/>
+        <p:spPr>
+          <a:xfrm>
+            <a:off x="677334" y="1431636"/>
+            <a:ext cx="8596668" cy="5237019"/>
+          </a:xfrm>
+        </p:spPr>
         <p:txBody>
           <a:bodyPr>
-            <a:normAutofit lnSpcReduction="10000"/>
+            <a:normAutofit/>
           </a:bodyPr>
           <a:lstStyle/>
           <a:p>
@@ -6589,17 +6619,7 @@
                   </a:schemeClr>
                 </a:solidFill>
               </a:rPr>
-              <a:t>с</a:t>
-            </a:r>
-            <a:r>
-              <a:rPr lang="ru-RU" dirty="0" smtClean="0">
-                <a:solidFill>
-                  <a:schemeClr val="tx1">
-                    <a:lumMod val="75000"/>
-                  </a:schemeClr>
-                </a:solidFill>
-              </a:rPr>
-              <a:t>интаксис</a:t>
+              <a:t>синтаксис</a:t>
             </a:r>
             <a:endParaRPr lang="en-US" dirty="0" smtClean="0">
               <a:solidFill>
@@ -6615,24 +6635,16 @@
             </a:pPr>
             <a:r>
               <a:rPr lang="en-US" dirty="0" smtClean="0"/>
-              <a:t>d</a:t>
-            </a:r>
+              <a:t>df = pandas.DataFrame(</a:t>
+            </a:r>
+          </a:p>
+          <a:p>
+            <a:pPr>
+              <a:buNone/>
+            </a:pPr>
             <a:r>
               <a:rPr lang="en-US" dirty="0" smtClean="0"/>
-              <a:t>f = pandas.DataFrame(</a:t>
-            </a:r>
-          </a:p>
-          <a:p>
-            <a:pPr>
-              <a:buNone/>
-            </a:pPr>
-            <a:r>
-              <a:rPr lang="en-US" dirty="0" smtClean="0"/>
-              <a:t>	</a:t>
-            </a:r>
-            <a:r>
-              <a:rPr lang="en-US" dirty="0" smtClean="0"/>
-              <a:t>		</a:t>
+              <a:t>			</a:t>
             </a:r>
             <a:r>
               <a:rPr lang="en-US" dirty="0" smtClean="0">
@@ -6647,7 +6659,25 @@
             </a:r>
             <a:r>
               <a:rPr lang="en-US" dirty="0" smtClean="0"/>
-              <a:t>={‘</a:t>
+              <a:t>={</a:t>
+            </a:r>
+            <a:endParaRPr lang="ru-RU" dirty="0" smtClean="0"/>
+          </a:p>
+          <a:p>
+            <a:pPr>
+              <a:buNone/>
+            </a:pPr>
+            <a:r>
+              <a:rPr lang="ru-RU" dirty="0"/>
+              <a:t>	</a:t>
+            </a:r>
+            <a:r>
+              <a:rPr lang="ru-RU" dirty="0" smtClean="0"/>
+              <a:t>			</a:t>
+            </a:r>
+            <a:r>
+              <a:rPr lang="en-US" dirty="0" smtClean="0"/>
+              <a:t>‘</a:t>
             </a:r>
             <a:r>
               <a:rPr lang="en-US" dirty="0" smtClean="0">
@@ -6666,15 +6696,7 @@
                   <a:schemeClr val="tx1"/>
                 </a:solidFill>
               </a:rPr>
-              <a:t>’: (</a:t>
-            </a:r>
-            <a:r>
-              <a:rPr lang="en-US" dirty="0" smtClean="0">
-                <a:solidFill>
-                  <a:schemeClr val="tx1"/>
-                </a:solidFill>
-              </a:rPr>
-              <a:t>‘</a:t>
+              <a:t>’: (‘</a:t>
             </a:r>
             <a:r>
               <a:rPr lang="en-US" dirty="0" smtClean="0">
@@ -6693,15 +6715,7 @@
                   <a:schemeClr val="tx1"/>
                 </a:solidFill>
               </a:rPr>
-              <a:t>’, </a:t>
-            </a:r>
-            <a:r>
-              <a:rPr lang="en-US" dirty="0" smtClean="0">
-                <a:solidFill>
-                  <a:schemeClr val="tx1"/>
-                </a:solidFill>
-              </a:rPr>
-              <a:t>‘</a:t>
+              <a:t>’, ‘</a:t>
             </a:r>
             <a:r>
               <a:rPr lang="en-US" dirty="0" smtClean="0">
@@ -6720,7 +6734,41 @@
                   <a:schemeClr val="tx1"/>
                 </a:solidFill>
               </a:rPr>
-              <a:t>’), ‘</a:t>
+              <a:t>’), </a:t>
+            </a:r>
+            <a:endParaRPr lang="ru-RU" dirty="0" smtClean="0">
+              <a:solidFill>
+                <a:schemeClr val="tx1"/>
+              </a:solidFill>
+            </a:endParaRPr>
+          </a:p>
+          <a:p>
+            <a:pPr>
+              <a:buNone/>
+            </a:pPr>
+            <a:r>
+              <a:rPr lang="ru-RU" dirty="0">
+                <a:solidFill>
+                  <a:schemeClr val="tx1"/>
+                </a:solidFill>
+              </a:rPr>
+              <a:t>	</a:t>
+            </a:r>
+            <a:r>
+              <a:rPr lang="ru-RU" dirty="0" smtClean="0">
+                <a:solidFill>
+                  <a:schemeClr val="tx1"/>
+                </a:solidFill>
+              </a:rPr>
+              <a:t>			</a:t>
+            </a:r>
+            <a:r>
+              <a:rPr lang="en-US" dirty="0" smtClean="0">
+                <a:solidFill>
+                  <a:schemeClr val="tx1"/>
+                </a:solidFill>
+              </a:rPr>
+              <a:t>‘</a:t>
             </a:r>
             <a:r>
               <a:rPr lang="en-US" dirty="0" smtClean="0">
@@ -6779,6 +6827,32 @@
               </a:rPr>
               <a:t>)</a:t>
             </a:r>
+            <a:endParaRPr lang="ru-RU" dirty="0" smtClean="0">
+              <a:solidFill>
+                <a:schemeClr val="tx1"/>
+              </a:solidFill>
+            </a:endParaRPr>
+          </a:p>
+          <a:p>
+            <a:pPr>
+              <a:buNone/>
+            </a:pPr>
+            <a:r>
+              <a:rPr lang="ru-RU" dirty="0">
+                <a:solidFill>
+                  <a:schemeClr val="tx1"/>
+                </a:solidFill>
+              </a:rPr>
+              <a:t>	</a:t>
+            </a:r>
+            <a:r>
+              <a:rPr lang="ru-RU" dirty="0" smtClean="0">
+                <a:solidFill>
+                  <a:schemeClr val="tx1"/>
+                </a:solidFill>
+              </a:rPr>
+              <a:t>		</a:t>
+            </a:r>
             <a:r>
               <a:rPr lang="en-US" dirty="0" smtClean="0"/>
               <a:t>}</a:t>
@@ -6790,11 +6864,7 @@
             </a:pPr>
             <a:r>
               <a:rPr lang="en-US" dirty="0" smtClean="0"/>
-              <a:t>	</a:t>
-            </a:r>
-            <a:r>
-              <a:rPr lang="en-US" dirty="0" smtClean="0"/>
-              <a:t>		</a:t>
+              <a:t>			</a:t>
             </a:r>
             <a:r>
               <a:rPr lang="en-US" dirty="0" smtClean="0">
@@ -6868,11 +6938,7 @@
             </a:pPr>
             <a:r>
               <a:rPr lang="ru-RU" dirty="0" smtClean="0"/>
-              <a:t>	</a:t>
-            </a:r>
-            <a:r>
-              <a:rPr lang="ru-RU" dirty="0" smtClean="0"/>
-              <a:t>		</a:t>
+              <a:t>			</a:t>
             </a:r>
             <a:r>
               <a:rPr lang="en-US" dirty="0" smtClean="0">
@@ -6898,7 +6964,15 @@
                   </a:schemeClr>
                 </a:solidFill>
               </a:rPr>
-              <a:t>another_key</a:t>
+              <a:t>another_key’</a:t>
+            </a:r>
+            <a:r>
+              <a:rPr lang="en-US" dirty="0" smtClean="0">
+                <a:solidFill>
+                  <a:schemeClr val="tx1"/>
+                </a:solidFill>
+              </a:rPr>
+              <a:t>,</a:t>
             </a:r>
             <a:r>
               <a:rPr lang="en-US" dirty="0" smtClean="0">
@@ -6909,48 +6983,7 @@
                   </a:schemeClr>
                 </a:solidFill>
               </a:rPr>
-              <a:t>’</a:t>
-            </a:r>
-            <a:r>
-              <a:rPr lang="en-US" dirty="0" smtClean="0">
-                <a:solidFill>
-                  <a:schemeClr val="tx1"/>
-                </a:solidFill>
-              </a:rPr>
-              <a:t>,</a:t>
-            </a:r>
-            <a:r>
-              <a:rPr lang="en-US" dirty="0" smtClean="0">
-                <a:solidFill>
-                  <a:schemeClr val="accent1">
-                    <a:lumMod val="60000"/>
-                    <a:lumOff val="40000"/>
-                  </a:schemeClr>
-                </a:solidFill>
-              </a:rPr>
-              <a:t> ‘</a:t>
-            </a:r>
-            <a:r>
-              <a:rPr lang="en-US" dirty="0" smtClean="0">
-                <a:solidFill>
-                  <a:schemeClr val="accent1">
-                    <a:lumMod val="60000"/>
-                    <a:lumOff val="40000"/>
-                  </a:schemeClr>
-                </a:solidFill>
-              </a:rPr>
-              <a:t>key1</a:t>
-            </a:r>
-            <a:r>
-              <a:rPr lang="en-US" dirty="0" smtClean="0">
-                <a:solidFill>
-                  <a:schemeClr val="accent1">
-                    <a:lumMod val="60000"/>
-                    <a:lumOff val="40000"/>
-                  </a:schemeClr>
-                </a:solidFill>
-              </a:rPr>
-              <a:t>’</a:t>
+              <a:t> ‘key1’</a:t>
             </a:r>
             <a:r>
               <a:rPr lang="en-US" dirty="0" smtClean="0"/>
@@ -6978,17 +7011,7 @@
                   </a:schemeClr>
                 </a:solidFill>
               </a:rPr>
-              <a:t>задаем </a:t>
-            </a:r>
-            <a:r>
-              <a:rPr lang="ru-RU" dirty="0" smtClean="0">
-                <a:solidFill>
-                  <a:schemeClr val="tx1">
-                    <a:lumMod val="75000"/>
-                  </a:schemeClr>
-                </a:solidFill>
-              </a:rPr>
-              <a:t>колонки очевидно</a:t>
+              <a:t>задаем колонки очевидно</a:t>
             </a:r>
             <a:endParaRPr lang="en-US" dirty="0" smtClean="0">
               <a:solidFill>
@@ -7068,11 +7091,6 @@
               </a:rPr>
               <a:t>key</a:t>
             </a:r>
-            <a:endParaRPr lang="en-US" dirty="0" smtClean="0">
-              <a:solidFill>
-                <a:schemeClr val="tx1"/>
-              </a:solidFill>
-            </a:endParaRPr>
           </a:p>
           <a:p>
             <a:pPr>
@@ -7118,11 +7136,6 @@
               </a:rPr>
               <a:t>val1</a:t>
             </a:r>
-            <a:endParaRPr lang="en-US" dirty="0" smtClean="0">
-              <a:solidFill>
-                <a:schemeClr val="tx1"/>
-              </a:solidFill>
-            </a:endParaRPr>
           </a:p>
           <a:p>
             <a:pPr>
@@ -7218,15 +7231,15 @@
           <a:p>
             <a:r>
               <a:rPr lang="en-US" dirty="0" smtClean="0"/>
-              <a:t>Backend </a:t>
+              <a:t>Backend / </a:t>
+            </a:r>
+            <a:r>
+              <a:rPr lang="ru-RU" dirty="0" smtClean="0"/>
+              <a:t>Подключение базы данных </a:t>
             </a:r>
             <a:r>
               <a:rPr lang="en-US" dirty="0" smtClean="0"/>
-              <a:t>/ </a:t>
-            </a:r>
-            <a:r>
-              <a:rPr lang="ru-RU" dirty="0" smtClean="0"/>
-              <a:t>Подключение базы данных</a:t>
+              <a:t>pandas</a:t>
             </a:r>
             <a:endParaRPr lang="ru-RU" dirty="0"/>
           </a:p>
@@ -7244,8 +7257,8 @@
         </p:nvSpPr>
         <p:spPr>
           <a:xfrm>
-            <a:off x="677333" y="2160589"/>
-            <a:ext cx="9070515" cy="3880773"/>
+            <a:off x="677333" y="2160590"/>
+            <a:ext cx="9070515" cy="2642320"/>
           </a:xfrm>
         </p:spPr>
         <p:txBody>
@@ -7360,15 +7373,7 @@
                   <a:schemeClr val="tx1"/>
                 </a:solidFill>
               </a:rPr>
-              <a:t>c</a:t>
-            </a:r>
-            <a:r>
-              <a:rPr lang="en-US" dirty="0" smtClean="0">
-                <a:solidFill>
-                  <a:schemeClr val="tx1"/>
-                </a:solidFill>
-              </a:rPr>
-              <a:t>olumns = </a:t>
+              <a:t>columns = </a:t>
             </a:r>
             <a:r>
               <a:rPr lang="ru-RU" dirty="0" smtClean="0">
@@ -7469,7 +7474,11 @@
                   </a:schemeClr>
                 </a:solidFill>
               </a:rPr>
-              <a:t>‘</a:t>
+              <a:t>‘дата</a:t>
+            </a:r>
+            <a:r>
+              <a:rPr lang="en-US" dirty="0" smtClean="0"/>
+              <a:t> </a:t>
             </a:r>
             <a:r>
               <a:rPr lang="ru-RU" dirty="0" smtClean="0">
@@ -7480,32 +7489,6 @@
                   </a:schemeClr>
                 </a:solidFill>
               </a:rPr>
-              <a:t>д</a:t>
-            </a:r>
-            <a:r>
-              <a:rPr lang="ru-RU" dirty="0" smtClean="0">
-                <a:solidFill>
-                  <a:schemeClr val="accent1">
-                    <a:lumMod val="60000"/>
-                    <a:lumOff val="40000"/>
-                  </a:schemeClr>
-                </a:solidFill>
-              </a:rPr>
-              <a:t>ата</a:t>
-            </a:r>
-            <a:r>
-              <a:rPr lang="en-US" dirty="0" smtClean="0"/>
-              <a:t> </a:t>
-            </a:r>
-            <a:r>
-              <a:rPr lang="ru-RU" dirty="0" smtClean="0">
-                <a:solidFill>
-                  <a:schemeClr val="accent1">
-                    <a:lumMod val="60000"/>
-                    <a:lumOff val="40000"/>
-                  </a:schemeClr>
-                </a:solidFill>
-              </a:rPr>
               <a:t>регистрации</a:t>
             </a:r>
             <a:r>
@@ -7552,27 +7535,7 @@
                   </a:schemeClr>
                 </a:solidFill>
               </a:rPr>
-              <a:t># col</a:t>
-            </a:r>
-            <a:r>
-              <a:rPr lang="en-US" dirty="0" smtClean="0">
-                <a:solidFill>
-                  <a:schemeClr val="tx1">
-                    <a:lumMod val="75000"/>
-                  </a:schemeClr>
-                </a:solidFill>
-              </a:rPr>
-              <a:t>u</a:t>
-            </a:r>
-            <a:r>
-              <a:rPr lang="en-US" dirty="0" smtClean="0">
-                <a:solidFill>
-                  <a:schemeClr val="tx1">
-                    <a:lumMod val="75000"/>
-                  </a:schemeClr>
-                </a:solidFill>
-              </a:rPr>
-              <a:t>mn </a:t>
+              <a:t># column </a:t>
             </a:r>
             <a:r>
               <a:rPr lang="ru-RU" dirty="0" smtClean="0">
@@ -7595,6 +7558,2046 @@
         </p:txBody>
       </p:sp>
     </p:spTree>
+  </p:cSld>
+  <p:clrMapOvr>
+    <a:masterClrMapping/>
+  </p:clrMapOvr>
+</p:sld>
+</file>
+
+<file path=ppt/slides/slide15.xml><?xml version="1.0" encoding="utf-8"?>
+<p:sld xmlns:a="http://schemas.openxmlformats.org/drawingml/2006/main" xmlns:r="http://schemas.openxmlformats.org/officeDocument/2006/relationships" xmlns:p="http://schemas.openxmlformats.org/presentationml/2006/main">
+  <p:cSld>
+    <p:spTree>
+      <p:nvGrpSpPr>
+        <p:cNvPr id="1" name=""/>
+        <p:cNvGrpSpPr/>
+        <p:nvPr/>
+      </p:nvGrpSpPr>
+      <p:grpSpPr>
+        <a:xfrm>
+          <a:off x="0" y="0"/>
+          <a:ext cx="0" cy="0"/>
+          <a:chOff x="0" y="0"/>
+          <a:chExt cx="0" cy="0"/>
+        </a:xfrm>
+      </p:grpSpPr>
+      <p:sp>
+        <p:nvSpPr>
+          <p:cNvPr id="2" name="Заголовок 1"/>
+          <p:cNvSpPr>
+            <a:spLocks noGrp="1"/>
+          </p:cNvSpPr>
+          <p:nvPr>
+            <p:ph type="title"/>
+          </p:nvPr>
+        </p:nvSpPr>
+        <p:spPr/>
+        <p:txBody>
+          <a:bodyPr/>
+          <a:lstStyle/>
+          <a:p>
+            <a:r>
+              <a:rPr lang="ru-RU" dirty="0" smtClean="0"/>
+              <a:t>Заполнение ключей</a:t>
+            </a:r>
+            <a:endParaRPr lang="ru-RU" dirty="0"/>
+          </a:p>
+        </p:txBody>
+      </p:sp>
+      <p:sp>
+        <p:nvSpPr>
+          <p:cNvPr id="3" name="Объект 2"/>
+          <p:cNvSpPr>
+            <a:spLocks noGrp="1"/>
+          </p:cNvSpPr>
+          <p:nvPr>
+            <p:ph idx="1"/>
+          </p:nvPr>
+        </p:nvSpPr>
+        <p:spPr/>
+        <p:txBody>
+          <a:bodyPr>
+            <a:normAutofit fontScale="85000" lnSpcReduction="20000"/>
+          </a:bodyPr>
+          <a:lstStyle/>
+          <a:p>
+            <a:pPr marL="0" indent="0">
+              <a:buNone/>
+            </a:pPr>
+            <a:r>
+              <a:rPr lang="en-US" dirty="0">
+                <a:solidFill>
+                  <a:schemeClr val="accent3">
+                    <a:lumMod val="60000"/>
+                    <a:lumOff val="40000"/>
+                  </a:schemeClr>
+                </a:solidFill>
+              </a:rPr>
+              <a:t>def</a:t>
+            </a:r>
+            <a:r>
+              <a:rPr lang="en-US" dirty="0"/>
+              <a:t> collect_data():</a:t>
+            </a:r>
+            <a:endParaRPr lang="ru-RU" dirty="0"/>
+          </a:p>
+          <a:p>
+            <a:pPr marL="0" indent="0">
+              <a:buNone/>
+            </a:pPr>
+            <a:r>
+              <a:rPr lang="ru-RU" dirty="0"/>
+              <a:t>	</a:t>
+            </a:r>
+            <a:r>
+              <a:rPr lang="en-US" dirty="0">
+                <a:solidFill>
+                  <a:schemeClr val="accent2">
+                    <a:lumMod val="40000"/>
+                    <a:lumOff val="60000"/>
+                  </a:schemeClr>
+                </a:solidFill>
+              </a:rPr>
+              <a:t>“““ </a:t>
+            </a:r>
+            <a:r>
+              <a:rPr lang="ru-RU" dirty="0">
+                <a:solidFill>
+                  <a:schemeClr val="accent2">
+                    <a:lumMod val="40000"/>
+                    <a:lumOff val="60000"/>
+                  </a:schemeClr>
+                </a:solidFill>
+              </a:rPr>
+              <a:t>вытаскивает данные и складывает в базу данных</a:t>
+            </a:r>
+            <a:r>
+              <a:rPr lang="en-US" dirty="0">
+                <a:solidFill>
+                  <a:schemeClr val="accent2">
+                    <a:lumMod val="40000"/>
+                    <a:lumOff val="60000"/>
+                  </a:schemeClr>
+                </a:solidFill>
+              </a:rPr>
+              <a:t> </a:t>
+            </a:r>
+            <a:r>
+              <a:rPr lang="en-US" dirty="0" smtClean="0">
+                <a:solidFill>
+                  <a:schemeClr val="accent2">
+                    <a:lumMod val="40000"/>
+                    <a:lumOff val="60000"/>
+                  </a:schemeClr>
+                </a:solidFill>
+              </a:rPr>
+              <a:t>”””</a:t>
+            </a:r>
+            <a:endParaRPr lang="en-US" dirty="0">
+              <a:solidFill>
+                <a:schemeClr val="accent2">
+                  <a:lumMod val="40000"/>
+                  <a:lumOff val="60000"/>
+                </a:schemeClr>
+              </a:solidFill>
+            </a:endParaRPr>
+          </a:p>
+          <a:p>
+            <a:pPr marL="0" indent="0">
+              <a:buNone/>
+            </a:pPr>
+            <a:r>
+              <a:rPr lang="ru-RU" dirty="0" smtClean="0">
+                <a:solidFill>
+                  <a:schemeClr val="tx1">
+                    <a:lumMod val="75000"/>
+                  </a:schemeClr>
+                </a:solidFill>
+              </a:rPr>
+              <a:t>	</a:t>
+            </a:r>
+            <a:r>
+              <a:rPr lang="en-US" dirty="0" smtClean="0">
+                <a:solidFill>
+                  <a:schemeClr val="tx1"/>
+                </a:solidFill>
+              </a:rPr>
+              <a:t>data = {}	</a:t>
+            </a:r>
+            <a:r>
+              <a:rPr lang="ru-RU" dirty="0" smtClean="0">
+                <a:solidFill>
+                  <a:schemeClr val="tx1"/>
+                </a:solidFill>
+              </a:rPr>
+              <a:t>	</a:t>
+            </a:r>
+            <a:r>
+              <a:rPr lang="en-US" dirty="0">
+                <a:solidFill>
+                  <a:schemeClr val="tx1">
+                    <a:lumMod val="75000"/>
+                  </a:schemeClr>
+                </a:solidFill>
+              </a:rPr>
+              <a:t># </a:t>
+            </a:r>
+            <a:r>
+              <a:rPr lang="ru-RU" dirty="0">
+                <a:solidFill>
+                  <a:schemeClr val="tx1">
+                    <a:lumMod val="75000"/>
+                  </a:schemeClr>
+                </a:solidFill>
+              </a:rPr>
+              <a:t>создадим пустой </a:t>
+            </a:r>
+            <a:r>
+              <a:rPr lang="ru-RU" dirty="0" smtClean="0">
+                <a:solidFill>
+                  <a:schemeClr val="tx1">
+                    <a:lumMod val="75000"/>
+                  </a:schemeClr>
+                </a:solidFill>
+              </a:rPr>
+              <a:t>словарь</a:t>
+            </a:r>
+            <a:endParaRPr lang="en-US" dirty="0" smtClean="0">
+              <a:solidFill>
+                <a:schemeClr val="tx1"/>
+              </a:solidFill>
+            </a:endParaRPr>
+          </a:p>
+          <a:p>
+            <a:pPr marL="0" indent="0">
+              <a:buNone/>
+            </a:pPr>
+            <a:r>
+              <a:rPr lang="en-US" dirty="0">
+                <a:solidFill>
+                  <a:schemeClr val="tx1"/>
+                </a:solidFill>
+              </a:rPr>
+              <a:t>	</a:t>
+            </a:r>
+          </a:p>
+          <a:p>
+            <a:pPr marL="0" indent="0">
+              <a:buNone/>
+            </a:pPr>
+            <a:r>
+              <a:rPr lang="en-US" dirty="0">
+                <a:solidFill>
+                  <a:schemeClr val="tx1"/>
+                </a:solidFill>
+              </a:rPr>
+              <a:t>	</a:t>
+            </a:r>
+            <a:r>
+              <a:rPr lang="en-US" dirty="0">
+                <a:solidFill>
+                  <a:schemeClr val="tx1">
+                    <a:lumMod val="75000"/>
+                  </a:schemeClr>
+                </a:solidFill>
+              </a:rPr>
+              <a:t># DATA FROM STRINGS</a:t>
+            </a:r>
+          </a:p>
+          <a:p>
+            <a:pPr marL="0" indent="0">
+              <a:buNone/>
+            </a:pPr>
+            <a:r>
+              <a:rPr lang="en-US" dirty="0">
+                <a:solidFill>
+                  <a:schemeClr val="tx1">
+                    <a:lumMod val="75000"/>
+                  </a:schemeClr>
+                </a:solidFill>
+              </a:rPr>
+              <a:t>    </a:t>
+            </a:r>
+            <a:r>
+              <a:rPr lang="en-US" dirty="0" smtClean="0">
+                <a:solidFill>
+                  <a:schemeClr val="tx1">
+                    <a:lumMod val="75000"/>
+                  </a:schemeClr>
+                </a:solidFill>
+              </a:rPr>
+              <a:t>	</a:t>
+            </a:r>
+            <a:r>
+              <a:rPr lang="en-US" dirty="0" smtClean="0">
+                <a:solidFill>
+                  <a:schemeClr val="tx1"/>
+                </a:solidFill>
+              </a:rPr>
+              <a:t>name </a:t>
+            </a:r>
+            <a:r>
+              <a:rPr lang="en-US" dirty="0">
+                <a:solidFill>
+                  <a:schemeClr val="tx1"/>
+                </a:solidFill>
+              </a:rPr>
+              <a:t>= ent_name.get</a:t>
+            </a:r>
+            <a:r>
+              <a:rPr lang="en-US" dirty="0" smtClean="0">
+                <a:solidFill>
+                  <a:schemeClr val="tx1"/>
+                </a:solidFill>
+              </a:rPr>
+              <a:t>()	</a:t>
+            </a:r>
+            <a:r>
+              <a:rPr lang="en-US" dirty="0" smtClean="0">
+                <a:solidFill>
+                  <a:schemeClr val="tx1">
+                    <a:lumMod val="75000"/>
+                  </a:schemeClr>
+                </a:solidFill>
+              </a:rPr>
+              <a:t># </a:t>
+            </a:r>
+            <a:r>
+              <a:rPr lang="ru-RU" dirty="0" smtClean="0">
+                <a:solidFill>
+                  <a:schemeClr val="tx1">
+                    <a:lumMod val="75000"/>
+                  </a:schemeClr>
+                </a:solidFill>
+              </a:rPr>
+              <a:t>вытаскиваем имя</a:t>
+            </a:r>
+            <a:endParaRPr lang="en-US" dirty="0">
+              <a:solidFill>
+                <a:schemeClr val="tx1">
+                  <a:lumMod val="75000"/>
+                </a:schemeClr>
+              </a:solidFill>
+            </a:endParaRPr>
+          </a:p>
+          <a:p>
+            <a:pPr marL="0" indent="0">
+              <a:buNone/>
+            </a:pPr>
+            <a:r>
+              <a:rPr lang="en-US" dirty="0">
+                <a:solidFill>
+                  <a:schemeClr val="tx1">
+                    <a:lumMod val="75000"/>
+                  </a:schemeClr>
+                </a:solidFill>
+              </a:rPr>
+              <a:t>    </a:t>
+            </a:r>
+            <a:r>
+              <a:rPr lang="en-US" dirty="0" smtClean="0">
+                <a:solidFill>
+                  <a:schemeClr val="tx1">
+                    <a:lumMod val="75000"/>
+                  </a:schemeClr>
+                </a:solidFill>
+              </a:rPr>
+              <a:t>	</a:t>
+            </a:r>
+            <a:r>
+              <a:rPr lang="en-US" dirty="0" smtClean="0">
+                <a:solidFill>
+                  <a:schemeClr val="tx1"/>
+                </a:solidFill>
+              </a:rPr>
+              <a:t>data</a:t>
+            </a:r>
+            <a:r>
+              <a:rPr lang="en-US" dirty="0">
+                <a:solidFill>
+                  <a:schemeClr val="tx1"/>
+                </a:solidFill>
+              </a:rPr>
+              <a:t>[</a:t>
+            </a:r>
+            <a:r>
+              <a:rPr lang="en-US" dirty="0">
+                <a:solidFill>
+                  <a:schemeClr val="accent2">
+                    <a:lumMod val="60000"/>
+                    <a:lumOff val="40000"/>
+                  </a:schemeClr>
+                </a:solidFill>
+              </a:rPr>
+              <a:t>'ФИО</a:t>
+            </a:r>
+            <a:r>
+              <a:rPr lang="en-US" dirty="0">
+                <a:solidFill>
+                  <a:schemeClr val="tx1"/>
+                </a:solidFill>
+              </a:rPr>
+              <a:t>'] = name </a:t>
+            </a:r>
+            <a:r>
+              <a:rPr lang="en-US" dirty="0" smtClean="0">
+                <a:solidFill>
+                  <a:schemeClr val="tx1"/>
+                </a:solidFill>
+              </a:rPr>
+              <a:t>		</a:t>
+            </a:r>
+            <a:r>
+              <a:rPr lang="en-US" dirty="0" smtClean="0">
+                <a:solidFill>
+                  <a:schemeClr val="tx1">
+                    <a:lumMod val="75000"/>
+                  </a:schemeClr>
+                </a:solidFill>
+              </a:rPr>
+              <a:t># </a:t>
+            </a:r>
+            <a:r>
+              <a:rPr lang="ru-RU" dirty="0" smtClean="0">
+                <a:solidFill>
+                  <a:schemeClr val="tx1">
+                    <a:lumMod val="75000"/>
+                  </a:schemeClr>
+                </a:solidFill>
+              </a:rPr>
+              <a:t>добавляем в ключ словаря</a:t>
+            </a:r>
+          </a:p>
+          <a:p>
+            <a:pPr marL="0" indent="0">
+              <a:buNone/>
+            </a:pPr>
+            <a:endParaRPr lang="ru-RU" dirty="0">
+              <a:solidFill>
+                <a:schemeClr val="tx1">
+                  <a:lumMod val="75000"/>
+                </a:schemeClr>
+              </a:solidFill>
+            </a:endParaRPr>
+          </a:p>
+          <a:p>
+            <a:pPr marL="0" indent="0">
+              <a:buNone/>
+            </a:pPr>
+            <a:r>
+              <a:rPr lang="ru-RU" dirty="0" smtClean="0">
+                <a:solidFill>
+                  <a:schemeClr val="tx1">
+                    <a:lumMod val="75000"/>
+                  </a:schemeClr>
+                </a:solidFill>
+              </a:rPr>
+              <a:t>	</a:t>
+            </a:r>
+            <a:r>
+              <a:rPr lang="en-US" dirty="0" smtClean="0">
+                <a:solidFill>
+                  <a:schemeClr val="tx1"/>
+                </a:solidFill>
+              </a:rPr>
+              <a:t>b_date </a:t>
+            </a:r>
+            <a:r>
+              <a:rPr lang="en-US" dirty="0">
+                <a:solidFill>
+                  <a:schemeClr val="tx1"/>
+                </a:solidFill>
+              </a:rPr>
+              <a:t>= ent_b_date.get() </a:t>
+            </a:r>
+            <a:r>
+              <a:rPr lang="en-US" dirty="0">
+                <a:solidFill>
+                  <a:schemeClr val="tx1">
+                    <a:lumMod val="75000"/>
+                  </a:schemeClr>
+                </a:solidFill>
+              </a:rPr>
+              <a:t> </a:t>
+            </a:r>
+            <a:r>
+              <a:rPr lang="ru-RU" dirty="0" smtClean="0">
+                <a:solidFill>
+                  <a:schemeClr val="tx1">
+                    <a:lumMod val="75000"/>
+                  </a:schemeClr>
+                </a:solidFill>
+              </a:rPr>
+              <a:t>	</a:t>
+            </a:r>
+            <a:r>
+              <a:rPr lang="en-US" dirty="0" smtClean="0">
+                <a:solidFill>
+                  <a:schemeClr val="tx1">
+                    <a:lumMod val="75000"/>
+                  </a:schemeClr>
+                </a:solidFill>
+              </a:rPr>
+              <a:t># </a:t>
+            </a:r>
+            <a:r>
+              <a:rPr lang="ru-RU" dirty="0" smtClean="0">
+                <a:solidFill>
+                  <a:schemeClr val="tx1">
+                    <a:lumMod val="75000"/>
+                  </a:schemeClr>
+                </a:solidFill>
+              </a:rPr>
+              <a:t>вытягиваем дату рождения</a:t>
+            </a:r>
+            <a:endParaRPr lang="en-US" dirty="0">
+              <a:solidFill>
+                <a:schemeClr val="tx1">
+                  <a:lumMod val="75000"/>
+                </a:schemeClr>
+              </a:solidFill>
+            </a:endParaRPr>
+          </a:p>
+          <a:p>
+            <a:pPr marL="0" indent="0">
+              <a:buNone/>
+            </a:pPr>
+            <a:r>
+              <a:rPr lang="en-US" dirty="0">
+                <a:solidFill>
+                  <a:schemeClr val="tx1"/>
+                </a:solidFill>
+              </a:rPr>
+              <a:t>    </a:t>
+            </a:r>
+            <a:r>
+              <a:rPr lang="ru-RU" dirty="0" smtClean="0">
+                <a:solidFill>
+                  <a:schemeClr val="tx1"/>
+                </a:solidFill>
+              </a:rPr>
+              <a:t>	</a:t>
+            </a:r>
+            <a:r>
+              <a:rPr lang="en-US" dirty="0" smtClean="0">
+                <a:solidFill>
+                  <a:schemeClr val="tx1"/>
+                </a:solidFill>
+              </a:rPr>
+              <a:t>data</a:t>
+            </a:r>
+            <a:r>
+              <a:rPr lang="en-US" dirty="0">
+                <a:solidFill>
+                  <a:schemeClr val="tx1"/>
+                </a:solidFill>
+              </a:rPr>
+              <a:t>[</a:t>
+            </a:r>
+            <a:r>
+              <a:rPr lang="en-US" dirty="0">
+                <a:solidFill>
+                  <a:schemeClr val="accent2">
+                    <a:lumMod val="60000"/>
+                    <a:lumOff val="40000"/>
+                  </a:schemeClr>
+                </a:solidFill>
+              </a:rPr>
+              <a:t>'</a:t>
+            </a:r>
+            <a:r>
+              <a:rPr lang="en-US" dirty="0" err="1">
+                <a:solidFill>
+                  <a:schemeClr val="accent2">
+                    <a:lumMod val="60000"/>
+                    <a:lumOff val="40000"/>
+                  </a:schemeClr>
+                </a:solidFill>
+              </a:rPr>
+              <a:t>дата</a:t>
+            </a:r>
+            <a:r>
+              <a:rPr lang="en-US" dirty="0">
+                <a:solidFill>
+                  <a:schemeClr val="accent2">
+                    <a:lumMod val="60000"/>
+                    <a:lumOff val="40000"/>
+                  </a:schemeClr>
+                </a:solidFill>
+              </a:rPr>
+              <a:t> рождения</a:t>
+            </a:r>
+            <a:r>
+              <a:rPr lang="en-US" dirty="0">
+                <a:solidFill>
+                  <a:schemeClr val="tx1"/>
+                </a:solidFill>
+              </a:rPr>
+              <a:t>'] = </a:t>
+            </a:r>
+            <a:r>
+              <a:rPr lang="en-US" dirty="0" smtClean="0">
+                <a:solidFill>
+                  <a:schemeClr val="tx1"/>
+                </a:solidFill>
+              </a:rPr>
+              <a:t>b_date </a:t>
+            </a:r>
+            <a:r>
+              <a:rPr lang="en-US" dirty="0" smtClean="0">
+                <a:solidFill>
+                  <a:schemeClr val="tx1">
+                    <a:lumMod val="75000"/>
+                  </a:schemeClr>
+                </a:solidFill>
+              </a:rPr>
+              <a:t># </a:t>
+            </a:r>
+            <a:r>
+              <a:rPr lang="ru-RU" dirty="0" smtClean="0">
+                <a:solidFill>
+                  <a:schemeClr val="tx1">
+                    <a:lumMod val="75000"/>
+                  </a:schemeClr>
+                </a:solidFill>
+              </a:rPr>
+              <a:t>добавляем в ключ словаря</a:t>
+            </a:r>
+            <a:endParaRPr lang="en-US" dirty="0" smtClean="0">
+              <a:solidFill>
+                <a:schemeClr val="tx1">
+                  <a:lumMod val="75000"/>
+                </a:schemeClr>
+              </a:solidFill>
+            </a:endParaRPr>
+          </a:p>
+          <a:p>
+            <a:pPr marL="0" indent="0">
+              <a:buNone/>
+            </a:pPr>
+            <a:endParaRPr lang="en-US" dirty="0">
+              <a:solidFill>
+                <a:schemeClr val="tx1"/>
+              </a:solidFill>
+            </a:endParaRPr>
+          </a:p>
+          <a:p>
+            <a:pPr marL="0" indent="0">
+              <a:buNone/>
+            </a:pPr>
+            <a:r>
+              <a:rPr lang="en-US" dirty="0">
+                <a:solidFill>
+                  <a:schemeClr val="tx1"/>
+                </a:solidFill>
+              </a:rPr>
+              <a:t>	</a:t>
+            </a:r>
+            <a:r>
+              <a:rPr lang="en-US" dirty="0" smtClean="0">
+                <a:solidFill>
+                  <a:schemeClr val="bg2">
+                    <a:lumMod val="40000"/>
+                    <a:lumOff val="60000"/>
+                  </a:schemeClr>
+                </a:solidFill>
+              </a:rPr>
+              <a:t>print</a:t>
+            </a:r>
+            <a:r>
+              <a:rPr lang="en-US" dirty="0" smtClean="0">
+                <a:solidFill>
+                  <a:schemeClr val="tx1"/>
+                </a:solidFill>
+              </a:rPr>
+              <a:t>(data)</a:t>
+            </a:r>
+            <a:endParaRPr lang="ru-RU" dirty="0">
+              <a:solidFill>
+                <a:schemeClr val="tx1"/>
+              </a:solidFill>
+            </a:endParaRPr>
+          </a:p>
+          <a:p>
+            <a:pPr marL="0" indent="0">
+              <a:buNone/>
+            </a:pPr>
+            <a:endParaRPr lang="ru-RU" dirty="0"/>
+          </a:p>
+        </p:txBody>
+      </p:sp>
+    </p:spTree>
+    <p:extLst>
+      <p:ext uri="{BB962C8B-B14F-4D97-AF65-F5344CB8AC3E}">
+        <p14:creationId xmlns:p14="http://schemas.microsoft.com/office/powerpoint/2010/main" val="3499329385"/>
+      </p:ext>
+    </p:extLst>
+  </p:cSld>
+  <p:clrMapOvr>
+    <a:masterClrMapping/>
+  </p:clrMapOvr>
+</p:sld>
+</file>
+
+<file path=ppt/slides/slide16.xml><?xml version="1.0" encoding="utf-8"?>
+<p:sld xmlns:a="http://schemas.openxmlformats.org/drawingml/2006/main" xmlns:r="http://schemas.openxmlformats.org/officeDocument/2006/relationships" xmlns:p="http://schemas.openxmlformats.org/presentationml/2006/main">
+  <p:cSld>
+    <p:spTree>
+      <p:nvGrpSpPr>
+        <p:cNvPr id="1" name=""/>
+        <p:cNvGrpSpPr/>
+        <p:nvPr/>
+      </p:nvGrpSpPr>
+      <p:grpSpPr>
+        <a:xfrm>
+          <a:off x="0" y="0"/>
+          <a:ext cx="0" cy="0"/>
+          <a:chOff x="0" y="0"/>
+          <a:chExt cx="0" cy="0"/>
+        </a:xfrm>
+      </p:grpSpPr>
+      <p:sp>
+        <p:nvSpPr>
+          <p:cNvPr id="2" name="Заголовок 1"/>
+          <p:cNvSpPr>
+            <a:spLocks noGrp="1"/>
+          </p:cNvSpPr>
+          <p:nvPr>
+            <p:ph type="title"/>
+          </p:nvPr>
+        </p:nvSpPr>
+        <p:spPr>
+          <a:xfrm>
+            <a:off x="677334" y="609600"/>
+            <a:ext cx="8596668" cy="701964"/>
+          </a:xfrm>
+        </p:spPr>
+        <p:txBody>
+          <a:bodyPr/>
+          <a:lstStyle/>
+          <a:p>
+            <a:r>
+              <a:rPr lang="ru-RU" dirty="0" smtClean="0"/>
+              <a:t>Запись в базу</a:t>
+            </a:r>
+            <a:endParaRPr lang="ru-RU" dirty="0"/>
+          </a:p>
+        </p:txBody>
+      </p:sp>
+      <p:sp>
+        <p:nvSpPr>
+          <p:cNvPr id="3" name="Объект 2"/>
+          <p:cNvSpPr>
+            <a:spLocks noGrp="1"/>
+          </p:cNvSpPr>
+          <p:nvPr>
+            <p:ph idx="1"/>
+          </p:nvPr>
+        </p:nvSpPr>
+        <p:spPr>
+          <a:xfrm>
+            <a:off x="677334" y="1487055"/>
+            <a:ext cx="8596668" cy="5043054"/>
+          </a:xfrm>
+        </p:spPr>
+        <p:txBody>
+          <a:bodyPr>
+            <a:normAutofit/>
+          </a:bodyPr>
+          <a:lstStyle/>
+          <a:p>
+            <a:pPr marL="0" indent="0">
+              <a:buNone/>
+            </a:pPr>
+            <a:r>
+              <a:rPr lang="en-US" dirty="0">
+                <a:solidFill>
+                  <a:schemeClr val="accent3">
+                    <a:lumMod val="60000"/>
+                    <a:lumOff val="40000"/>
+                  </a:schemeClr>
+                </a:solidFill>
+              </a:rPr>
+              <a:t>def</a:t>
+            </a:r>
+            <a:r>
+              <a:rPr lang="en-US" dirty="0"/>
+              <a:t> collect_data():</a:t>
+            </a:r>
+            <a:endParaRPr lang="ru-RU" dirty="0"/>
+          </a:p>
+          <a:p>
+            <a:pPr marL="0" indent="0">
+              <a:buNone/>
+            </a:pPr>
+            <a:r>
+              <a:rPr lang="ru-RU" dirty="0"/>
+              <a:t>	</a:t>
+            </a:r>
+            <a:r>
+              <a:rPr lang="en-US" dirty="0">
+                <a:solidFill>
+                  <a:schemeClr val="accent2">
+                    <a:lumMod val="40000"/>
+                    <a:lumOff val="60000"/>
+                  </a:schemeClr>
+                </a:solidFill>
+              </a:rPr>
+              <a:t>“““ </a:t>
+            </a:r>
+            <a:r>
+              <a:rPr lang="ru-RU" dirty="0">
+                <a:solidFill>
+                  <a:schemeClr val="accent2">
+                    <a:lumMod val="40000"/>
+                    <a:lumOff val="60000"/>
+                  </a:schemeClr>
+                </a:solidFill>
+              </a:rPr>
+              <a:t>вытаскивает данные и складывает в базу данных</a:t>
+            </a:r>
+            <a:r>
+              <a:rPr lang="en-US" dirty="0">
+                <a:solidFill>
+                  <a:schemeClr val="accent2">
+                    <a:lumMod val="40000"/>
+                    <a:lumOff val="60000"/>
+                  </a:schemeClr>
+                </a:solidFill>
+              </a:rPr>
+              <a:t> ”””</a:t>
+            </a:r>
+          </a:p>
+          <a:p>
+            <a:pPr marL="0" indent="0">
+              <a:buNone/>
+            </a:pPr>
+            <a:r>
+              <a:rPr lang="ru-RU" dirty="0">
+                <a:solidFill>
+                  <a:schemeClr val="tx1">
+                    <a:lumMod val="75000"/>
+                  </a:schemeClr>
+                </a:solidFill>
+              </a:rPr>
+              <a:t>	</a:t>
+            </a:r>
+            <a:r>
+              <a:rPr lang="en-US" dirty="0">
+                <a:solidFill>
+                  <a:schemeClr val="tx1"/>
+                </a:solidFill>
+              </a:rPr>
+              <a:t>data = {}	</a:t>
+            </a:r>
+            <a:r>
+              <a:rPr lang="ru-RU" dirty="0">
+                <a:solidFill>
+                  <a:schemeClr val="tx1"/>
+                </a:solidFill>
+              </a:rPr>
+              <a:t>	</a:t>
+            </a:r>
+            <a:r>
+              <a:rPr lang="en-US" dirty="0">
+                <a:solidFill>
+                  <a:schemeClr val="tx1">
+                    <a:lumMod val="75000"/>
+                  </a:schemeClr>
+                </a:solidFill>
+              </a:rPr>
+              <a:t># </a:t>
+            </a:r>
+            <a:r>
+              <a:rPr lang="ru-RU" dirty="0">
+                <a:solidFill>
+                  <a:schemeClr val="tx1">
+                    <a:lumMod val="75000"/>
+                  </a:schemeClr>
+                </a:solidFill>
+              </a:rPr>
+              <a:t>создадим пустой словарь</a:t>
+            </a:r>
+            <a:endParaRPr lang="en-US" dirty="0">
+              <a:solidFill>
+                <a:schemeClr val="tx1"/>
+              </a:solidFill>
+            </a:endParaRPr>
+          </a:p>
+          <a:p>
+            <a:pPr marL="0" indent="0">
+              <a:buNone/>
+            </a:pPr>
+            <a:r>
+              <a:rPr lang="en-US" dirty="0">
+                <a:solidFill>
+                  <a:schemeClr val="tx1"/>
+                </a:solidFill>
+              </a:rPr>
+              <a:t>	</a:t>
+            </a:r>
+            <a:endParaRPr lang="en-US" dirty="0" smtClean="0">
+              <a:solidFill>
+                <a:schemeClr val="tx1"/>
+              </a:solidFill>
+            </a:endParaRPr>
+          </a:p>
+          <a:p>
+            <a:pPr marL="0" indent="0">
+              <a:buNone/>
+            </a:pPr>
+            <a:r>
+              <a:rPr lang="en-US" dirty="0" smtClean="0">
+                <a:solidFill>
+                  <a:schemeClr val="tx1"/>
+                </a:solidFill>
+              </a:rPr>
+              <a:t>	</a:t>
+            </a:r>
+            <a:r>
+              <a:rPr lang="en-US" dirty="0" smtClean="0">
+                <a:solidFill>
+                  <a:schemeClr val="tx1">
+                    <a:lumMod val="75000"/>
+                  </a:schemeClr>
+                </a:solidFill>
+              </a:rPr>
+              <a:t>…</a:t>
+            </a:r>
+          </a:p>
+          <a:p>
+            <a:pPr marL="0" indent="0">
+              <a:buNone/>
+            </a:pPr>
+            <a:endParaRPr lang="en-US" dirty="0">
+              <a:solidFill>
+                <a:schemeClr val="tx1"/>
+              </a:solidFill>
+            </a:endParaRPr>
+          </a:p>
+          <a:p>
+            <a:pPr marL="0" indent="0">
+              <a:buNone/>
+            </a:pPr>
+            <a:r>
+              <a:rPr lang="en-US" dirty="0" smtClean="0">
+                <a:solidFill>
+                  <a:schemeClr val="tx1"/>
+                </a:solidFill>
+              </a:rPr>
+              <a:t>	</a:t>
+            </a:r>
+            <a:r>
+              <a:rPr lang="en-US" dirty="0" smtClean="0">
+                <a:solidFill>
+                  <a:schemeClr val="accent3">
+                    <a:lumMod val="60000"/>
+                    <a:lumOff val="40000"/>
+                  </a:schemeClr>
+                </a:solidFill>
+              </a:rPr>
+              <a:t>global</a:t>
+            </a:r>
+            <a:r>
+              <a:rPr lang="en-US" dirty="0" smtClean="0">
+                <a:solidFill>
+                  <a:schemeClr val="tx1"/>
+                </a:solidFill>
+              </a:rPr>
+              <a:t> df</a:t>
+            </a:r>
+          </a:p>
+          <a:p>
+            <a:pPr marL="0" indent="0">
+              <a:buNone/>
+            </a:pPr>
+            <a:r>
+              <a:rPr lang="en-US" dirty="0">
+                <a:solidFill>
+                  <a:schemeClr val="tx1"/>
+                </a:solidFill>
+              </a:rPr>
+              <a:t>	df = df.append</a:t>
+            </a:r>
+            <a:r>
+              <a:rPr lang="en-US" dirty="0" smtClean="0">
+                <a:solidFill>
+                  <a:schemeClr val="tx1"/>
+                </a:solidFill>
+              </a:rPr>
+              <a:t>( data</a:t>
+            </a:r>
+            <a:r>
+              <a:rPr lang="en-US" dirty="0">
+                <a:solidFill>
+                  <a:schemeClr val="tx1"/>
+                </a:solidFill>
+              </a:rPr>
+              <a:t>, </a:t>
+            </a:r>
+            <a:r>
+              <a:rPr lang="en-US" dirty="0" smtClean="0">
+                <a:solidFill>
+                  <a:schemeClr val="accent5">
+                    <a:lumMod val="60000"/>
+                    <a:lumOff val="40000"/>
+                  </a:schemeClr>
+                </a:solidFill>
+              </a:rPr>
+              <a:t>ignore_index</a:t>
+            </a:r>
+            <a:r>
+              <a:rPr lang="en-US" dirty="0" smtClean="0">
+                <a:solidFill>
+                  <a:schemeClr val="tx1"/>
+                </a:solidFill>
+              </a:rPr>
+              <a:t>=</a:t>
+            </a:r>
+            <a:r>
+              <a:rPr lang="en-US" dirty="0" smtClean="0">
+                <a:solidFill>
+                  <a:schemeClr val="accent3">
+                    <a:lumMod val="60000"/>
+                    <a:lumOff val="40000"/>
+                  </a:schemeClr>
+                </a:solidFill>
+              </a:rPr>
+              <a:t>True</a:t>
+            </a:r>
+            <a:r>
+              <a:rPr lang="en-US" dirty="0" smtClean="0">
+                <a:solidFill>
+                  <a:schemeClr val="tx1"/>
+                </a:solidFill>
+              </a:rPr>
+              <a:t> )</a:t>
+            </a:r>
+            <a:endParaRPr lang="en-US" dirty="0">
+              <a:solidFill>
+                <a:schemeClr val="tx1"/>
+              </a:solidFill>
+            </a:endParaRPr>
+          </a:p>
+          <a:p>
+            <a:pPr marL="0" indent="0">
+              <a:buNone/>
+            </a:pPr>
+            <a:r>
+              <a:rPr lang="en-US" dirty="0">
+                <a:solidFill>
+                  <a:schemeClr val="tx1"/>
+                </a:solidFill>
+              </a:rPr>
+              <a:t>    </a:t>
+            </a:r>
+            <a:r>
+              <a:rPr lang="en-US" dirty="0" smtClean="0">
+                <a:solidFill>
+                  <a:schemeClr val="tx1"/>
+                </a:solidFill>
+              </a:rPr>
+              <a:t>	df </a:t>
+            </a:r>
+            <a:r>
+              <a:rPr lang="en-US" dirty="0">
+                <a:solidFill>
+                  <a:schemeClr val="tx1"/>
+                </a:solidFill>
+              </a:rPr>
+              <a:t>= df.drop_duplicates</a:t>
+            </a:r>
+            <a:r>
+              <a:rPr lang="en-US" dirty="0" smtClean="0">
+                <a:solidFill>
+                  <a:schemeClr val="tx1"/>
+                </a:solidFill>
+              </a:rPr>
+              <a:t>( </a:t>
+            </a:r>
+            <a:r>
+              <a:rPr lang="en-US" dirty="0" smtClean="0">
+                <a:solidFill>
+                  <a:schemeClr val="accent5">
+                    <a:lumMod val="60000"/>
+                    <a:lumOff val="40000"/>
+                  </a:schemeClr>
+                </a:solidFill>
+              </a:rPr>
+              <a:t>subset</a:t>
+            </a:r>
+            <a:r>
+              <a:rPr lang="en-US" dirty="0" smtClean="0">
+                <a:solidFill>
+                  <a:schemeClr val="tx1"/>
+                </a:solidFill>
+              </a:rPr>
+              <a:t>=columns</a:t>
+            </a:r>
+            <a:r>
+              <a:rPr lang="en-US" dirty="0">
+                <a:solidFill>
+                  <a:schemeClr val="tx1"/>
+                </a:solidFill>
+              </a:rPr>
+              <a:t>[:-2], </a:t>
+            </a:r>
+            <a:r>
+              <a:rPr lang="en-US" dirty="0" smtClean="0">
+                <a:solidFill>
+                  <a:schemeClr val="accent5">
+                    <a:lumMod val="60000"/>
+                    <a:lumOff val="40000"/>
+                  </a:schemeClr>
+                </a:solidFill>
+              </a:rPr>
+              <a:t>keep</a:t>
+            </a:r>
+            <a:r>
+              <a:rPr lang="en-US" dirty="0" smtClean="0">
+                <a:solidFill>
+                  <a:schemeClr val="tx1"/>
+                </a:solidFill>
+              </a:rPr>
+              <a:t>=‘</a:t>
+            </a:r>
+            <a:r>
+              <a:rPr lang="en-US" dirty="0" smtClean="0">
+                <a:solidFill>
+                  <a:schemeClr val="accent2">
+                    <a:lumMod val="60000"/>
+                    <a:lumOff val="40000"/>
+                  </a:schemeClr>
+                </a:solidFill>
+              </a:rPr>
+              <a:t>last</a:t>
+            </a:r>
+            <a:r>
+              <a:rPr lang="en-US" dirty="0" smtClean="0">
+                <a:solidFill>
+                  <a:schemeClr val="tx1"/>
+                </a:solidFill>
+              </a:rPr>
+              <a:t>’ </a:t>
+            </a:r>
+            <a:r>
+              <a:rPr lang="en-US" dirty="0" smtClean="0">
+                <a:solidFill>
+                  <a:schemeClr val="tx1"/>
+                </a:solidFill>
+              </a:rPr>
+              <a:t>)</a:t>
+            </a:r>
+            <a:endParaRPr lang="en-US" dirty="0" smtClean="0">
+              <a:solidFill>
+                <a:schemeClr val="tx1"/>
+              </a:solidFill>
+            </a:endParaRPr>
+          </a:p>
+        </p:txBody>
+      </p:sp>
+    </p:spTree>
+    <p:extLst>
+      <p:ext uri="{BB962C8B-B14F-4D97-AF65-F5344CB8AC3E}">
+        <p14:creationId xmlns:p14="http://schemas.microsoft.com/office/powerpoint/2010/main" val="282686552"/>
+      </p:ext>
+    </p:extLst>
+  </p:cSld>
+  <p:clrMapOvr>
+    <a:masterClrMapping/>
+  </p:clrMapOvr>
+</p:sld>
+</file>
+
+<file path=ppt/slides/slide17.xml><?xml version="1.0" encoding="utf-8"?>
+<p:sld xmlns:a="http://schemas.openxmlformats.org/drawingml/2006/main" xmlns:r="http://schemas.openxmlformats.org/officeDocument/2006/relationships" xmlns:p="http://schemas.openxmlformats.org/presentationml/2006/main">
+  <p:cSld>
+    <p:spTree>
+      <p:nvGrpSpPr>
+        <p:cNvPr id="1" name=""/>
+        <p:cNvGrpSpPr/>
+        <p:nvPr/>
+      </p:nvGrpSpPr>
+      <p:grpSpPr>
+        <a:xfrm>
+          <a:off x="0" y="0"/>
+          <a:ext cx="0" cy="0"/>
+          <a:chOff x="0" y="0"/>
+          <a:chExt cx="0" cy="0"/>
+        </a:xfrm>
+      </p:grpSpPr>
+      <p:sp>
+        <p:nvSpPr>
+          <p:cNvPr id="2" name="Заголовок 1"/>
+          <p:cNvSpPr>
+            <a:spLocks noGrp="1"/>
+          </p:cNvSpPr>
+          <p:nvPr>
+            <p:ph type="title"/>
+          </p:nvPr>
+        </p:nvSpPr>
+        <p:spPr/>
+        <p:txBody>
+          <a:bodyPr/>
+          <a:lstStyle/>
+          <a:p>
+            <a:r>
+              <a:rPr lang="en-US" dirty="0" smtClean="0"/>
+              <a:t>global</a:t>
+            </a:r>
+            <a:endParaRPr lang="ru-RU" dirty="0">
+              <a:solidFill>
+                <a:schemeClr val="accent2">
+                  <a:lumMod val="60000"/>
+                  <a:lumOff val="40000"/>
+                </a:schemeClr>
+              </a:solidFill>
+            </a:endParaRPr>
+          </a:p>
+        </p:txBody>
+      </p:sp>
+      <p:sp>
+        <p:nvSpPr>
+          <p:cNvPr id="3" name="Объект 2"/>
+          <p:cNvSpPr>
+            <a:spLocks noGrp="1"/>
+          </p:cNvSpPr>
+          <p:nvPr>
+            <p:ph idx="1"/>
+          </p:nvPr>
+        </p:nvSpPr>
+        <p:spPr>
+          <a:xfrm>
+            <a:off x="677334" y="2253673"/>
+            <a:ext cx="8596668" cy="3787690"/>
+          </a:xfrm>
+        </p:spPr>
+        <p:txBody>
+          <a:bodyPr>
+            <a:normAutofit/>
+          </a:bodyPr>
+          <a:lstStyle/>
+          <a:p>
+            <a:pPr marL="0" indent="0">
+              <a:buNone/>
+            </a:pPr>
+            <a:r>
+              <a:rPr lang="ru-RU" dirty="0" smtClean="0"/>
+              <a:t>Позволяет </a:t>
+            </a:r>
+            <a:r>
+              <a:rPr lang="ru-RU" dirty="0" smtClean="0"/>
+              <a:t>оперировать внешней переменной внутри функции, например перезаписывать</a:t>
+            </a:r>
+            <a:endParaRPr lang="en-US" dirty="0" smtClean="0"/>
+          </a:p>
+          <a:p>
+            <a:pPr marL="0" indent="0">
+              <a:buNone/>
+            </a:pPr>
+            <a:r>
+              <a:rPr lang="en-US" dirty="0" smtClean="0">
+                <a:solidFill>
+                  <a:schemeClr val="tx1">
+                    <a:lumMod val="75000"/>
+                  </a:schemeClr>
+                </a:solidFill>
+              </a:rPr>
+              <a:t># </a:t>
+            </a:r>
+            <a:r>
+              <a:rPr lang="ru-RU" dirty="0" smtClean="0">
+                <a:solidFill>
+                  <a:schemeClr val="tx1">
+                    <a:lumMod val="75000"/>
+                  </a:schemeClr>
+                </a:solidFill>
+              </a:rPr>
+              <a:t>синтаксис</a:t>
+            </a:r>
+          </a:p>
+          <a:p>
+            <a:pPr marL="0" indent="0">
+              <a:buNone/>
+            </a:pPr>
+            <a:r>
+              <a:rPr lang="en-US" dirty="0">
+                <a:solidFill>
+                  <a:schemeClr val="accent3">
+                    <a:lumMod val="60000"/>
+                    <a:lumOff val="40000"/>
+                  </a:schemeClr>
+                </a:solidFill>
+              </a:rPr>
+              <a:t>g</a:t>
+            </a:r>
+            <a:r>
+              <a:rPr lang="en-US" dirty="0" smtClean="0">
+                <a:solidFill>
+                  <a:schemeClr val="accent3">
+                    <a:lumMod val="60000"/>
+                    <a:lumOff val="40000"/>
+                  </a:schemeClr>
+                </a:solidFill>
+              </a:rPr>
+              <a:t>lobal</a:t>
+            </a:r>
+            <a:r>
+              <a:rPr lang="en-US" dirty="0" smtClean="0"/>
+              <a:t> </a:t>
+            </a:r>
+            <a:r>
+              <a:rPr lang="en-US" dirty="0" smtClean="0"/>
+              <a:t>some_variable</a:t>
+            </a:r>
+            <a:endParaRPr lang="en-US" dirty="0" smtClean="0"/>
+          </a:p>
+        </p:txBody>
+      </p:sp>
+    </p:spTree>
+    <p:extLst>
+      <p:ext uri="{BB962C8B-B14F-4D97-AF65-F5344CB8AC3E}">
+        <p14:creationId xmlns:p14="http://schemas.microsoft.com/office/powerpoint/2010/main" val="3290967444"/>
+      </p:ext>
+    </p:extLst>
+  </p:cSld>
+  <p:clrMapOvr>
+    <a:masterClrMapping/>
+  </p:clrMapOvr>
+</p:sld>
+</file>
+
+<file path=ppt/slides/slide18.xml><?xml version="1.0" encoding="utf-8"?>
+<p:sld xmlns:a="http://schemas.openxmlformats.org/drawingml/2006/main" xmlns:r="http://schemas.openxmlformats.org/officeDocument/2006/relationships" xmlns:p="http://schemas.openxmlformats.org/presentationml/2006/main">
+  <p:cSld>
+    <p:spTree>
+      <p:nvGrpSpPr>
+        <p:cNvPr id="1" name=""/>
+        <p:cNvGrpSpPr/>
+        <p:nvPr/>
+      </p:nvGrpSpPr>
+      <p:grpSpPr>
+        <a:xfrm>
+          <a:off x="0" y="0"/>
+          <a:ext cx="0" cy="0"/>
+          <a:chOff x="0" y="0"/>
+          <a:chExt cx="0" cy="0"/>
+        </a:xfrm>
+      </p:grpSpPr>
+      <p:sp>
+        <p:nvSpPr>
+          <p:cNvPr id="2" name="Заголовок 1"/>
+          <p:cNvSpPr>
+            <a:spLocks noGrp="1"/>
+          </p:cNvSpPr>
+          <p:nvPr>
+            <p:ph type="title"/>
+          </p:nvPr>
+        </p:nvSpPr>
+        <p:spPr/>
+        <p:txBody>
+          <a:bodyPr/>
+          <a:lstStyle/>
+          <a:p>
+            <a:r>
+              <a:rPr lang="en-US" dirty="0"/>
+              <a:t>a</a:t>
+            </a:r>
+            <a:r>
+              <a:rPr lang="en-US" dirty="0" smtClean="0"/>
+              <a:t>ppend()</a:t>
+            </a:r>
+            <a:endParaRPr lang="ru-RU" dirty="0"/>
+          </a:p>
+        </p:txBody>
+      </p:sp>
+      <p:sp>
+        <p:nvSpPr>
+          <p:cNvPr id="3" name="Объект 2"/>
+          <p:cNvSpPr>
+            <a:spLocks noGrp="1"/>
+          </p:cNvSpPr>
+          <p:nvPr>
+            <p:ph idx="1"/>
+          </p:nvPr>
+        </p:nvSpPr>
+        <p:spPr/>
+        <p:txBody>
+          <a:bodyPr/>
+          <a:lstStyle/>
+          <a:p>
+            <a:pPr marL="0" indent="0">
+              <a:buNone/>
+            </a:pPr>
+            <a:r>
+              <a:rPr lang="ru-RU" dirty="0" smtClean="0"/>
+              <a:t>Добавляет </a:t>
+            </a:r>
+            <a:r>
+              <a:rPr lang="ru-RU" dirty="0"/>
+              <a:t>данные в конец списка</a:t>
+            </a:r>
+            <a:r>
+              <a:rPr lang="en-US" dirty="0"/>
+              <a:t> list, </a:t>
+            </a:r>
+            <a:r>
+              <a:rPr lang="ru-RU" dirty="0"/>
+              <a:t>подобный метод есть и у объекта </a:t>
+            </a:r>
+            <a:r>
+              <a:rPr lang="en-US" dirty="0"/>
+              <a:t>pandas.DataFrame</a:t>
+            </a:r>
+          </a:p>
+          <a:p>
+            <a:pPr marL="0" indent="0">
+              <a:buNone/>
+            </a:pPr>
+            <a:r>
+              <a:rPr lang="en-US" dirty="0">
+                <a:solidFill>
+                  <a:schemeClr val="tx1">
+                    <a:lumMod val="75000"/>
+                  </a:schemeClr>
+                </a:solidFill>
+              </a:rPr>
+              <a:t># </a:t>
+            </a:r>
+            <a:r>
+              <a:rPr lang="ru-RU" dirty="0">
+                <a:solidFill>
+                  <a:schemeClr val="tx1">
+                    <a:lumMod val="75000"/>
+                  </a:schemeClr>
+                </a:solidFill>
+              </a:rPr>
+              <a:t>синтаксис</a:t>
+            </a:r>
+            <a:endParaRPr lang="en-US" dirty="0">
+              <a:solidFill>
+                <a:schemeClr val="tx1">
+                  <a:lumMod val="75000"/>
+                </a:schemeClr>
+              </a:solidFill>
+            </a:endParaRPr>
+          </a:p>
+          <a:p>
+            <a:pPr marL="0" indent="0">
+              <a:buNone/>
+            </a:pPr>
+            <a:r>
+              <a:rPr lang="en-US" dirty="0">
+                <a:solidFill>
+                  <a:schemeClr val="tx1"/>
+                </a:solidFill>
+              </a:rPr>
+              <a:t>pandas.DataFrame.append(</a:t>
+            </a:r>
+          </a:p>
+          <a:p>
+            <a:pPr marL="0" indent="0">
+              <a:buNone/>
+            </a:pPr>
+            <a:r>
+              <a:rPr lang="en-US" dirty="0">
+                <a:solidFill>
+                  <a:schemeClr val="tx1"/>
+                </a:solidFill>
+              </a:rPr>
+              <a:t>	</a:t>
+            </a:r>
+            <a:r>
+              <a:rPr lang="en-US" dirty="0">
+                <a:solidFill>
+                  <a:schemeClr val="accent5">
+                    <a:lumMod val="60000"/>
+                    <a:lumOff val="40000"/>
+                  </a:schemeClr>
+                </a:solidFill>
+              </a:rPr>
+              <a:t>other</a:t>
+            </a:r>
+            <a:r>
+              <a:rPr lang="en-US" dirty="0">
+                <a:solidFill>
+                  <a:schemeClr val="tx1"/>
+                </a:solidFill>
+              </a:rPr>
+              <a:t>=</a:t>
+            </a:r>
+            <a:r>
+              <a:rPr lang="en-US" dirty="0" err="1">
+                <a:solidFill>
+                  <a:schemeClr val="tx1"/>
+                </a:solidFill>
+              </a:rPr>
+              <a:t>some_data</a:t>
+            </a:r>
+            <a:r>
+              <a:rPr lang="en-US" dirty="0">
+                <a:solidFill>
+                  <a:schemeClr val="tx1"/>
+                </a:solidFill>
+              </a:rPr>
+              <a:t>,		</a:t>
+            </a:r>
+            <a:r>
+              <a:rPr lang="en-US" dirty="0">
+                <a:solidFill>
+                  <a:schemeClr val="tx1">
+                    <a:lumMod val="75000"/>
+                  </a:schemeClr>
+                </a:solidFill>
+              </a:rPr>
+              <a:t># </a:t>
+            </a:r>
+            <a:r>
+              <a:rPr lang="ru-RU" dirty="0">
+                <a:solidFill>
+                  <a:schemeClr val="tx1">
+                    <a:lumMod val="75000"/>
+                  </a:schemeClr>
+                </a:solidFill>
+              </a:rPr>
+              <a:t>данные для добавления</a:t>
+            </a:r>
+            <a:endParaRPr lang="en-US" dirty="0">
+              <a:solidFill>
+                <a:schemeClr val="tx1">
+                  <a:lumMod val="75000"/>
+                </a:schemeClr>
+              </a:solidFill>
+            </a:endParaRPr>
+          </a:p>
+          <a:p>
+            <a:pPr marL="0" indent="0">
+              <a:buNone/>
+            </a:pPr>
+            <a:r>
+              <a:rPr lang="en-US" dirty="0">
+                <a:solidFill>
+                  <a:schemeClr val="tx1"/>
+                </a:solidFill>
+              </a:rPr>
+              <a:t>	</a:t>
+            </a:r>
+            <a:r>
+              <a:rPr lang="en-US" dirty="0">
+                <a:solidFill>
+                  <a:schemeClr val="accent5">
+                    <a:lumMod val="60000"/>
+                    <a:lumOff val="40000"/>
+                  </a:schemeClr>
+                </a:solidFill>
+              </a:rPr>
+              <a:t>ignore_index</a:t>
+            </a:r>
+            <a:r>
+              <a:rPr lang="en-US" dirty="0">
+                <a:solidFill>
+                  <a:schemeClr val="tx1"/>
+                </a:solidFill>
+              </a:rPr>
+              <a:t>=</a:t>
+            </a:r>
+            <a:r>
+              <a:rPr lang="en-US" dirty="0">
+                <a:solidFill>
+                  <a:schemeClr val="accent3">
+                    <a:lumMod val="60000"/>
+                    <a:lumOff val="40000"/>
+                  </a:schemeClr>
+                </a:solidFill>
+              </a:rPr>
+              <a:t>True</a:t>
+            </a:r>
+            <a:r>
+              <a:rPr lang="ru-RU" dirty="0">
+                <a:solidFill>
+                  <a:schemeClr val="accent3">
+                    <a:lumMod val="60000"/>
+                    <a:lumOff val="40000"/>
+                  </a:schemeClr>
+                </a:solidFill>
+              </a:rPr>
+              <a:t>		</a:t>
+            </a:r>
+            <a:r>
+              <a:rPr lang="en-US" dirty="0">
+                <a:solidFill>
+                  <a:schemeClr val="tx1">
+                    <a:lumMod val="75000"/>
+                  </a:schemeClr>
+                </a:solidFill>
+              </a:rPr>
+              <a:t># </a:t>
+            </a:r>
+            <a:r>
+              <a:rPr lang="ru-RU" dirty="0">
+                <a:solidFill>
+                  <a:schemeClr val="tx1">
+                    <a:lumMod val="75000"/>
+                  </a:schemeClr>
+                </a:solidFill>
+              </a:rPr>
+              <a:t>пересоздает индексы</a:t>
+            </a:r>
+            <a:endParaRPr lang="en-US" dirty="0">
+              <a:solidFill>
+                <a:schemeClr val="tx1">
+                  <a:lumMod val="75000"/>
+                </a:schemeClr>
+              </a:solidFill>
+            </a:endParaRPr>
+          </a:p>
+          <a:p>
+            <a:pPr marL="0" indent="0">
+              <a:buNone/>
+            </a:pPr>
+            <a:r>
+              <a:rPr lang="en-US" dirty="0" smtClean="0">
+                <a:solidFill>
+                  <a:schemeClr val="tx1"/>
+                </a:solidFill>
+              </a:rPr>
+              <a:t>)</a:t>
+            </a:r>
+            <a:endParaRPr lang="ru-RU" dirty="0">
+              <a:solidFill>
+                <a:schemeClr val="tx1"/>
+              </a:solidFill>
+            </a:endParaRPr>
+          </a:p>
+        </p:txBody>
+      </p:sp>
+    </p:spTree>
+    <p:extLst>
+      <p:ext uri="{BB962C8B-B14F-4D97-AF65-F5344CB8AC3E}">
+        <p14:creationId xmlns:p14="http://schemas.microsoft.com/office/powerpoint/2010/main" val="4097741388"/>
+      </p:ext>
+    </p:extLst>
+  </p:cSld>
+  <p:clrMapOvr>
+    <a:masterClrMapping/>
+  </p:clrMapOvr>
+</p:sld>
+</file>
+
+<file path=ppt/slides/slide19.xml><?xml version="1.0" encoding="utf-8"?>
+<p:sld xmlns:a="http://schemas.openxmlformats.org/drawingml/2006/main" xmlns:r="http://schemas.openxmlformats.org/officeDocument/2006/relationships" xmlns:p="http://schemas.openxmlformats.org/presentationml/2006/main">
+  <p:cSld>
+    <p:spTree>
+      <p:nvGrpSpPr>
+        <p:cNvPr id="1" name=""/>
+        <p:cNvGrpSpPr/>
+        <p:nvPr/>
+      </p:nvGrpSpPr>
+      <p:grpSpPr>
+        <a:xfrm>
+          <a:off x="0" y="0"/>
+          <a:ext cx="0" cy="0"/>
+          <a:chOff x="0" y="0"/>
+          <a:chExt cx="0" cy="0"/>
+        </a:xfrm>
+      </p:grpSpPr>
+      <p:sp>
+        <p:nvSpPr>
+          <p:cNvPr id="2" name="Заголовок 1"/>
+          <p:cNvSpPr>
+            <a:spLocks noGrp="1"/>
+          </p:cNvSpPr>
+          <p:nvPr>
+            <p:ph type="title"/>
+          </p:nvPr>
+        </p:nvSpPr>
+        <p:spPr/>
+        <p:txBody>
+          <a:bodyPr>
+            <a:normAutofit/>
+          </a:bodyPr>
+          <a:lstStyle/>
+          <a:p>
+            <a:r>
+              <a:rPr lang="en-US" dirty="0" smtClean="0"/>
+              <a:t>drop_duplicates()</a:t>
+            </a:r>
+            <a:r>
+              <a:rPr lang="en-US" dirty="0"/>
+              <a:t/>
+            </a:r>
+            <a:br>
+              <a:rPr lang="en-US" dirty="0"/>
+            </a:br>
+            <a:endParaRPr lang="ru-RU" dirty="0"/>
+          </a:p>
+        </p:txBody>
+      </p:sp>
+      <p:sp>
+        <p:nvSpPr>
+          <p:cNvPr id="3" name="Объект 2"/>
+          <p:cNvSpPr>
+            <a:spLocks noGrp="1"/>
+          </p:cNvSpPr>
+          <p:nvPr>
+            <p:ph idx="1"/>
+          </p:nvPr>
+        </p:nvSpPr>
+        <p:spPr/>
+        <p:txBody>
+          <a:bodyPr/>
+          <a:lstStyle/>
+          <a:p>
+            <a:pPr marL="0" indent="0">
+              <a:buNone/>
+            </a:pPr>
+            <a:r>
+              <a:rPr lang="ru-RU" dirty="0" smtClean="0"/>
+              <a:t>Удаляет</a:t>
+            </a:r>
+            <a:r>
+              <a:rPr lang="en-US" dirty="0" smtClean="0"/>
+              <a:t> </a:t>
+            </a:r>
+            <a:r>
+              <a:rPr lang="ru-RU" dirty="0" smtClean="0"/>
+              <a:t>повторяющиеся данные из датафрейма</a:t>
+            </a:r>
+            <a:endParaRPr lang="ru-RU" dirty="0"/>
+          </a:p>
+          <a:p>
+            <a:pPr marL="0" indent="0">
+              <a:buNone/>
+            </a:pPr>
+            <a:r>
+              <a:rPr lang="en-US" dirty="0" smtClean="0">
+                <a:solidFill>
+                  <a:schemeClr val="tx1">
+                    <a:lumMod val="75000"/>
+                  </a:schemeClr>
+                </a:solidFill>
+              </a:rPr>
+              <a:t># </a:t>
+            </a:r>
+            <a:r>
+              <a:rPr lang="ru-RU" dirty="0" smtClean="0">
+                <a:solidFill>
+                  <a:schemeClr val="tx1">
+                    <a:lumMod val="75000"/>
+                  </a:schemeClr>
+                </a:solidFill>
+              </a:rPr>
+              <a:t>синтаксис</a:t>
+            </a:r>
+          </a:p>
+          <a:p>
+            <a:pPr marL="0" indent="0">
+              <a:buNone/>
+            </a:pPr>
+            <a:r>
+              <a:rPr lang="en-US" dirty="0" smtClean="0">
+                <a:solidFill>
+                  <a:schemeClr val="tx1"/>
+                </a:solidFill>
+              </a:rPr>
+              <a:t>pandas.DataFrame.</a:t>
+            </a:r>
+            <a:r>
+              <a:rPr lang="en-US" dirty="0" smtClean="0"/>
+              <a:t>drop_duplicates(</a:t>
+            </a:r>
+          </a:p>
+          <a:p>
+            <a:pPr marL="0" indent="0">
+              <a:buNone/>
+            </a:pPr>
+            <a:r>
+              <a:rPr lang="en-US" dirty="0">
+                <a:solidFill>
+                  <a:schemeClr val="accent5">
+                    <a:lumMod val="60000"/>
+                    <a:lumOff val="40000"/>
+                  </a:schemeClr>
+                </a:solidFill>
+              </a:rPr>
+              <a:t>	</a:t>
+            </a:r>
+            <a:r>
+              <a:rPr lang="en-US" dirty="0" smtClean="0">
+                <a:solidFill>
+                  <a:schemeClr val="accent5">
+                    <a:lumMod val="60000"/>
+                    <a:lumOff val="40000"/>
+                  </a:schemeClr>
+                </a:solidFill>
+              </a:rPr>
+              <a:t>subset</a:t>
+            </a:r>
+            <a:r>
+              <a:rPr lang="en-US" dirty="0" smtClean="0">
+                <a:solidFill>
+                  <a:schemeClr val="tx1"/>
+                </a:solidFill>
+              </a:rPr>
+              <a:t>=</a:t>
+            </a:r>
+            <a:r>
+              <a:rPr lang="en-US" dirty="0">
+                <a:solidFill>
+                  <a:schemeClr val="tx1"/>
+                </a:solidFill>
+              </a:rPr>
+              <a:t>[</a:t>
+            </a:r>
+            <a:r>
+              <a:rPr lang="en-US" dirty="0" smtClean="0">
+                <a:solidFill>
+                  <a:schemeClr val="tx1"/>
+                </a:solidFill>
+              </a:rPr>
+              <a:t>some_columns],</a:t>
+            </a:r>
+            <a:r>
+              <a:rPr lang="ru-RU" dirty="0" smtClean="0">
+                <a:solidFill>
+                  <a:schemeClr val="tx1"/>
+                </a:solidFill>
+              </a:rPr>
+              <a:t>	</a:t>
+            </a:r>
+            <a:r>
+              <a:rPr lang="en-US" dirty="0" smtClean="0">
+                <a:solidFill>
+                  <a:schemeClr val="tx1">
+                    <a:lumMod val="75000"/>
+                  </a:schemeClr>
+                </a:solidFill>
+              </a:rPr>
+              <a:t># </a:t>
+            </a:r>
+            <a:r>
+              <a:rPr lang="ru-RU" dirty="0" smtClean="0">
+                <a:solidFill>
+                  <a:schemeClr val="tx1">
+                    <a:lumMod val="75000"/>
+                  </a:schemeClr>
+                </a:solidFill>
+              </a:rPr>
+              <a:t>Сравни</a:t>
+            </a:r>
+            <a:r>
+              <a:rPr lang="ru-RU" dirty="0">
+                <a:solidFill>
+                  <a:schemeClr val="tx1">
+                    <a:lumMod val="75000"/>
+                  </a:schemeClr>
+                </a:solidFill>
+              </a:rPr>
+              <a:t>в</a:t>
+            </a:r>
+            <a:r>
+              <a:rPr lang="ru-RU" dirty="0" smtClean="0">
+                <a:solidFill>
+                  <a:schemeClr val="tx1">
+                    <a:lumMod val="75000"/>
+                  </a:schemeClr>
+                </a:solidFill>
+              </a:rPr>
+              <a:t>ает в столбца</a:t>
+            </a:r>
+            <a:endParaRPr lang="en-US" dirty="0" smtClean="0">
+              <a:solidFill>
+                <a:schemeClr val="tx1">
+                  <a:lumMod val="75000"/>
+                </a:schemeClr>
+              </a:solidFill>
+            </a:endParaRPr>
+          </a:p>
+          <a:p>
+            <a:pPr marL="0" indent="0">
+              <a:buNone/>
+            </a:pPr>
+            <a:r>
+              <a:rPr lang="en-US" dirty="0">
+                <a:solidFill>
+                  <a:schemeClr val="tx1"/>
+                </a:solidFill>
+              </a:rPr>
+              <a:t>	</a:t>
+            </a:r>
+            <a:r>
+              <a:rPr lang="en-US" dirty="0" smtClean="0">
+                <a:solidFill>
+                  <a:schemeClr val="accent5">
+                    <a:lumMod val="60000"/>
+                    <a:lumOff val="40000"/>
+                  </a:schemeClr>
+                </a:solidFill>
+              </a:rPr>
+              <a:t>keep</a:t>
+            </a:r>
+            <a:r>
+              <a:rPr lang="en-US" dirty="0">
+                <a:solidFill>
+                  <a:schemeClr val="tx1"/>
+                </a:solidFill>
+              </a:rPr>
+              <a:t>=‘</a:t>
+            </a:r>
+            <a:r>
+              <a:rPr lang="en-US" dirty="0">
+                <a:solidFill>
+                  <a:schemeClr val="accent2">
+                    <a:lumMod val="60000"/>
+                    <a:lumOff val="40000"/>
+                  </a:schemeClr>
+                </a:solidFill>
+              </a:rPr>
+              <a:t>last</a:t>
+            </a:r>
+            <a:r>
+              <a:rPr lang="en-US" dirty="0" smtClean="0">
+                <a:solidFill>
+                  <a:schemeClr val="tx1"/>
+                </a:solidFill>
+              </a:rPr>
+              <a:t>’				</a:t>
+            </a:r>
+            <a:r>
+              <a:rPr lang="en-US" dirty="0" smtClean="0">
+                <a:solidFill>
+                  <a:schemeClr val="tx1">
+                    <a:lumMod val="75000"/>
+                  </a:schemeClr>
+                </a:solidFill>
+              </a:rPr>
+              <a:t># </a:t>
+            </a:r>
+            <a:r>
+              <a:rPr lang="ru-RU" dirty="0" smtClean="0">
+                <a:solidFill>
+                  <a:schemeClr val="tx1">
+                    <a:lumMod val="75000"/>
+                  </a:schemeClr>
+                </a:solidFill>
+              </a:rPr>
+              <a:t>Оставляет первый – </a:t>
+            </a:r>
+            <a:r>
+              <a:rPr lang="en-US" dirty="0" smtClean="0">
+                <a:solidFill>
+                  <a:schemeClr val="tx1">
+                    <a:lumMod val="75000"/>
+                  </a:schemeClr>
+                </a:solidFill>
+              </a:rPr>
+              <a:t>first </a:t>
+            </a:r>
+            <a:endParaRPr lang="ru-RU" dirty="0" smtClean="0">
+              <a:solidFill>
+                <a:schemeClr val="tx1">
+                  <a:lumMod val="75000"/>
+                </a:schemeClr>
+              </a:solidFill>
+            </a:endParaRPr>
+          </a:p>
+          <a:p>
+            <a:pPr marL="0" indent="0">
+              <a:buNone/>
+            </a:pPr>
+            <a:r>
+              <a:rPr lang="ru-RU" dirty="0">
+                <a:solidFill>
+                  <a:schemeClr val="tx1">
+                    <a:lumMod val="75000"/>
+                  </a:schemeClr>
+                </a:solidFill>
+              </a:rPr>
+              <a:t>	</a:t>
+            </a:r>
+            <a:r>
+              <a:rPr lang="ru-RU" dirty="0" smtClean="0">
+                <a:solidFill>
+                  <a:schemeClr val="tx1">
+                    <a:lumMod val="75000"/>
+                  </a:schemeClr>
+                </a:solidFill>
+              </a:rPr>
+              <a:t>						</a:t>
+            </a:r>
+            <a:r>
+              <a:rPr lang="en-US" dirty="0" smtClean="0">
+                <a:solidFill>
+                  <a:schemeClr val="tx1">
+                    <a:lumMod val="75000"/>
+                  </a:schemeClr>
+                </a:solidFill>
+              </a:rPr>
+              <a:t># </a:t>
+            </a:r>
+            <a:r>
+              <a:rPr lang="ru-RU" dirty="0" smtClean="0">
+                <a:solidFill>
+                  <a:schemeClr val="tx1">
+                    <a:lumMod val="75000"/>
+                  </a:schemeClr>
+                </a:solidFill>
+              </a:rPr>
+              <a:t>или последний – </a:t>
+            </a:r>
+            <a:r>
+              <a:rPr lang="en-US" dirty="0" smtClean="0">
+                <a:solidFill>
+                  <a:schemeClr val="tx1">
+                    <a:lumMod val="75000"/>
+                  </a:schemeClr>
+                </a:solidFill>
+              </a:rPr>
+              <a:t>last </a:t>
+            </a:r>
+            <a:r>
+              <a:rPr lang="ru-RU" dirty="0" smtClean="0">
+                <a:solidFill>
+                  <a:schemeClr val="tx1">
+                    <a:lumMod val="75000"/>
+                  </a:schemeClr>
+                </a:solidFill>
+              </a:rPr>
+              <a:t>объект</a:t>
+            </a:r>
+            <a:endParaRPr lang="en-US" dirty="0" smtClean="0">
+              <a:solidFill>
+                <a:schemeClr val="tx1">
+                  <a:lumMod val="75000"/>
+                </a:schemeClr>
+              </a:solidFill>
+            </a:endParaRPr>
+          </a:p>
+          <a:p>
+            <a:pPr marL="0" indent="0">
+              <a:buNone/>
+            </a:pPr>
+            <a:r>
+              <a:rPr lang="en-US" dirty="0" smtClean="0"/>
+              <a:t>)</a:t>
+            </a:r>
+            <a:endParaRPr lang="ru-RU" dirty="0">
+              <a:solidFill>
+                <a:schemeClr val="tx1">
+                  <a:lumMod val="75000"/>
+                </a:schemeClr>
+              </a:solidFill>
+            </a:endParaRPr>
+          </a:p>
+        </p:txBody>
+      </p:sp>
+    </p:spTree>
+    <p:extLst>
+      <p:ext uri="{BB962C8B-B14F-4D97-AF65-F5344CB8AC3E}">
+        <p14:creationId xmlns:p14="http://schemas.microsoft.com/office/powerpoint/2010/main" val="1236758944"/>
+      </p:ext>
+    </p:extLst>
   </p:cSld>
   <p:clrMapOvr>
     <a:masterClrMapping/>
@@ -7709,6 +9712,97 @@
 </p:sld>
 </file>
 
+<file path=ppt/slides/slide20.xml><?xml version="1.0" encoding="utf-8"?>
+<p:sld xmlns:a="http://schemas.openxmlformats.org/drawingml/2006/main" xmlns:r="http://schemas.openxmlformats.org/officeDocument/2006/relationships" xmlns:p="http://schemas.openxmlformats.org/presentationml/2006/main">
+  <p:cSld>
+    <p:spTree>
+      <p:nvGrpSpPr>
+        <p:cNvPr id="1" name=""/>
+        <p:cNvGrpSpPr/>
+        <p:nvPr/>
+      </p:nvGrpSpPr>
+      <p:grpSpPr>
+        <a:xfrm>
+          <a:off x="0" y="0"/>
+          <a:ext cx="0" cy="0"/>
+          <a:chOff x="0" y="0"/>
+          <a:chExt cx="0" cy="0"/>
+        </a:xfrm>
+      </p:grpSpPr>
+      <p:sp>
+        <p:nvSpPr>
+          <p:cNvPr id="2" name="Заголовок 1"/>
+          <p:cNvSpPr>
+            <a:spLocks noGrp="1"/>
+          </p:cNvSpPr>
+          <p:nvPr>
+            <p:ph type="title"/>
+          </p:nvPr>
+        </p:nvSpPr>
+        <p:spPr/>
+        <p:txBody>
+          <a:bodyPr/>
+          <a:lstStyle/>
+          <a:p>
+            <a:r>
+              <a:rPr lang="en-US" dirty="0"/>
+              <a:t>t</a:t>
+            </a:r>
+            <a:r>
+              <a:rPr lang="en-US" dirty="0" smtClean="0"/>
+              <a:t>uple, list, index</a:t>
+            </a:r>
+            <a:endParaRPr lang="ru-RU" dirty="0"/>
+          </a:p>
+        </p:txBody>
+      </p:sp>
+      <p:sp>
+        <p:nvSpPr>
+          <p:cNvPr id="3" name="Объект 2"/>
+          <p:cNvSpPr>
+            <a:spLocks noGrp="1"/>
+          </p:cNvSpPr>
+          <p:nvPr>
+            <p:ph idx="1"/>
+          </p:nvPr>
+        </p:nvSpPr>
+        <p:spPr/>
+        <p:txBody>
+          <a:bodyPr/>
+          <a:lstStyle/>
+          <a:p>
+            <a:r>
+              <a:rPr lang="en-US" dirty="0" smtClean="0"/>
+              <a:t>Tuple – </a:t>
+            </a:r>
+            <a:r>
+              <a:rPr lang="ru-RU" dirty="0" smtClean="0"/>
+              <a:t>не редактируемый список – этот список не обладает функциями для его </a:t>
+            </a:r>
+            <a:r>
+              <a:rPr lang="ru-RU" dirty="0" err="1" smtClean="0"/>
+              <a:t>изменеения</a:t>
+            </a:r>
+            <a:endParaRPr lang="ru-RU" smtClean="0"/>
+          </a:p>
+          <a:p>
+            <a:endParaRPr lang="ru-RU" dirty="0"/>
+          </a:p>
+        </p:txBody>
+      </p:sp>
+    </p:spTree>
+    <p:extLst>
+      <p:ext uri="{BB962C8B-B14F-4D97-AF65-F5344CB8AC3E}">
+        <p14:creationId xmlns:p14="http://schemas.microsoft.com/office/powerpoint/2010/main" val="844816980"/>
+      </p:ext>
+    </p:extLst>
+  </p:cSld>
+  <p:clrMapOvr>
+    <a:masterClrMapping/>
+  </p:clrMapOvr>
+</p:sld>
+</file>
+
 <file path=ppt/slides/slide3.xml><?xml version="1.0" encoding="utf-8"?>
 <p:sld xmlns:a="http://schemas.openxmlformats.org/drawingml/2006/main" xmlns:r="http://schemas.openxmlformats.org/officeDocument/2006/relationships" xmlns:p="http://schemas.openxmlformats.org/presentationml/2006/main">
   <p:cSld>
@@ -7988,29 +10082,27 @@
               <a:t>	</a:t>
             </a:r>
             <a:r>
-              <a:rPr lang="en-US" dirty="0" smtClean="0">
-                <a:solidFill>
-                  <a:schemeClr val="accent3">
-                    <a:lumMod val="60000"/>
-                    <a:lumOff val="40000"/>
-                  </a:schemeClr>
-                </a:solidFill>
-              </a:rPr>
-              <a:t>return</a:t>
-            </a:r>
-            <a:r>
-              <a:rPr lang="en-US" dirty="0" smtClean="0">
+              <a:rPr lang="en-US" dirty="0">
+                <a:solidFill>
+                  <a:schemeClr val="bg2">
+                    <a:lumMod val="40000"/>
+                    <a:lumOff val="60000"/>
+                  </a:schemeClr>
+                </a:solidFill>
+              </a:rPr>
+              <a:t>print</a:t>
+            </a:r>
+            <a:r>
+              <a:rPr lang="en-US" dirty="0">
                 <a:solidFill>
                   <a:schemeClr val="tx1"/>
                 </a:solidFill>
               </a:rPr>
-              <a:t> data</a:t>
+              <a:t>(data)</a:t>
             </a:r>
             <a:endParaRPr lang="ru-RU" dirty="0">
               <a:solidFill>
-                <a:schemeClr val="tx1">
-                  <a:lumMod val="75000"/>
-                </a:schemeClr>
+                <a:schemeClr val="tx1"/>
               </a:solidFill>
             </a:endParaRPr>
           </a:p>
@@ -8019,7 +10111,7 @@
     </p:spTree>
     <p:extLst>
       <p:ext uri="{BB962C8B-B14F-4D97-AF65-F5344CB8AC3E}">
-        <p14:creationId xmlns="" xmlns:p14="http://schemas.microsoft.com/office/powerpoint/2010/main" val="2036377716"/>
+        <p14:creationId xmlns:p14="http://schemas.microsoft.com/office/powerpoint/2010/main" val="2036377716"/>
       </p:ext>
     </p:extLst>
   </p:cSld>
@@ -9435,7 +11527,23 @@
                   <a:schemeClr val="tx1"/>
                 </a:solidFill>
               </a:rPr>
-              <a:t>оператор удаления, удаляет объект по индексу</a:t>
+              <a:t>оператор удаления</a:t>
+            </a:r>
+            <a:r>
+              <a:rPr lang="en-US" dirty="0">
+                <a:solidFill>
+                  <a:schemeClr val="tx1"/>
+                </a:solidFill>
+              </a:rPr>
+              <a:t>.</a:t>
+            </a:r>
+            <a:r>
+              <a:rPr lang="ru-RU" dirty="0" smtClean="0">
+                <a:solidFill>
+                  <a:schemeClr val="tx1"/>
+                </a:solidFill>
+              </a:rPr>
+              <a:t> Удаляет объект по индексу</a:t>
             </a:r>
             <a:endParaRPr lang="en-US" dirty="0" smtClean="0">
               <a:solidFill>
@@ -9870,11 +11978,7 @@
             </a:r>
             <a:r>
               <a:rPr lang="en-US" dirty="0" smtClean="0"/>
-              <a:t>name, age, height, sex, </a:t>
-            </a:r>
-            <a:r>
-              <a:rPr lang="en-US" dirty="0" smtClean="0"/>
-              <a:t>education - </a:t>
+              <a:t>name, age, height, sex, education - </a:t>
             </a:r>
             <a:r>
               <a:rPr lang="ru-RU" dirty="0" smtClean="0"/>
@@ -9914,7 +12018,6 @@
               <a:rPr lang="en-US" dirty="0" smtClean="0"/>
               <a:t>int</a:t>
             </a:r>
-            <a:endParaRPr lang="en-US" dirty="0" smtClean="0"/>
           </a:p>
         </p:txBody>
       </p:sp>
@@ -10433,7 +12536,7 @@
   <a:extraClrSchemeLst/>
   <a:extLst>
     <a:ext uri="{05A4C25C-085E-4340-85A3-A5531E510DB2}">
-      <thm15:themeFamily xmlns="" xmlns:thm15="http://schemas.microsoft.com/office/thememl/2012/main" name="Facet" id="{C0C680CD-088A-49FC-A102-D699147F32B2}" vid="{8C59B386-999D-4CB6-B907-9F3997C027CC}"/>
+      <thm15:themeFamily xmlns:thm15="http://schemas.microsoft.com/office/thememl/2012/main" name="Facet" id="{C0C680CD-088A-49FC-A102-D699147F32B2}" vid="{8C59B386-999D-4CB6-B907-9F3997C027CC}"/>
     </a:ext>
   </a:extLst>
 </a:theme>

--- a/course_project_for_korund/ver 1.1/уроки/урок 7.pptx
+++ b/course_project_for_korund/ver 1.1/уроки/урок 7.pptx
@@ -25,6 +25,11 @@
     <p:sldId id="337" r:id="rId19"/>
     <p:sldId id="338" r:id="rId20"/>
     <p:sldId id="339" r:id="rId21"/>
+    <p:sldId id="342" r:id="rId22"/>
+    <p:sldId id="343" r:id="rId23"/>
+    <p:sldId id="340" r:id="rId24"/>
+    <p:sldId id="344" r:id="rId25"/>
+    <p:sldId id="341" r:id="rId26"/>
   </p:sldIdLst>
   <p:sldSz cx="12192000" cy="6858000"/>
   <p:notesSz cx="6858000" cy="9144000"/>
@@ -125,7 +130,7 @@
   </p:defaultTextStyle>
   <p:extLst>
     <p:ext uri="{EFAFB233-063F-42B5-8137-9DF3F51BA10A}">
-      <p15:sldGuideLst xmlns:p15="http://schemas.microsoft.com/office/powerpoint/2012/main">
+      <p15:sldGuideLst xmlns="" xmlns:p15="http://schemas.microsoft.com/office/powerpoint/2012/main">
         <p15:guide id="1" orient="horz" pos="2160">
           <p15:clr>
             <a:srgbClr val="A4A3A4"/>
@@ -867,7 +872,7 @@
             <a:fld id="{3CCF56C0-5008-4DB4-8698-E16469066013}" type="datetimeFigureOut">
               <a:rPr lang="ru-RU" smtClean="0"/>
               <a:pPr/>
-              <a:t>28.10.2020</a:t>
+              <a:t>01.11.2020</a:t>
             </a:fld>
             <a:endParaRPr lang="ru-RU" dirty="0"/>
           </a:p>
@@ -919,7 +924,7 @@
     </p:spTree>
     <p:extLst>
       <p:ext uri="{BB962C8B-B14F-4D97-AF65-F5344CB8AC3E}">
-        <p14:creationId xmlns:p14="http://schemas.microsoft.com/office/powerpoint/2010/main" val="4238684791"/>
+        <p14:creationId xmlns="" xmlns:p14="http://schemas.microsoft.com/office/powerpoint/2010/main" val="4238684791"/>
       </p:ext>
     </p:extLst>
   </p:cSld>
@@ -1120,7 +1125,7 @@
             <a:fld id="{3CCF56C0-5008-4DB4-8698-E16469066013}" type="datetimeFigureOut">
               <a:rPr lang="ru-RU" smtClean="0"/>
               <a:pPr/>
-              <a:t>28.10.2020</a:t>
+              <a:t>01.11.2020</a:t>
             </a:fld>
             <a:endParaRPr lang="ru-RU" dirty="0"/>
           </a:p>
@@ -1172,7 +1177,7 @@
     </p:spTree>
     <p:extLst>
       <p:ext uri="{BB962C8B-B14F-4D97-AF65-F5344CB8AC3E}">
-        <p14:creationId xmlns:p14="http://schemas.microsoft.com/office/powerpoint/2010/main" val="3509571314"/>
+        <p14:creationId xmlns="" xmlns:p14="http://schemas.microsoft.com/office/powerpoint/2010/main" val="3509571314"/>
       </p:ext>
     </p:extLst>
   </p:cSld>
@@ -1436,7 +1441,7 @@
             <a:fld id="{3CCF56C0-5008-4DB4-8698-E16469066013}" type="datetimeFigureOut">
               <a:rPr lang="ru-RU" smtClean="0"/>
               <a:pPr/>
-              <a:t>28.10.2020</a:t>
+              <a:t>01.11.2020</a:t>
             </a:fld>
             <a:endParaRPr lang="ru-RU" dirty="0"/>
           </a:p>
@@ -1564,7 +1569,7 @@
     </p:spTree>
     <p:extLst>
       <p:ext uri="{BB962C8B-B14F-4D97-AF65-F5344CB8AC3E}">
-        <p14:creationId xmlns:p14="http://schemas.microsoft.com/office/powerpoint/2010/main" val="913784525"/>
+        <p14:creationId xmlns="" xmlns:p14="http://schemas.microsoft.com/office/powerpoint/2010/main" val="913784525"/>
       </p:ext>
     </p:extLst>
   </p:cSld>
@@ -1765,7 +1770,7 @@
             <a:fld id="{3CCF56C0-5008-4DB4-8698-E16469066013}" type="datetimeFigureOut">
               <a:rPr lang="ru-RU" smtClean="0"/>
               <a:pPr/>
-              <a:t>28.10.2020</a:t>
+              <a:t>01.11.2020</a:t>
             </a:fld>
             <a:endParaRPr lang="ru-RU" dirty="0"/>
           </a:p>
@@ -1817,7 +1822,7 @@
     </p:spTree>
     <p:extLst>
       <p:ext uri="{BB962C8B-B14F-4D97-AF65-F5344CB8AC3E}">
-        <p14:creationId xmlns:p14="http://schemas.microsoft.com/office/powerpoint/2010/main" val="1237628931"/>
+        <p14:creationId xmlns="" xmlns:p14="http://schemas.microsoft.com/office/powerpoint/2010/main" val="1237628931"/>
       </p:ext>
     </p:extLst>
   </p:cSld>
@@ -2081,7 +2086,7 @@
             <a:fld id="{3CCF56C0-5008-4DB4-8698-E16469066013}" type="datetimeFigureOut">
               <a:rPr lang="ru-RU" smtClean="0"/>
               <a:pPr/>
-              <a:t>28.10.2020</a:t>
+              <a:t>01.11.2020</a:t>
             </a:fld>
             <a:endParaRPr lang="ru-RU" dirty="0"/>
           </a:p>
@@ -2209,7 +2214,7 @@
     </p:spTree>
     <p:extLst>
       <p:ext uri="{BB962C8B-B14F-4D97-AF65-F5344CB8AC3E}">
-        <p14:creationId xmlns:p14="http://schemas.microsoft.com/office/powerpoint/2010/main" val="4076467919"/>
+        <p14:creationId xmlns="" xmlns:p14="http://schemas.microsoft.com/office/powerpoint/2010/main" val="4076467919"/>
       </p:ext>
     </p:extLst>
   </p:cSld>
@@ -2470,7 +2475,7 @@
             <a:fld id="{3CCF56C0-5008-4DB4-8698-E16469066013}" type="datetimeFigureOut">
               <a:rPr lang="ru-RU" smtClean="0"/>
               <a:pPr/>
-              <a:t>28.10.2020</a:t>
+              <a:t>01.11.2020</a:t>
             </a:fld>
             <a:endParaRPr lang="ru-RU" dirty="0"/>
           </a:p>
@@ -2522,7 +2527,7 @@
     </p:spTree>
     <p:extLst>
       <p:ext uri="{BB962C8B-B14F-4D97-AF65-F5344CB8AC3E}">
-        <p14:creationId xmlns:p14="http://schemas.microsoft.com/office/powerpoint/2010/main" val="2010692"/>
+        <p14:creationId xmlns="" xmlns:p14="http://schemas.microsoft.com/office/powerpoint/2010/main" val="2010692"/>
       </p:ext>
     </p:extLst>
   </p:cSld>
@@ -2642,7 +2647,7 @@
             <a:fld id="{3CCF56C0-5008-4DB4-8698-E16469066013}" type="datetimeFigureOut">
               <a:rPr lang="ru-RU" smtClean="0"/>
               <a:pPr/>
-              <a:t>28.10.2020</a:t>
+              <a:t>01.11.2020</a:t>
             </a:fld>
             <a:endParaRPr lang="ru-RU" dirty="0"/>
           </a:p>
@@ -2694,7 +2699,7 @@
     </p:spTree>
     <p:extLst>
       <p:ext uri="{BB962C8B-B14F-4D97-AF65-F5344CB8AC3E}">
-        <p14:creationId xmlns:p14="http://schemas.microsoft.com/office/powerpoint/2010/main" val="1184326843"/>
+        <p14:creationId xmlns="" xmlns:p14="http://schemas.microsoft.com/office/powerpoint/2010/main" val="1184326843"/>
       </p:ext>
     </p:extLst>
   </p:cSld>
@@ -2824,7 +2829,7 @@
             <a:fld id="{3CCF56C0-5008-4DB4-8698-E16469066013}" type="datetimeFigureOut">
               <a:rPr lang="ru-RU" smtClean="0"/>
               <a:pPr/>
-              <a:t>28.10.2020</a:t>
+              <a:t>01.11.2020</a:t>
             </a:fld>
             <a:endParaRPr lang="ru-RU" dirty="0"/>
           </a:p>
@@ -2876,7 +2881,7 @@
     </p:spTree>
     <p:extLst>
       <p:ext uri="{BB962C8B-B14F-4D97-AF65-F5344CB8AC3E}">
-        <p14:creationId xmlns:p14="http://schemas.microsoft.com/office/powerpoint/2010/main" val="529529951"/>
+        <p14:creationId xmlns="" xmlns:p14="http://schemas.microsoft.com/office/powerpoint/2010/main" val="529529951"/>
       </p:ext>
     </p:extLst>
   </p:cSld>
@@ -3002,7 +3007,7 @@
             <a:fld id="{3CCF56C0-5008-4DB4-8698-E16469066013}" type="datetimeFigureOut">
               <a:rPr lang="ru-RU" smtClean="0"/>
               <a:pPr/>
-              <a:t>28.10.2020</a:t>
+              <a:t>01.11.2020</a:t>
             </a:fld>
             <a:endParaRPr lang="ru-RU" dirty="0"/>
           </a:p>
@@ -3054,7 +3059,7 @@
     </p:spTree>
     <p:extLst>
       <p:ext uri="{BB962C8B-B14F-4D97-AF65-F5344CB8AC3E}">
-        <p14:creationId xmlns:p14="http://schemas.microsoft.com/office/powerpoint/2010/main" val="1794803828"/>
+        <p14:creationId xmlns="" xmlns:p14="http://schemas.microsoft.com/office/powerpoint/2010/main" val="1794803828"/>
       </p:ext>
     </p:extLst>
   </p:cSld>
@@ -3251,7 +3256,7 @@
             <a:fld id="{3CCF56C0-5008-4DB4-8698-E16469066013}" type="datetimeFigureOut">
               <a:rPr lang="ru-RU" smtClean="0"/>
               <a:pPr/>
-              <a:t>28.10.2020</a:t>
+              <a:t>01.11.2020</a:t>
             </a:fld>
             <a:endParaRPr lang="ru-RU" dirty="0"/>
           </a:p>
@@ -3303,7 +3308,7 @@
     </p:spTree>
     <p:extLst>
       <p:ext uri="{BB962C8B-B14F-4D97-AF65-F5344CB8AC3E}">
-        <p14:creationId xmlns:p14="http://schemas.microsoft.com/office/powerpoint/2010/main" val="1622354848"/>
+        <p14:creationId xmlns="" xmlns:p14="http://schemas.microsoft.com/office/powerpoint/2010/main" val="1622354848"/>
       </p:ext>
     </p:extLst>
   </p:cSld>
@@ -3485,7 +3490,7 @@
             <a:fld id="{3CCF56C0-5008-4DB4-8698-E16469066013}" type="datetimeFigureOut">
               <a:rPr lang="ru-RU" smtClean="0"/>
               <a:pPr/>
-              <a:t>28.10.2020</a:t>
+              <a:t>01.11.2020</a:t>
             </a:fld>
             <a:endParaRPr lang="ru-RU" dirty="0"/>
           </a:p>
@@ -3537,7 +3542,7 @@
     </p:spTree>
     <p:extLst>
       <p:ext uri="{BB962C8B-B14F-4D97-AF65-F5344CB8AC3E}">
-        <p14:creationId xmlns:p14="http://schemas.microsoft.com/office/powerpoint/2010/main" val="2665461008"/>
+        <p14:creationId xmlns="" xmlns:p14="http://schemas.microsoft.com/office/powerpoint/2010/main" val="2665461008"/>
       </p:ext>
     </p:extLst>
   </p:cSld>
@@ -3861,7 +3866,7 @@
             <a:fld id="{3CCF56C0-5008-4DB4-8698-E16469066013}" type="datetimeFigureOut">
               <a:rPr lang="ru-RU" smtClean="0"/>
               <a:pPr/>
-              <a:t>28.10.2020</a:t>
+              <a:t>01.11.2020</a:t>
             </a:fld>
             <a:endParaRPr lang="ru-RU" dirty="0"/>
           </a:p>
@@ -3913,7 +3918,7 @@
     </p:spTree>
     <p:extLst>
       <p:ext uri="{BB962C8B-B14F-4D97-AF65-F5344CB8AC3E}">
-        <p14:creationId xmlns:p14="http://schemas.microsoft.com/office/powerpoint/2010/main" val="2514946757"/>
+        <p14:creationId xmlns="" xmlns:p14="http://schemas.microsoft.com/office/powerpoint/2010/main" val="2514946757"/>
       </p:ext>
     </p:extLst>
   </p:cSld>
@@ -3986,7 +3991,7 @@
             <a:fld id="{3CCF56C0-5008-4DB4-8698-E16469066013}" type="datetimeFigureOut">
               <a:rPr lang="ru-RU" smtClean="0"/>
               <a:pPr/>
-              <a:t>28.10.2020</a:t>
+              <a:t>01.11.2020</a:t>
             </a:fld>
             <a:endParaRPr lang="ru-RU" dirty="0"/>
           </a:p>
@@ -4038,7 +4043,7 @@
     </p:spTree>
     <p:extLst>
       <p:ext uri="{BB962C8B-B14F-4D97-AF65-F5344CB8AC3E}">
-        <p14:creationId xmlns:p14="http://schemas.microsoft.com/office/powerpoint/2010/main" val="1009674793"/>
+        <p14:creationId xmlns="" xmlns:p14="http://schemas.microsoft.com/office/powerpoint/2010/main" val="1009674793"/>
       </p:ext>
     </p:extLst>
   </p:cSld>
@@ -4083,7 +4088,7 @@
             <a:fld id="{3CCF56C0-5008-4DB4-8698-E16469066013}" type="datetimeFigureOut">
               <a:rPr lang="ru-RU" smtClean="0"/>
               <a:pPr/>
-              <a:t>28.10.2020</a:t>
+              <a:t>01.11.2020</a:t>
             </a:fld>
             <a:endParaRPr lang="ru-RU" dirty="0"/>
           </a:p>
@@ -4135,7 +4140,7 @@
     </p:spTree>
     <p:extLst>
       <p:ext uri="{BB962C8B-B14F-4D97-AF65-F5344CB8AC3E}">
-        <p14:creationId xmlns:p14="http://schemas.microsoft.com/office/powerpoint/2010/main" val="37853350"/>
+        <p14:creationId xmlns="" xmlns:p14="http://schemas.microsoft.com/office/powerpoint/2010/main" val="37853350"/>
       </p:ext>
     </p:extLst>
   </p:cSld>
@@ -4340,7 +4345,7 @@
             <a:fld id="{3CCF56C0-5008-4DB4-8698-E16469066013}" type="datetimeFigureOut">
               <a:rPr lang="ru-RU" smtClean="0"/>
               <a:pPr/>
-              <a:t>28.10.2020</a:t>
+              <a:t>01.11.2020</a:t>
             </a:fld>
             <a:endParaRPr lang="ru-RU" dirty="0"/>
           </a:p>
@@ -4392,7 +4397,7 @@
     </p:spTree>
     <p:extLst>
       <p:ext uri="{BB962C8B-B14F-4D97-AF65-F5344CB8AC3E}">
-        <p14:creationId xmlns:p14="http://schemas.microsoft.com/office/powerpoint/2010/main" val="1485505807"/>
+        <p14:creationId xmlns="" xmlns:p14="http://schemas.microsoft.com/office/powerpoint/2010/main" val="1485505807"/>
       </p:ext>
     </p:extLst>
   </p:cSld>
@@ -4605,7 +4610,7 @@
             <a:fld id="{3CCF56C0-5008-4DB4-8698-E16469066013}" type="datetimeFigureOut">
               <a:rPr lang="ru-RU" smtClean="0"/>
               <a:pPr/>
-              <a:t>28.10.2020</a:t>
+              <a:t>01.11.2020</a:t>
             </a:fld>
             <a:endParaRPr lang="ru-RU" dirty="0"/>
           </a:p>
@@ -4657,7 +4662,7 @@
     </p:spTree>
     <p:extLst>
       <p:ext uri="{BB962C8B-B14F-4D97-AF65-F5344CB8AC3E}">
-        <p14:creationId xmlns:p14="http://schemas.microsoft.com/office/powerpoint/2010/main" val="1525686664"/>
+        <p14:creationId xmlns="" xmlns:p14="http://schemas.microsoft.com/office/powerpoint/2010/main" val="1525686664"/>
       </p:ext>
     </p:extLst>
   </p:cSld>
@@ -5352,7 +5357,7 @@
             <a:fld id="{3CCF56C0-5008-4DB4-8698-E16469066013}" type="datetimeFigureOut">
               <a:rPr lang="ru-RU" smtClean="0"/>
               <a:pPr/>
-              <a:t>28.10.2020</a:t>
+              <a:t>01.11.2020</a:t>
             </a:fld>
             <a:endParaRPr lang="ru-RU" dirty="0"/>
           </a:p>
@@ -5438,7 +5443,7 @@
     </p:spTree>
     <p:extLst>
       <p:ext uri="{BB962C8B-B14F-4D97-AF65-F5344CB8AC3E}">
-        <p14:creationId xmlns:p14="http://schemas.microsoft.com/office/powerpoint/2010/main" val="2523392475"/>
+        <p14:creationId xmlns="" xmlns:p14="http://schemas.microsoft.com/office/powerpoint/2010/main" val="2523392475"/>
       </p:ext>
     </p:extLst>
   </p:cSld>
@@ -5946,7 +5951,7 @@
     </p:spTree>
     <p:extLst>
       <p:ext uri="{BB962C8B-B14F-4D97-AF65-F5344CB8AC3E}">
-        <p14:creationId xmlns:p14="http://schemas.microsoft.com/office/powerpoint/2010/main" val="1354132756"/>
+        <p14:creationId xmlns="" xmlns:p14="http://schemas.microsoft.com/office/powerpoint/2010/main" val="1354132756"/>
       </p:ext>
     </p:extLst>
   </p:cSld>
@@ -8085,18 +8090,10 @@
                   <a:schemeClr val="tx1"/>
                 </a:solidFill>
               </a:rPr>
-              <a:t>data</a:t>
-            </a:r>
-            <a:r>
-              <a:rPr lang="en-US" dirty="0">
-                <a:solidFill>
-                  <a:schemeClr val="tx1"/>
-                </a:solidFill>
-              </a:rPr>
-              <a:t>[</a:t>
-            </a:r>
-            <a:r>
-              <a:rPr lang="en-US" dirty="0">
+              <a:t>data[</a:t>
+            </a:r>
+            <a:r>
+              <a:rPr lang="en-US" dirty="0" smtClean="0">
                 <a:solidFill>
                   <a:schemeClr val="accent2">
                     <a:lumMod val="60000"/>
@@ -8104,10 +8101,10 @@
                   </a:schemeClr>
                 </a:solidFill>
               </a:rPr>
-              <a:t>'</a:t>
-            </a:r>
-            <a:r>
-              <a:rPr lang="en-US" dirty="0" err="1">
+              <a:t>‘</a:t>
+            </a:r>
+            <a:r>
+              <a:rPr lang="en-US" dirty="0" smtClean="0">
                 <a:solidFill>
                   <a:schemeClr val="accent2">
                     <a:lumMod val="60000"/>
@@ -8115,26 +8112,31 @@
                   </a:schemeClr>
                 </a:solidFill>
               </a:rPr>
-              <a:t>дата</a:t>
+              <a:t>дата рождения</a:t>
+            </a:r>
+            <a:r>
+              <a:rPr lang="en-US" dirty="0" smtClean="0">
+                <a:solidFill>
+                  <a:schemeClr val="tx1"/>
+                </a:solidFill>
+              </a:rPr>
+              <a:t>’</a:t>
+            </a:r>
+            <a:r>
+              <a:rPr lang="en-US" dirty="0" smtClean="0">
+                <a:solidFill>
+                  <a:schemeClr val="tx1"/>
+                </a:solidFill>
+              </a:rPr>
+              <a:t>] </a:t>
             </a:r>
             <a:r>
               <a:rPr lang="en-US" dirty="0">
                 <a:solidFill>
-                  <a:schemeClr val="accent2">
-                    <a:lumMod val="60000"/>
-                    <a:lumOff val="40000"/>
-                  </a:schemeClr>
-                </a:solidFill>
-              </a:rPr>
-              <a:t> рождения</a:t>
-            </a:r>
-            <a:r>
-              <a:rPr lang="en-US" dirty="0">
-                <a:solidFill>
                   <a:schemeClr val="tx1"/>
                 </a:solidFill>
               </a:rPr>
-              <a:t>'] = </a:t>
+              <a:t>= </a:t>
             </a:r>
             <a:r>
               <a:rPr lang="en-US" dirty="0" smtClean="0">
@@ -8230,7 +8232,7 @@
     </p:spTree>
     <p:extLst>
       <p:ext uri="{BB962C8B-B14F-4D97-AF65-F5344CB8AC3E}">
-        <p14:creationId xmlns:p14="http://schemas.microsoft.com/office/powerpoint/2010/main" val="3499329385"/>
+        <p14:creationId xmlns="" xmlns:p14="http://schemas.microsoft.com/office/powerpoint/2010/main" val="3499329385"/>
       </p:ext>
     </p:extLst>
   </p:cSld>
@@ -8679,28 +8681,15 @@
                   <a:schemeClr val="tx1"/>
                 </a:solidFill>
               </a:rPr>
-              <a:t>’ </a:t>
-            </a:r>
-            <a:r>
-              <a:rPr lang="en-US" dirty="0" smtClean="0">
-                <a:solidFill>
-                  <a:schemeClr val="tx1"/>
-                </a:solidFill>
-              </a:rPr>
-              <a:t>)</a:t>
-            </a:r>
-            <a:endParaRPr lang="en-US" dirty="0" smtClean="0">
-              <a:solidFill>
-                <a:schemeClr val="tx1"/>
-              </a:solidFill>
-            </a:endParaRPr>
+              <a:t>’ )</a:t>
+            </a:r>
           </a:p>
         </p:txBody>
       </p:sp>
     </p:spTree>
     <p:extLst>
       <p:ext uri="{BB962C8B-B14F-4D97-AF65-F5344CB8AC3E}">
-        <p14:creationId xmlns:p14="http://schemas.microsoft.com/office/powerpoint/2010/main" val="282686552"/>
+        <p14:creationId xmlns="" xmlns:p14="http://schemas.microsoft.com/office/powerpoint/2010/main" val="282686552"/>
       </p:ext>
     </p:extLst>
   </p:cSld>
@@ -8784,11 +8773,7 @@
             </a:pPr>
             <a:r>
               <a:rPr lang="ru-RU" dirty="0" smtClean="0"/>
-              <a:t>Позволяет </a:t>
-            </a:r>
-            <a:r>
-              <a:rPr lang="ru-RU" dirty="0" smtClean="0"/>
-              <a:t>оперировать внешней переменной внутри функции, например перезаписывать</a:t>
+              <a:t>Позволяет оперировать внешней переменной внутри функции, например перезаписывать</a:t>
             </a:r>
             <a:endParaRPr lang="en-US" dirty="0" smtClean="0"/>
           </a:p>
@@ -8845,20 +8830,15 @@
             </a:r>
             <a:r>
               <a:rPr lang="en-US" dirty="0" smtClean="0"/>
-              <a:t> </a:t>
-            </a:r>
-            <a:r>
-              <a:rPr lang="en-US" dirty="0" smtClean="0"/>
-              <a:t>some_variable</a:t>
-            </a:r>
-            <a:endParaRPr lang="en-US" dirty="0" smtClean="0"/>
+              <a:t> some_variable</a:t>
+            </a:r>
           </a:p>
         </p:txBody>
       </p:sp>
     </p:spTree>
     <p:extLst>
       <p:ext uri="{BB962C8B-B14F-4D97-AF65-F5344CB8AC3E}">
-        <p14:creationId xmlns:p14="http://schemas.microsoft.com/office/powerpoint/2010/main" val="3290967444"/>
+        <p14:creationId xmlns="" xmlns:p14="http://schemas.microsoft.com/office/powerpoint/2010/main" val="3290967444"/>
       </p:ext>
     </p:extLst>
   </p:cSld>
@@ -9175,7 +9155,7 @@
     </p:spTree>
     <p:extLst>
       <p:ext uri="{BB962C8B-B14F-4D97-AF65-F5344CB8AC3E}">
-        <p14:creationId xmlns:p14="http://schemas.microsoft.com/office/powerpoint/2010/main" val="4097741388"/>
+        <p14:creationId xmlns="" xmlns:p14="http://schemas.microsoft.com/office/powerpoint/2010/main" val="4097741388"/>
       </p:ext>
     </p:extLst>
   </p:cSld>
@@ -9595,7 +9575,7 @@
     </p:spTree>
     <p:extLst>
       <p:ext uri="{BB962C8B-B14F-4D97-AF65-F5344CB8AC3E}">
-        <p14:creationId xmlns:p14="http://schemas.microsoft.com/office/powerpoint/2010/main" val="1236758944"/>
+        <p14:creationId xmlns="" xmlns:p14="http://schemas.microsoft.com/office/powerpoint/2010/main" val="1236758944"/>
       </p:ext>
     </p:extLst>
   </p:cSld>
@@ -9697,8 +9677,21 @@
               <a:t>Создание базы данных на </a:t>
             </a:r>
             <a:r>
-              <a:rPr lang="en-US" smtClean="0"/>
+              <a:rPr lang="en-US" dirty="0" smtClean="0"/>
               <a:t>pandas</a:t>
+            </a:r>
+            <a:endParaRPr lang="ru-RU" dirty="0" smtClean="0"/>
+          </a:p>
+          <a:p>
+            <a:r>
+              <a:rPr lang="ru-RU" dirty="0" smtClean="0"/>
+              <a:t>Списки</a:t>
+            </a:r>
+          </a:p>
+          <a:p>
+            <a:r>
+              <a:rPr lang="ru-RU" dirty="0" smtClean="0"/>
+              <a:t>Действия со списками</a:t>
             </a:r>
             <a:endParaRPr lang="ru-RU" dirty="0" smtClean="0"/>
           </a:p>
@@ -9745,12 +9738,8 @@
           <a:lstStyle/>
           <a:p>
             <a:r>
-              <a:rPr lang="en-US" dirty="0"/>
-              <a:t>t</a:t>
-            </a:r>
-            <a:r>
-              <a:rPr lang="en-US" dirty="0" smtClean="0"/>
-              <a:t>uple, list, index</a:t>
+              <a:rPr lang="en-US" dirty="0" smtClean="0"/>
+              <a:t>list</a:t>
             </a:r>
             <a:endParaRPr lang="ru-RU" dirty="0"/>
           </a:p>
@@ -9766,24 +9755,133 @@
             <p:ph idx="1"/>
           </p:nvPr>
         </p:nvSpPr>
-        <p:spPr/>
+        <p:spPr>
+          <a:xfrm>
+            <a:off x="677334" y="1432193"/>
+            <a:ext cx="8596668" cy="4609169"/>
+          </a:xfrm>
+        </p:spPr>
         <p:txBody>
           <a:bodyPr/>
           <a:lstStyle/>
           <a:p>
-            <a:r>
-              <a:rPr lang="en-US" dirty="0" smtClean="0"/>
-              <a:t>Tuple – </a:t>
-            </a:r>
+            <a:pPr>
+              <a:buNone/>
+            </a:pPr>
             <a:r>
               <a:rPr lang="ru-RU" dirty="0" smtClean="0"/>
-              <a:t>не редактируемый список – этот список не обладает функциями для его </a:t>
-            </a:r>
-            <a:r>
-              <a:rPr lang="ru-RU" dirty="0" err="1" smtClean="0"/>
-              <a:t>изменеения</a:t>
-            </a:r>
-            <a:endParaRPr lang="ru-RU" smtClean="0"/>
+              <a:t>Редактируемый список</a:t>
+            </a:r>
+            <a:r>
+              <a:rPr lang="en-US" dirty="0" smtClean="0"/>
+              <a:t>, </a:t>
+            </a:r>
+            <a:r>
+              <a:rPr lang="ru-RU" dirty="0" smtClean="0"/>
+              <a:t>имеет квадратные скобки</a:t>
+            </a:r>
+            <a:endParaRPr lang="en-US" dirty="0" smtClean="0"/>
+          </a:p>
+          <a:p>
+            <a:pPr>
+              <a:buNone/>
+            </a:pPr>
+            <a:endParaRPr lang="ru-RU" dirty="0" smtClean="0"/>
+          </a:p>
+          <a:p>
+            <a:pPr>
+              <a:buNone/>
+            </a:pPr>
+            <a:r>
+              <a:rPr lang="en-US" dirty="0" smtClean="0">
+                <a:solidFill>
+                  <a:schemeClr val="tx1">
+                    <a:lumMod val="75000"/>
+                  </a:schemeClr>
+                </a:solidFill>
+              </a:rPr>
+              <a:t># </a:t>
+            </a:r>
+            <a:r>
+              <a:rPr lang="ru-RU" dirty="0" smtClean="0">
+                <a:solidFill>
+                  <a:schemeClr val="tx1">
+                    <a:lumMod val="75000"/>
+                  </a:schemeClr>
+                </a:solidFill>
+              </a:rPr>
+              <a:t>синтаксис</a:t>
+            </a:r>
+          </a:p>
+          <a:p>
+            <a:pPr>
+              <a:buNone/>
+            </a:pPr>
+            <a:r>
+              <a:rPr lang="en-US" dirty="0" smtClean="0"/>
+              <a:t>some_list = </a:t>
+            </a:r>
+            <a:r>
+              <a:rPr lang="en-US" dirty="0" smtClean="0"/>
+              <a:t>[‘1</a:t>
+            </a:r>
+            <a:r>
+              <a:rPr lang="en-US" dirty="0" smtClean="0"/>
+              <a:t>’, 2, ‘tree’, </a:t>
+            </a:r>
+            <a:r>
+              <a:rPr lang="en-US" dirty="0" smtClean="0"/>
+              <a:t>4.0]</a:t>
+            </a:r>
+          </a:p>
+          <a:p>
+            <a:pPr>
+              <a:buNone/>
+            </a:pPr>
+            <a:r>
+              <a:rPr lang="en-US" dirty="0" smtClean="0">
+                <a:solidFill>
+                  <a:schemeClr val="tx1">
+                    <a:lumMod val="75000"/>
+                  </a:schemeClr>
+                </a:solidFill>
+              </a:rPr>
+              <a:t># </a:t>
+            </a:r>
+            <a:r>
+              <a:rPr lang="ru-RU" dirty="0" smtClean="0">
+                <a:solidFill>
+                  <a:schemeClr val="tx1">
+                    <a:lumMod val="75000"/>
+                  </a:schemeClr>
+                </a:solidFill>
+              </a:rPr>
+              <a:t>можно задать пустой список</a:t>
+            </a:r>
+          </a:p>
+          <a:p>
+            <a:pPr>
+              <a:buNone/>
+            </a:pPr>
+            <a:r>
+              <a:rPr lang="en-US" dirty="0" smtClean="0"/>
+              <a:t>some_list</a:t>
+            </a:r>
+            <a:r>
+              <a:rPr lang="ru-RU" dirty="0" smtClean="0"/>
+              <a:t> = </a:t>
+            </a:r>
+            <a:r>
+              <a:rPr lang="en-US" dirty="0" smtClean="0"/>
+              <a:t>[]</a:t>
+            </a:r>
+            <a:endParaRPr lang="ru-RU" dirty="0" smtClean="0">
+              <a:solidFill>
+                <a:schemeClr val="tx1">
+                  <a:lumMod val="75000"/>
+                </a:schemeClr>
+              </a:solidFill>
+            </a:endParaRPr>
           </a:p>
           <a:p>
             <a:endParaRPr lang="ru-RU" dirty="0"/>
@@ -9793,9 +9891,1852 @@
     </p:spTree>
     <p:extLst>
       <p:ext uri="{BB962C8B-B14F-4D97-AF65-F5344CB8AC3E}">
-        <p14:creationId xmlns:p14="http://schemas.microsoft.com/office/powerpoint/2010/main" val="844816980"/>
+        <p14:creationId xmlns="" xmlns:p14="http://schemas.microsoft.com/office/powerpoint/2010/main" val="844816980"/>
       </p:ext>
     </p:extLst>
+  </p:cSld>
+  <p:clrMapOvr>
+    <a:masterClrMapping/>
+  </p:clrMapOvr>
+</p:sld>
+</file>
+
+<file path=ppt/slides/slide21.xml><?xml version="1.0" encoding="utf-8"?>
+<p:sld xmlns:a="http://schemas.openxmlformats.org/drawingml/2006/main" xmlns:r="http://schemas.openxmlformats.org/officeDocument/2006/relationships" xmlns:p="http://schemas.openxmlformats.org/presentationml/2006/main">
+  <p:cSld>
+    <p:spTree>
+      <p:nvGrpSpPr>
+        <p:cNvPr id="1" name=""/>
+        <p:cNvGrpSpPr/>
+        <p:nvPr/>
+      </p:nvGrpSpPr>
+      <p:grpSpPr>
+        <a:xfrm>
+          <a:off x="0" y="0"/>
+          <a:ext cx="0" cy="0"/>
+          <a:chOff x="0" y="0"/>
+          <a:chExt cx="0" cy="0"/>
+        </a:xfrm>
+      </p:grpSpPr>
+      <p:sp>
+        <p:nvSpPr>
+          <p:cNvPr id="2" name="Заголовок 1"/>
+          <p:cNvSpPr>
+            <a:spLocks noGrp="1"/>
+          </p:cNvSpPr>
+          <p:nvPr>
+            <p:ph type="title"/>
+          </p:nvPr>
+        </p:nvSpPr>
+        <p:spPr>
+          <a:xfrm>
+            <a:off x="677334" y="609600"/>
+            <a:ext cx="8596668" cy="701407"/>
+          </a:xfrm>
+        </p:spPr>
+        <p:txBody>
+          <a:bodyPr/>
+          <a:lstStyle/>
+          <a:p>
+            <a:r>
+              <a:rPr lang="ru-RU" dirty="0" smtClean="0"/>
+              <a:t>Действия со списками</a:t>
+            </a:r>
+            <a:endParaRPr lang="ru-RU" dirty="0"/>
+          </a:p>
+        </p:txBody>
+      </p:sp>
+      <p:sp>
+        <p:nvSpPr>
+          <p:cNvPr id="3" name="Содержимое 2"/>
+          <p:cNvSpPr>
+            <a:spLocks noGrp="1"/>
+          </p:cNvSpPr>
+          <p:nvPr>
+            <p:ph idx="1"/>
+          </p:nvPr>
+        </p:nvSpPr>
+        <p:spPr>
+          <a:xfrm>
+            <a:off x="677334" y="1443210"/>
+            <a:ext cx="4026867" cy="5078776"/>
+          </a:xfrm>
+        </p:spPr>
+        <p:txBody>
+          <a:bodyPr>
+            <a:normAutofit/>
+          </a:bodyPr>
+          <a:lstStyle/>
+          <a:p>
+            <a:pPr>
+              <a:buNone/>
+            </a:pPr>
+            <a:r>
+              <a:rPr lang="en-US" dirty="0" smtClean="0">
+                <a:solidFill>
+                  <a:schemeClr val="tx1">
+                    <a:lumMod val="75000"/>
+                  </a:schemeClr>
+                </a:solidFill>
+              </a:rPr>
+              <a:t># </a:t>
+            </a:r>
+            <a:r>
+              <a:rPr lang="ru-RU" dirty="0" smtClean="0">
+                <a:solidFill>
+                  <a:schemeClr val="tx1">
+                    <a:lumMod val="75000"/>
+                  </a:schemeClr>
+                </a:solidFill>
+              </a:rPr>
+              <a:t>добавляет элемент в конец списка</a:t>
+            </a:r>
+            <a:endParaRPr lang="ru-RU" dirty="0" smtClean="0"/>
+          </a:p>
+          <a:p>
+            <a:pPr>
+              <a:buNone/>
+            </a:pPr>
+            <a:r>
+              <a:rPr lang="en-US" dirty="0" smtClean="0"/>
+              <a:t>some_list.append(5)</a:t>
+            </a:r>
+            <a:endParaRPr lang="en-US" dirty="0" smtClean="0">
+              <a:solidFill>
+                <a:schemeClr val="tx1">
+                  <a:lumMod val="75000"/>
+                </a:schemeClr>
+              </a:solidFill>
+            </a:endParaRPr>
+          </a:p>
+          <a:p>
+            <a:pPr>
+              <a:buNone/>
+            </a:pPr>
+            <a:r>
+              <a:rPr lang="en-US" dirty="0" smtClean="0">
+                <a:solidFill>
+                  <a:schemeClr val="tx1">
+                    <a:lumMod val="75000"/>
+                  </a:schemeClr>
+                </a:solidFill>
+              </a:rPr>
+              <a:t># </a:t>
+            </a:r>
+            <a:r>
+              <a:rPr lang="ru-RU" dirty="0" smtClean="0">
+                <a:solidFill>
+                  <a:schemeClr val="tx1">
+                    <a:lumMod val="75000"/>
+                  </a:schemeClr>
+                </a:solidFill>
+              </a:rPr>
+              <a:t>результат</a:t>
+            </a:r>
+            <a:endParaRPr lang="en-US" dirty="0" smtClean="0">
+              <a:solidFill>
+                <a:schemeClr val="tx1">
+                  <a:lumMod val="75000"/>
+                </a:schemeClr>
+              </a:solidFill>
+            </a:endParaRPr>
+          </a:p>
+          <a:p>
+            <a:pPr>
+              <a:buNone/>
+            </a:pPr>
+            <a:r>
+              <a:rPr lang="en-US" dirty="0" smtClean="0"/>
+              <a:t>[‘1’, 2, ‘tree’, </a:t>
+            </a:r>
+            <a:r>
+              <a:rPr lang="en-US" dirty="0" smtClean="0"/>
+              <a:t>4.0, 5]</a:t>
+            </a:r>
+          </a:p>
+          <a:p>
+            <a:pPr>
+              <a:buNone/>
+            </a:pPr>
+            <a:endParaRPr lang="ru-RU" dirty="0" smtClean="0">
+              <a:solidFill>
+                <a:schemeClr val="tx1"/>
+              </a:solidFill>
+            </a:endParaRPr>
+          </a:p>
+          <a:p>
+            <a:pPr>
+              <a:buNone/>
+            </a:pPr>
+            <a:r>
+              <a:rPr lang="en-US" dirty="0" smtClean="0">
+                <a:solidFill>
+                  <a:schemeClr val="tx1">
+                    <a:lumMod val="75000"/>
+                  </a:schemeClr>
+                </a:solidFill>
+              </a:rPr>
+              <a:t># </a:t>
+            </a:r>
+            <a:r>
+              <a:rPr lang="ru-RU" dirty="0" smtClean="0">
+                <a:solidFill>
+                  <a:schemeClr val="tx1">
+                    <a:lumMod val="75000"/>
+                  </a:schemeClr>
+                </a:solidFill>
+              </a:rPr>
+              <a:t>удаление последнего элемента с выведением</a:t>
+            </a:r>
+            <a:endParaRPr lang="en-US" dirty="0" smtClean="0">
+              <a:solidFill>
+                <a:schemeClr val="tx1">
+                  <a:lumMod val="75000"/>
+                </a:schemeClr>
+              </a:solidFill>
+            </a:endParaRPr>
+          </a:p>
+          <a:p>
+            <a:pPr>
+              <a:buNone/>
+            </a:pPr>
+            <a:r>
+              <a:rPr lang="en-US" dirty="0" smtClean="0"/>
+              <a:t>some_list.pop()</a:t>
+            </a:r>
+          </a:p>
+          <a:p>
+            <a:pPr>
+              <a:buNone/>
+            </a:pPr>
+            <a:r>
+              <a:rPr lang="en-US" dirty="0" smtClean="0">
+                <a:solidFill>
+                  <a:schemeClr val="tx1">
+                    <a:lumMod val="75000"/>
+                  </a:schemeClr>
+                </a:solidFill>
+              </a:rPr>
+              <a:t># </a:t>
+            </a:r>
+            <a:r>
+              <a:rPr lang="ru-RU" dirty="0" smtClean="0">
+                <a:solidFill>
+                  <a:schemeClr val="tx1">
+                    <a:lumMod val="75000"/>
+                  </a:schemeClr>
+                </a:solidFill>
+              </a:rPr>
+              <a:t>результат</a:t>
+            </a:r>
+            <a:endParaRPr lang="en-US" dirty="0" smtClean="0">
+              <a:solidFill>
+                <a:schemeClr val="tx1">
+                  <a:lumMod val="75000"/>
+                </a:schemeClr>
+              </a:solidFill>
+            </a:endParaRPr>
+          </a:p>
+          <a:p>
+            <a:pPr>
+              <a:buNone/>
+            </a:pPr>
+            <a:r>
+              <a:rPr lang="en-US" dirty="0" smtClean="0">
+                <a:solidFill>
+                  <a:schemeClr val="tx1"/>
+                </a:solidFill>
+              </a:rPr>
+              <a:t>5</a:t>
+            </a:r>
+            <a:endParaRPr lang="en-US" dirty="0" smtClean="0">
+              <a:solidFill>
+                <a:schemeClr val="tx1"/>
+              </a:solidFill>
+            </a:endParaRPr>
+          </a:p>
+          <a:p>
+            <a:pPr>
+              <a:buNone/>
+            </a:pPr>
+            <a:r>
+              <a:rPr lang="en-US" dirty="0" smtClean="0"/>
+              <a:t>[‘1’, 2, ‘tree’, 4.0]</a:t>
+            </a:r>
+            <a:endParaRPr lang="en-US" dirty="0" smtClean="0">
+              <a:solidFill>
+                <a:schemeClr val="tx1">
+                  <a:lumMod val="75000"/>
+                </a:schemeClr>
+              </a:solidFill>
+            </a:endParaRPr>
+          </a:p>
+          <a:p>
+            <a:pPr>
+              <a:buNone/>
+            </a:pPr>
+            <a:endParaRPr lang="ru-RU" dirty="0">
+              <a:solidFill>
+                <a:schemeClr val="tx1">
+                  <a:lumMod val="75000"/>
+                </a:schemeClr>
+              </a:solidFill>
+            </a:endParaRPr>
+          </a:p>
+        </p:txBody>
+      </p:sp>
+      <p:sp>
+        <p:nvSpPr>
+          <p:cNvPr id="4" name="Содержимое 2"/>
+          <p:cNvSpPr txBox="1">
+            <a:spLocks/>
+          </p:cNvSpPr>
+          <p:nvPr/>
+        </p:nvSpPr>
+        <p:spPr>
+          <a:xfrm>
+            <a:off x="4770304" y="1421176"/>
+            <a:ext cx="4195591" cy="5109991"/>
+          </a:xfrm>
+          <a:prstGeom prst="rect">
+            <a:avLst/>
+          </a:prstGeom>
+        </p:spPr>
+        <p:txBody>
+          <a:bodyPr vert="horz" lIns="91440" tIns="45720" rIns="91440" bIns="45720" rtlCol="0">
+            <a:normAutofit/>
+          </a:bodyPr>
+          <a:lstStyle/>
+          <a:p>
+            <a:pPr marL="342900" marR="0" lvl="0" indent="-342900" algn="l" defTabSz="457200" rtl="0" eaLnBrk="1" fontAlgn="auto" latinLnBrk="0" hangingPunct="1">
+              <a:lnSpc>
+                <a:spcPct val="100000"/>
+              </a:lnSpc>
+              <a:spcBef>
+                <a:spcPts val="1000"/>
+              </a:spcBef>
+              <a:spcAft>
+                <a:spcPts val="0"/>
+              </a:spcAft>
+              <a:buClr>
+                <a:schemeClr val="accent1"/>
+              </a:buClr>
+              <a:buSzPct val="80000"/>
+              <a:buFont typeface="Wingdings 3" charset="2"/>
+              <a:buNone/>
+              <a:tabLst/>
+              <a:defRPr/>
+            </a:pPr>
+            <a:r>
+              <a:rPr kumimoji="0" lang="en-US" sz="1800" b="0" i="0" u="none" strike="noStrike" kern="1200" cap="none" spc="0" normalizeH="0" baseline="0" noProof="0" dirty="0" smtClean="0">
+                <a:ln>
+                  <a:noFill/>
+                </a:ln>
+                <a:solidFill>
+                  <a:schemeClr val="tx1">
+                    <a:lumMod val="75000"/>
+                  </a:schemeClr>
+                </a:solidFill>
+                <a:effectLst/>
+                <a:uLnTx/>
+                <a:uFillTx/>
+                <a:latin typeface="+mn-lt"/>
+                <a:ea typeface="+mn-ea"/>
+                <a:cs typeface="+mn-cs"/>
+              </a:rPr>
+              <a:t># </a:t>
+            </a:r>
+            <a:r>
+              <a:rPr kumimoji="0" lang="ru-RU" sz="1800" b="0" i="0" u="none" strike="noStrike" kern="1200" cap="none" spc="0" normalizeH="0" baseline="0" noProof="0" dirty="0" smtClean="0">
+                <a:ln>
+                  <a:noFill/>
+                </a:ln>
+                <a:solidFill>
+                  <a:schemeClr val="tx1">
+                    <a:lumMod val="75000"/>
+                  </a:schemeClr>
+                </a:solidFill>
+                <a:effectLst/>
+                <a:uLnTx/>
+                <a:uFillTx/>
+                <a:latin typeface="+mn-lt"/>
+                <a:ea typeface="+mn-ea"/>
+                <a:cs typeface="+mn-cs"/>
+              </a:rPr>
+              <a:t>удаление</a:t>
+            </a:r>
+            <a:r>
+              <a:rPr kumimoji="0" lang="ru-RU" sz="1800" b="0" i="0" u="none" strike="noStrike" kern="1200" cap="none" spc="0" normalizeH="0" noProof="0" dirty="0" smtClean="0">
+                <a:ln>
+                  <a:noFill/>
+                </a:ln>
+                <a:solidFill>
+                  <a:schemeClr val="tx1">
+                    <a:lumMod val="75000"/>
+                  </a:schemeClr>
+                </a:solidFill>
+                <a:effectLst/>
+                <a:uLnTx/>
+                <a:uFillTx/>
+                <a:latin typeface="+mn-lt"/>
+                <a:ea typeface="+mn-ea"/>
+                <a:cs typeface="+mn-cs"/>
+              </a:rPr>
+              <a:t> элемента из списка</a:t>
+            </a:r>
+          </a:p>
+          <a:p>
+            <a:pPr marL="342900" indent="-342900" defTabSz="457200">
+              <a:spcBef>
+                <a:spcPts val="1000"/>
+              </a:spcBef>
+              <a:buClr>
+                <a:schemeClr val="accent1"/>
+              </a:buClr>
+              <a:buSzPct val="80000"/>
+            </a:pPr>
+            <a:r>
+              <a:rPr lang="en-US" dirty="0" smtClean="0">
+                <a:solidFill>
+                  <a:schemeClr val="tx1">
+                    <a:lumMod val="75000"/>
+                    <a:lumOff val="25000"/>
+                  </a:schemeClr>
+                </a:solidFill>
+              </a:rPr>
+              <a:t>some_list.remove(‘tree’)</a:t>
+            </a:r>
+          </a:p>
+          <a:p>
+            <a:pPr marL="342900" lvl="0" indent="-342900" defTabSz="457200">
+              <a:spcBef>
+                <a:spcPts val="1000"/>
+              </a:spcBef>
+              <a:buClr>
+                <a:schemeClr val="accent1"/>
+              </a:buClr>
+              <a:buSzPct val="80000"/>
+            </a:pPr>
+            <a:r>
+              <a:rPr lang="en-US" dirty="0" smtClean="0">
+                <a:solidFill>
+                  <a:schemeClr val="tx1">
+                    <a:lumMod val="75000"/>
+                  </a:schemeClr>
+                </a:solidFill>
+              </a:rPr>
+              <a:t># </a:t>
+            </a:r>
+            <a:r>
+              <a:rPr lang="ru-RU" dirty="0" smtClean="0">
+                <a:solidFill>
+                  <a:schemeClr val="tx1">
+                    <a:lumMod val="75000"/>
+                  </a:schemeClr>
+                </a:solidFill>
+              </a:rPr>
+              <a:t>результат</a:t>
+            </a:r>
+            <a:endParaRPr lang="en-US" dirty="0" smtClean="0">
+              <a:solidFill>
+                <a:schemeClr val="tx1">
+                  <a:lumMod val="75000"/>
+                </a:schemeClr>
+              </a:solidFill>
+            </a:endParaRPr>
+          </a:p>
+          <a:p>
+            <a:pPr marL="342900" indent="-342900" defTabSz="457200">
+              <a:spcBef>
+                <a:spcPts val="1000"/>
+              </a:spcBef>
+              <a:buClr>
+                <a:schemeClr val="accent1"/>
+              </a:buClr>
+              <a:buSzPct val="80000"/>
+            </a:pPr>
+            <a:r>
+              <a:rPr lang="en-US" dirty="0" smtClean="0"/>
+              <a:t>[‘1’, </a:t>
+            </a:r>
+            <a:r>
+              <a:rPr lang="en-US" dirty="0" smtClean="0"/>
+              <a:t>2, </a:t>
+            </a:r>
+            <a:r>
+              <a:rPr lang="en-US" dirty="0" smtClean="0"/>
+              <a:t>4.0</a:t>
+            </a:r>
+            <a:r>
+              <a:rPr lang="en-US" dirty="0" smtClean="0"/>
+              <a:t>]</a:t>
+            </a:r>
+            <a:endParaRPr lang="en-US" dirty="0" smtClean="0">
+              <a:solidFill>
+                <a:schemeClr val="tx1">
+                  <a:lumMod val="75000"/>
+                  <a:lumOff val="25000"/>
+                </a:schemeClr>
+              </a:solidFill>
+            </a:endParaRPr>
+          </a:p>
+          <a:p>
+            <a:pPr marL="342900" indent="-342900" defTabSz="457200">
+              <a:spcBef>
+                <a:spcPts val="1000"/>
+              </a:spcBef>
+              <a:buClr>
+                <a:schemeClr val="accent1"/>
+              </a:buClr>
+              <a:buSzPct val="80000"/>
+            </a:pPr>
+            <a:endParaRPr kumimoji="0" lang="en-US" sz="1800" b="0" i="0" u="none" strike="noStrike" kern="1200" cap="none" spc="0" normalizeH="0" baseline="0" noProof="0" dirty="0" smtClean="0">
+              <a:ln>
+                <a:noFill/>
+              </a:ln>
+              <a:solidFill>
+                <a:schemeClr val="tx1">
+                  <a:lumMod val="75000"/>
+                  <a:lumOff val="25000"/>
+                </a:schemeClr>
+              </a:solidFill>
+              <a:effectLst/>
+              <a:uLnTx/>
+              <a:uFillTx/>
+              <a:latin typeface="+mn-lt"/>
+              <a:ea typeface="+mn-ea"/>
+              <a:cs typeface="+mn-cs"/>
+            </a:endParaRPr>
+          </a:p>
+          <a:p>
+            <a:pPr marL="342900" lvl="0" indent="-342900" defTabSz="457200">
+              <a:spcBef>
+                <a:spcPts val="1000"/>
+              </a:spcBef>
+              <a:buClr>
+                <a:schemeClr val="accent1"/>
+              </a:buClr>
+              <a:buSzPct val="80000"/>
+              <a:defRPr/>
+            </a:pPr>
+            <a:r>
+              <a:rPr lang="en-US" dirty="0" smtClean="0">
+                <a:solidFill>
+                  <a:schemeClr val="tx1">
+                    <a:lumMod val="75000"/>
+                  </a:schemeClr>
+                </a:solidFill>
+              </a:rPr>
+              <a:t># </a:t>
+            </a:r>
+            <a:r>
+              <a:rPr lang="ru-RU" dirty="0" smtClean="0">
+                <a:solidFill>
+                  <a:schemeClr val="tx1">
+                    <a:lumMod val="75000"/>
+                  </a:schemeClr>
+                </a:solidFill>
+              </a:rPr>
+              <a:t>полная очистка списка</a:t>
+            </a:r>
+          </a:p>
+          <a:p>
+            <a:pPr marL="342900" lvl="0" indent="-342900" defTabSz="457200">
+              <a:spcBef>
+                <a:spcPts val="1000"/>
+              </a:spcBef>
+              <a:buClr>
+                <a:schemeClr val="accent1"/>
+              </a:buClr>
+              <a:buSzPct val="80000"/>
+              <a:defRPr/>
+            </a:pPr>
+            <a:r>
+              <a:rPr lang="en-US" dirty="0" smtClean="0">
+                <a:solidFill>
+                  <a:schemeClr val="tx1">
+                    <a:lumMod val="75000"/>
+                    <a:lumOff val="25000"/>
+                  </a:schemeClr>
+                </a:solidFill>
+              </a:rPr>
+              <a:t>some_list.clear()</a:t>
+            </a:r>
+          </a:p>
+          <a:p>
+            <a:pPr marL="342900" lvl="0" indent="-342900" defTabSz="457200">
+              <a:spcBef>
+                <a:spcPts val="1000"/>
+              </a:spcBef>
+              <a:buClr>
+                <a:schemeClr val="accent1"/>
+              </a:buClr>
+              <a:buSzPct val="80000"/>
+              <a:defRPr/>
+            </a:pPr>
+            <a:r>
+              <a:rPr lang="en-US" dirty="0" smtClean="0">
+                <a:solidFill>
+                  <a:schemeClr val="tx1">
+                    <a:lumMod val="75000"/>
+                  </a:schemeClr>
+                </a:solidFill>
+              </a:rPr>
+              <a:t># </a:t>
+            </a:r>
+            <a:r>
+              <a:rPr lang="ru-RU" dirty="0" smtClean="0">
+                <a:solidFill>
+                  <a:schemeClr val="tx1">
+                    <a:lumMod val="75000"/>
+                  </a:schemeClr>
+                </a:solidFill>
+              </a:rPr>
+              <a:t>результат</a:t>
+            </a:r>
+            <a:endParaRPr lang="en-US" dirty="0" smtClean="0">
+              <a:solidFill>
+                <a:schemeClr val="tx1">
+                  <a:lumMod val="75000"/>
+                </a:schemeClr>
+              </a:solidFill>
+            </a:endParaRPr>
+          </a:p>
+          <a:p>
+            <a:pPr marL="342900" lvl="0" indent="-342900" defTabSz="457200">
+              <a:spcBef>
+                <a:spcPts val="1000"/>
+              </a:spcBef>
+              <a:buClr>
+                <a:schemeClr val="accent1"/>
+              </a:buClr>
+              <a:buSzPct val="80000"/>
+              <a:defRPr/>
+            </a:pPr>
+            <a:r>
+              <a:rPr lang="en-US" dirty="0" smtClean="0">
+                <a:solidFill>
+                  <a:schemeClr val="tx1">
+                    <a:lumMod val="75000"/>
+                    <a:lumOff val="25000"/>
+                  </a:schemeClr>
+                </a:solidFill>
+              </a:rPr>
+              <a:t>[]</a:t>
+            </a:r>
+          </a:p>
+          <a:p>
+            <a:pPr marL="342900" indent="-342900" defTabSz="457200">
+              <a:spcBef>
+                <a:spcPts val="1000"/>
+              </a:spcBef>
+              <a:buClr>
+                <a:schemeClr val="accent1"/>
+              </a:buClr>
+              <a:buSzPct val="80000"/>
+            </a:pPr>
+            <a:endParaRPr kumimoji="0" lang="ru-RU" sz="1800" b="0" i="0" u="none" strike="noStrike" kern="1200" cap="none" spc="0" normalizeH="0" baseline="0" noProof="0" dirty="0" smtClean="0">
+              <a:ln>
+                <a:noFill/>
+              </a:ln>
+              <a:solidFill>
+                <a:schemeClr val="tx1"/>
+              </a:solidFill>
+              <a:effectLst/>
+              <a:uLnTx/>
+              <a:uFillTx/>
+              <a:latin typeface="+mn-lt"/>
+              <a:ea typeface="+mn-ea"/>
+              <a:cs typeface="+mn-cs"/>
+            </a:endParaRPr>
+          </a:p>
+        </p:txBody>
+      </p:sp>
+    </p:spTree>
+  </p:cSld>
+  <p:clrMapOvr>
+    <a:masterClrMapping/>
+  </p:clrMapOvr>
+</p:sld>
+</file>
+
+<file path=ppt/slides/slide22.xml><?xml version="1.0" encoding="utf-8"?>
+<p:sld xmlns:a="http://schemas.openxmlformats.org/drawingml/2006/main" xmlns:r="http://schemas.openxmlformats.org/officeDocument/2006/relationships" xmlns:p="http://schemas.openxmlformats.org/presentationml/2006/main">
+  <p:cSld>
+    <p:spTree>
+      <p:nvGrpSpPr>
+        <p:cNvPr id="1" name=""/>
+        <p:cNvGrpSpPr/>
+        <p:nvPr/>
+      </p:nvGrpSpPr>
+      <p:grpSpPr>
+        <a:xfrm>
+          <a:off x="0" y="0"/>
+          <a:ext cx="0" cy="0"/>
+          <a:chOff x="0" y="0"/>
+          <a:chExt cx="0" cy="0"/>
+        </a:xfrm>
+      </p:grpSpPr>
+      <p:sp>
+        <p:nvSpPr>
+          <p:cNvPr id="2" name="Заголовок 1"/>
+          <p:cNvSpPr>
+            <a:spLocks noGrp="1"/>
+          </p:cNvSpPr>
+          <p:nvPr>
+            <p:ph type="title"/>
+          </p:nvPr>
+        </p:nvSpPr>
+        <p:spPr>
+          <a:xfrm>
+            <a:off x="677334" y="609600"/>
+            <a:ext cx="8596668" cy="866660"/>
+          </a:xfrm>
+        </p:spPr>
+        <p:txBody>
+          <a:bodyPr/>
+          <a:lstStyle/>
+          <a:p>
+            <a:r>
+              <a:rPr lang="en-US" dirty="0" smtClean="0"/>
+              <a:t>tuple</a:t>
+            </a:r>
+            <a:endParaRPr lang="ru-RU" dirty="0"/>
+          </a:p>
+        </p:txBody>
+      </p:sp>
+      <p:sp>
+        <p:nvSpPr>
+          <p:cNvPr id="3" name="Содержимое 2"/>
+          <p:cNvSpPr>
+            <a:spLocks noGrp="1"/>
+          </p:cNvSpPr>
+          <p:nvPr>
+            <p:ph idx="1"/>
+          </p:nvPr>
+        </p:nvSpPr>
+        <p:spPr>
+          <a:xfrm>
+            <a:off x="677334" y="1520328"/>
+            <a:ext cx="8596668" cy="5111825"/>
+          </a:xfrm>
+        </p:spPr>
+        <p:txBody>
+          <a:bodyPr>
+            <a:normAutofit lnSpcReduction="10000"/>
+          </a:bodyPr>
+          <a:lstStyle/>
+          <a:p>
+            <a:pPr>
+              <a:buFont typeface="Wingdings"/>
+              <a:buChar char="Ø"/>
+            </a:pPr>
+            <a:r>
+              <a:rPr lang="ru-RU" dirty="0" smtClean="0"/>
+              <a:t>Картеж – служит для защити от изменений</a:t>
+            </a:r>
+            <a:endParaRPr lang="en-US" dirty="0" smtClean="0"/>
+          </a:p>
+          <a:p>
+            <a:pPr>
+              <a:buFont typeface="Wingdings"/>
+              <a:buChar char="Ø"/>
+            </a:pPr>
+            <a:r>
+              <a:rPr lang="ru-RU" dirty="0" smtClean="0"/>
+              <a:t>Объявляется по умолчанию</a:t>
+            </a:r>
+          </a:p>
+          <a:p>
+            <a:pPr>
+              <a:buFont typeface="Wingdings"/>
+              <a:buChar char="Ø"/>
+            </a:pPr>
+            <a:r>
+              <a:rPr lang="ru-RU" dirty="0" smtClean="0"/>
+              <a:t>Имеет круглые скобки</a:t>
+            </a:r>
+          </a:p>
+          <a:p>
+            <a:pPr>
+              <a:buNone/>
+            </a:pPr>
+            <a:endParaRPr lang="ru-RU" dirty="0" smtClean="0"/>
+          </a:p>
+          <a:p>
+            <a:pPr>
+              <a:buNone/>
+            </a:pPr>
+            <a:r>
+              <a:rPr lang="en-US" dirty="0" smtClean="0">
+                <a:solidFill>
+                  <a:schemeClr val="tx1">
+                    <a:lumMod val="75000"/>
+                  </a:schemeClr>
+                </a:solidFill>
+              </a:rPr>
+              <a:t># </a:t>
+            </a:r>
+            <a:r>
+              <a:rPr lang="ru-RU" dirty="0" smtClean="0">
+                <a:solidFill>
+                  <a:schemeClr val="tx1">
+                    <a:lumMod val="75000"/>
+                  </a:schemeClr>
+                </a:solidFill>
+              </a:rPr>
+              <a:t>синтаксис</a:t>
+            </a:r>
+          </a:p>
+          <a:p>
+            <a:pPr>
+              <a:buNone/>
+            </a:pPr>
+            <a:r>
+              <a:rPr lang="en-US" dirty="0" smtClean="0"/>
+              <a:t>some_list = ‘1’, 2, ‘tree’, </a:t>
+            </a:r>
+            <a:r>
+              <a:rPr lang="en-US" dirty="0" smtClean="0"/>
+              <a:t>4.0</a:t>
+            </a:r>
+            <a:endParaRPr lang="ru-RU" dirty="0" smtClean="0"/>
+          </a:p>
+          <a:p>
+            <a:pPr>
+              <a:buNone/>
+            </a:pPr>
+            <a:r>
+              <a:rPr lang="en-US" dirty="0" smtClean="0">
+                <a:solidFill>
+                  <a:schemeClr val="tx1">
+                    <a:lumMod val="75000"/>
+                  </a:schemeClr>
+                </a:solidFill>
+              </a:rPr>
+              <a:t># </a:t>
+            </a:r>
+            <a:r>
+              <a:rPr lang="ru-RU" dirty="0" smtClean="0">
+                <a:solidFill>
+                  <a:schemeClr val="tx1">
+                    <a:lumMod val="75000"/>
+                  </a:schemeClr>
+                </a:solidFill>
+              </a:rPr>
+              <a:t>результат</a:t>
+            </a:r>
+          </a:p>
+          <a:p>
+            <a:pPr>
+              <a:buNone/>
+            </a:pPr>
+            <a:r>
+              <a:rPr lang="ru-RU" dirty="0" smtClean="0"/>
+              <a:t>(</a:t>
+            </a:r>
+            <a:r>
+              <a:rPr lang="en-US" dirty="0" smtClean="0"/>
+              <a:t>‘</a:t>
+            </a:r>
+            <a:r>
+              <a:rPr lang="en-US" dirty="0" smtClean="0"/>
+              <a:t>1’, 2, ‘tree’, </a:t>
+            </a:r>
+            <a:r>
+              <a:rPr lang="en-US" dirty="0" smtClean="0"/>
+              <a:t>4.0</a:t>
+            </a:r>
+            <a:r>
+              <a:rPr lang="ru-RU" dirty="0" smtClean="0"/>
+              <a:t>)</a:t>
+            </a:r>
+            <a:endParaRPr lang="en-US" dirty="0" smtClean="0"/>
+          </a:p>
+          <a:p>
+            <a:pPr>
+              <a:buNone/>
+            </a:pPr>
+            <a:endParaRPr lang="en-US" dirty="0" smtClean="0"/>
+          </a:p>
+          <a:p>
+            <a:pPr>
+              <a:buNone/>
+            </a:pPr>
+            <a:r>
+              <a:rPr lang="en-US" dirty="0" smtClean="0">
+                <a:solidFill>
+                  <a:schemeClr val="tx1">
+                    <a:lumMod val="75000"/>
+                  </a:schemeClr>
+                </a:solidFill>
+              </a:rPr>
+              <a:t># </a:t>
+            </a:r>
+            <a:r>
+              <a:rPr lang="ru-RU" dirty="0" smtClean="0">
+                <a:solidFill>
+                  <a:schemeClr val="tx1">
+                    <a:lumMod val="75000"/>
+                  </a:schemeClr>
+                </a:solidFill>
+              </a:rPr>
+              <a:t>можно реформатировать в </a:t>
+            </a:r>
+            <a:r>
+              <a:rPr lang="en-US" dirty="0" smtClean="0">
+                <a:solidFill>
+                  <a:schemeClr val="tx1">
+                    <a:lumMod val="75000"/>
+                  </a:schemeClr>
+                </a:solidFill>
+              </a:rPr>
+              <a:t>tuple</a:t>
+            </a:r>
+          </a:p>
+          <a:p>
+            <a:pPr>
+              <a:buNone/>
+            </a:pPr>
+            <a:r>
+              <a:rPr lang="en-US" dirty="0" smtClean="0"/>
+              <a:t>t</a:t>
+            </a:r>
+            <a:r>
+              <a:rPr lang="en-US" dirty="0" smtClean="0"/>
+              <a:t>uple([</a:t>
+            </a:r>
+            <a:r>
+              <a:rPr lang="en-US" dirty="0" smtClean="0"/>
+              <a:t>‘1’, 2, ‘tree’, 4.0</a:t>
+            </a:r>
+            <a:r>
+              <a:rPr lang="en-US" dirty="0" smtClean="0"/>
+              <a:t>])</a:t>
+            </a:r>
+          </a:p>
+          <a:p>
+            <a:pPr>
+              <a:buNone/>
+            </a:pPr>
+            <a:r>
+              <a:rPr lang="en-US" dirty="0" smtClean="0">
+                <a:solidFill>
+                  <a:schemeClr val="tx1">
+                    <a:lumMod val="75000"/>
+                  </a:schemeClr>
+                </a:solidFill>
+              </a:rPr>
+              <a:t># </a:t>
+            </a:r>
+            <a:r>
+              <a:rPr lang="ru-RU" dirty="0" smtClean="0">
+                <a:solidFill>
+                  <a:schemeClr val="tx1">
+                    <a:lumMod val="75000"/>
+                  </a:schemeClr>
+                </a:solidFill>
+              </a:rPr>
+              <a:t>результат</a:t>
+            </a:r>
+          </a:p>
+          <a:p>
+            <a:pPr>
+              <a:buNone/>
+            </a:pPr>
+            <a:r>
+              <a:rPr lang="ru-RU" dirty="0" smtClean="0"/>
+              <a:t>(</a:t>
+            </a:r>
+            <a:r>
+              <a:rPr lang="en-US" dirty="0" smtClean="0"/>
+              <a:t>‘1’, 2, ‘tree’, 4.0</a:t>
+            </a:r>
+            <a:r>
+              <a:rPr lang="ru-RU" dirty="0" smtClean="0"/>
+              <a:t>)</a:t>
+            </a:r>
+            <a:endParaRPr lang="en-US" dirty="0" smtClean="0"/>
+          </a:p>
+        </p:txBody>
+      </p:sp>
+    </p:spTree>
+  </p:cSld>
+  <p:clrMapOvr>
+    <a:masterClrMapping/>
+  </p:clrMapOvr>
+</p:sld>
+</file>
+
+<file path=ppt/slides/slide23.xml><?xml version="1.0" encoding="utf-8"?>
+<p:sld xmlns:a="http://schemas.openxmlformats.org/drawingml/2006/main" xmlns:r="http://schemas.openxmlformats.org/officeDocument/2006/relationships" xmlns:p="http://schemas.openxmlformats.org/presentationml/2006/main">
+  <p:cSld>
+    <p:spTree>
+      <p:nvGrpSpPr>
+        <p:cNvPr id="1" name=""/>
+        <p:cNvGrpSpPr/>
+        <p:nvPr/>
+      </p:nvGrpSpPr>
+      <p:grpSpPr>
+        <a:xfrm>
+          <a:off x="0" y="0"/>
+          <a:ext cx="0" cy="0"/>
+          <a:chOff x="0" y="0"/>
+          <a:chExt cx="0" cy="0"/>
+        </a:xfrm>
+      </p:grpSpPr>
+      <p:sp>
+        <p:nvSpPr>
+          <p:cNvPr id="2" name="Заголовок 1"/>
+          <p:cNvSpPr>
+            <a:spLocks noGrp="1"/>
+          </p:cNvSpPr>
+          <p:nvPr>
+            <p:ph type="title"/>
+          </p:nvPr>
+        </p:nvSpPr>
+        <p:spPr>
+          <a:xfrm>
+            <a:off x="677334" y="609600"/>
+            <a:ext cx="8596668" cy="679373"/>
+          </a:xfrm>
+        </p:spPr>
+        <p:txBody>
+          <a:bodyPr/>
+          <a:lstStyle/>
+          <a:p>
+            <a:r>
+              <a:rPr lang="en-US" dirty="0" smtClean="0"/>
+              <a:t>index</a:t>
+            </a:r>
+            <a:endParaRPr lang="ru-RU" dirty="0"/>
+          </a:p>
+        </p:txBody>
+      </p:sp>
+      <p:sp>
+        <p:nvSpPr>
+          <p:cNvPr id="3" name="Содержимое 2"/>
+          <p:cNvSpPr>
+            <a:spLocks noGrp="1"/>
+          </p:cNvSpPr>
+          <p:nvPr>
+            <p:ph idx="1"/>
+          </p:nvPr>
+        </p:nvSpPr>
+        <p:spPr>
+          <a:xfrm>
+            <a:off x="677334" y="1355075"/>
+            <a:ext cx="8268362" cy="5299113"/>
+          </a:xfrm>
+        </p:spPr>
+        <p:txBody>
+          <a:bodyPr>
+            <a:normAutofit/>
+          </a:bodyPr>
+          <a:lstStyle/>
+          <a:p>
+            <a:pPr>
+              <a:buNone/>
+            </a:pPr>
+            <a:r>
+              <a:rPr lang="ru-RU" dirty="0" smtClean="0"/>
+              <a:t>Адрес элемента в объекте</a:t>
+            </a:r>
+            <a:r>
+              <a:rPr lang="ru-RU" dirty="0" smtClean="0"/>
+              <a:t>.</a:t>
+            </a:r>
+            <a:r>
+              <a:rPr lang="en-US" dirty="0" smtClean="0"/>
+              <a:t> </a:t>
+            </a:r>
+          </a:p>
+          <a:p>
+            <a:pPr>
+              <a:buNone/>
+            </a:pPr>
+            <a:endParaRPr lang="ru-RU" dirty="0" smtClean="0">
+              <a:solidFill>
+                <a:schemeClr val="tx1">
+                  <a:lumMod val="75000"/>
+                </a:schemeClr>
+              </a:solidFill>
+            </a:endParaRPr>
+          </a:p>
+          <a:p>
+            <a:pPr>
+              <a:buNone/>
+            </a:pPr>
+            <a:r>
+              <a:rPr lang="en-US" dirty="0" smtClean="0">
+                <a:solidFill>
+                  <a:schemeClr val="tx1">
+                    <a:lumMod val="75000"/>
+                  </a:schemeClr>
+                </a:solidFill>
+              </a:rPr>
+              <a:t># </a:t>
+            </a:r>
+            <a:r>
+              <a:rPr lang="ru-RU" dirty="0" smtClean="0">
+                <a:solidFill>
+                  <a:schemeClr val="tx1">
+                    <a:lumMod val="75000"/>
+                  </a:schemeClr>
+                </a:solidFill>
+              </a:rPr>
+              <a:t>синтаксис</a:t>
+            </a:r>
+          </a:p>
+          <a:p>
+            <a:pPr>
+              <a:buNone/>
+            </a:pPr>
+            <a:r>
+              <a:rPr lang="en-US" dirty="0" smtClean="0"/>
+              <a:t>some_list </a:t>
+            </a:r>
+            <a:r>
+              <a:rPr lang="en-US" dirty="0" smtClean="0"/>
+              <a:t>= ‘1’, 2, ‘tree’, </a:t>
+            </a:r>
+            <a:r>
+              <a:rPr lang="en-US" dirty="0" smtClean="0"/>
+              <a:t>4.0</a:t>
+            </a:r>
+            <a:endParaRPr lang="ru-RU" dirty="0" smtClean="0">
+              <a:solidFill>
+                <a:schemeClr val="tx1">
+                  <a:lumMod val="75000"/>
+                </a:schemeClr>
+              </a:solidFill>
+            </a:endParaRPr>
+          </a:p>
+          <a:p>
+            <a:pPr>
+              <a:buNone/>
+            </a:pPr>
+            <a:r>
+              <a:rPr lang="en-US" dirty="0" smtClean="0"/>
+              <a:t>some_list[0]</a:t>
+            </a:r>
+            <a:r>
+              <a:rPr lang="ru-RU" dirty="0" smtClean="0"/>
+              <a:t>	</a:t>
+            </a:r>
+            <a:r>
+              <a:rPr lang="en-US" dirty="0" smtClean="0">
+                <a:solidFill>
+                  <a:schemeClr val="tx1">
+                    <a:lumMod val="75000"/>
+                  </a:schemeClr>
+                </a:solidFill>
+              </a:rPr>
+              <a:t># </a:t>
+            </a:r>
+            <a:r>
+              <a:rPr lang="ru-RU" dirty="0" smtClean="0">
+                <a:solidFill>
+                  <a:schemeClr val="tx1">
+                    <a:lumMod val="75000"/>
+                  </a:schemeClr>
+                </a:solidFill>
+              </a:rPr>
+              <a:t>первый элемент начинается с </a:t>
+            </a:r>
+            <a:r>
+              <a:rPr lang="ru-RU" dirty="0" smtClean="0">
+                <a:solidFill>
+                  <a:schemeClr val="tx1">
+                    <a:lumMod val="75000"/>
+                  </a:schemeClr>
+                </a:solidFill>
+              </a:rPr>
+              <a:t>0</a:t>
+            </a:r>
+            <a:endParaRPr lang="en-US" dirty="0" smtClean="0"/>
+          </a:p>
+          <a:p>
+            <a:pPr>
+              <a:buNone/>
+            </a:pPr>
+            <a:r>
+              <a:rPr lang="en-US" dirty="0" smtClean="0">
+                <a:solidFill>
+                  <a:schemeClr val="tx1">
+                    <a:lumMod val="75000"/>
+                  </a:schemeClr>
+                </a:solidFill>
+              </a:rPr>
+              <a:t># </a:t>
+            </a:r>
+            <a:r>
+              <a:rPr lang="ru-RU" dirty="0" smtClean="0">
+                <a:solidFill>
+                  <a:schemeClr val="tx1">
+                    <a:lumMod val="75000"/>
+                  </a:schemeClr>
+                </a:solidFill>
+              </a:rPr>
+              <a:t>результат</a:t>
+            </a:r>
+          </a:p>
+          <a:p>
+            <a:pPr>
+              <a:buNone/>
+            </a:pPr>
+            <a:r>
+              <a:rPr lang="en-US" dirty="0" smtClean="0"/>
+              <a:t>‘1’</a:t>
+            </a:r>
+            <a:endParaRPr lang="ru-RU" dirty="0" smtClean="0"/>
+          </a:p>
+          <a:p>
+            <a:pPr>
+              <a:buNone/>
+            </a:pPr>
+            <a:endParaRPr lang="ru-RU" dirty="0" smtClean="0"/>
+          </a:p>
+          <a:p>
+            <a:pPr>
+              <a:buNone/>
+            </a:pPr>
+            <a:r>
+              <a:rPr lang="en-US" dirty="0" smtClean="0">
+                <a:solidFill>
+                  <a:schemeClr val="tx1">
+                    <a:lumMod val="75000"/>
+                  </a:schemeClr>
+                </a:solidFill>
+              </a:rPr>
+              <a:t># </a:t>
+            </a:r>
+            <a:r>
+              <a:rPr lang="ru-RU" dirty="0" smtClean="0">
+                <a:solidFill>
+                  <a:schemeClr val="tx1">
+                    <a:lumMod val="75000"/>
+                  </a:schemeClr>
+                </a:solidFill>
+              </a:rPr>
+              <a:t>со строками работает так же</a:t>
+            </a:r>
+          </a:p>
+          <a:p>
+            <a:pPr>
+              <a:buNone/>
+            </a:pPr>
+            <a:r>
+              <a:rPr lang="en-US" dirty="0" smtClean="0"/>
+              <a:t>some_string = ‘text’</a:t>
+            </a:r>
+          </a:p>
+          <a:p>
+            <a:pPr>
+              <a:buNone/>
+            </a:pPr>
+            <a:r>
+              <a:rPr lang="en-US" dirty="0" smtClean="0"/>
+              <a:t>some_string[1]</a:t>
+            </a:r>
+          </a:p>
+          <a:p>
+            <a:pPr>
+              <a:buNone/>
+            </a:pPr>
+            <a:r>
+              <a:rPr lang="en-US" dirty="0" smtClean="0">
+                <a:solidFill>
+                  <a:schemeClr val="tx1">
+                    <a:lumMod val="75000"/>
+                  </a:schemeClr>
+                </a:solidFill>
+              </a:rPr>
+              <a:t># </a:t>
+            </a:r>
+            <a:r>
+              <a:rPr lang="ru-RU" dirty="0" smtClean="0">
+                <a:solidFill>
+                  <a:schemeClr val="tx1">
+                    <a:lumMod val="75000"/>
+                  </a:schemeClr>
+                </a:solidFill>
+              </a:rPr>
+              <a:t>результат</a:t>
+            </a:r>
+          </a:p>
+          <a:p>
+            <a:pPr>
+              <a:buNone/>
+            </a:pPr>
+            <a:r>
+              <a:rPr lang="en-US" dirty="0" smtClean="0"/>
+              <a:t>e</a:t>
+            </a:r>
+          </a:p>
+          <a:p>
+            <a:pPr>
+              <a:buNone/>
+            </a:pPr>
+            <a:endParaRPr lang="en-US" dirty="0" smtClean="0"/>
+          </a:p>
+        </p:txBody>
+      </p:sp>
+    </p:spTree>
+  </p:cSld>
+  <p:clrMapOvr>
+    <a:masterClrMapping/>
+  </p:clrMapOvr>
+</p:sld>
+</file>
+
+<file path=ppt/slides/slide24.xml><?xml version="1.0" encoding="utf-8"?>
+<p:sld xmlns:a="http://schemas.openxmlformats.org/drawingml/2006/main" xmlns:r="http://schemas.openxmlformats.org/officeDocument/2006/relationships" xmlns:p="http://schemas.openxmlformats.org/presentationml/2006/main">
+  <p:cSld>
+    <p:spTree>
+      <p:nvGrpSpPr>
+        <p:cNvPr id="1" name=""/>
+        <p:cNvGrpSpPr/>
+        <p:nvPr/>
+      </p:nvGrpSpPr>
+      <p:grpSpPr>
+        <a:xfrm>
+          <a:off x="0" y="0"/>
+          <a:ext cx="0" cy="0"/>
+          <a:chOff x="0" y="0"/>
+          <a:chExt cx="0" cy="0"/>
+        </a:xfrm>
+      </p:grpSpPr>
+      <p:sp>
+        <p:nvSpPr>
+          <p:cNvPr id="2" name="Заголовок 1"/>
+          <p:cNvSpPr>
+            <a:spLocks noGrp="1"/>
+          </p:cNvSpPr>
+          <p:nvPr>
+            <p:ph type="title"/>
+          </p:nvPr>
+        </p:nvSpPr>
+        <p:spPr>
+          <a:xfrm>
+            <a:off x="677334" y="609600"/>
+            <a:ext cx="8596668" cy="646323"/>
+          </a:xfrm>
+        </p:spPr>
+        <p:txBody>
+          <a:bodyPr/>
+          <a:lstStyle/>
+          <a:p>
+            <a:r>
+              <a:rPr lang="ru-RU" dirty="0" smtClean="0"/>
+              <a:t>Свойства</a:t>
+            </a:r>
+            <a:endParaRPr lang="ru-RU" dirty="0"/>
+          </a:p>
+        </p:txBody>
+      </p:sp>
+      <p:sp>
+        <p:nvSpPr>
+          <p:cNvPr id="4" name="Содержимое 2"/>
+          <p:cNvSpPr>
+            <a:spLocks noGrp="1"/>
+          </p:cNvSpPr>
+          <p:nvPr>
+            <p:ph idx="1"/>
+          </p:nvPr>
+        </p:nvSpPr>
+        <p:spPr>
+          <a:xfrm>
+            <a:off x="677334" y="1443210"/>
+            <a:ext cx="4511611" cy="5210978"/>
+          </a:xfrm>
+        </p:spPr>
+        <p:txBody>
+          <a:bodyPr>
+            <a:normAutofit fontScale="77500" lnSpcReduction="20000"/>
+          </a:bodyPr>
+          <a:lstStyle/>
+          <a:p>
+            <a:pPr>
+              <a:buNone/>
+            </a:pPr>
+            <a:r>
+              <a:rPr lang="en-US" dirty="0" smtClean="0">
+                <a:solidFill>
+                  <a:schemeClr val="tx1">
+                    <a:lumMod val="75000"/>
+                  </a:schemeClr>
+                </a:solidFill>
+              </a:rPr>
+              <a:t># </a:t>
+            </a:r>
+            <a:r>
+              <a:rPr lang="ru-RU" dirty="0" smtClean="0">
+                <a:solidFill>
+                  <a:schemeClr val="tx1">
+                    <a:lumMod val="75000"/>
+                  </a:schemeClr>
+                </a:solidFill>
+              </a:rPr>
+              <a:t>м</a:t>
+            </a:r>
+            <a:r>
+              <a:rPr lang="ru-RU" dirty="0" smtClean="0">
+                <a:solidFill>
+                  <a:schemeClr val="tx1">
+                    <a:lumMod val="75000"/>
+                  </a:schemeClr>
+                </a:solidFill>
+              </a:rPr>
+              <a:t>ожно выбирать с конца:</a:t>
+            </a:r>
+            <a:endParaRPr lang="ru-RU" dirty="0" smtClean="0">
+              <a:solidFill>
+                <a:schemeClr val="tx1">
+                  <a:lumMod val="75000"/>
+                </a:schemeClr>
+              </a:solidFill>
+            </a:endParaRPr>
+          </a:p>
+          <a:p>
+            <a:pPr>
+              <a:buNone/>
+            </a:pPr>
+            <a:r>
+              <a:rPr lang="en-US" dirty="0" smtClean="0"/>
+              <a:t>some_list[</a:t>
+            </a:r>
+            <a:r>
+              <a:rPr lang="ru-RU" dirty="0" smtClean="0"/>
+              <a:t>-1</a:t>
+            </a:r>
+            <a:r>
+              <a:rPr lang="en-US" dirty="0" smtClean="0"/>
+              <a:t>]</a:t>
+            </a:r>
+            <a:endParaRPr lang="en-US" dirty="0" smtClean="0"/>
+          </a:p>
+          <a:p>
+            <a:pPr>
+              <a:buNone/>
+            </a:pPr>
+            <a:r>
+              <a:rPr lang="en-US" dirty="0" smtClean="0">
+                <a:solidFill>
+                  <a:schemeClr val="tx1">
+                    <a:lumMod val="75000"/>
+                  </a:schemeClr>
+                </a:solidFill>
+              </a:rPr>
+              <a:t># </a:t>
+            </a:r>
+            <a:r>
+              <a:rPr lang="ru-RU" dirty="0" smtClean="0">
+                <a:solidFill>
+                  <a:schemeClr val="tx1">
+                    <a:lumMod val="75000"/>
+                  </a:schemeClr>
+                </a:solidFill>
+              </a:rPr>
+              <a:t>результат</a:t>
+            </a:r>
+          </a:p>
+          <a:p>
+            <a:pPr>
+              <a:buNone/>
+            </a:pPr>
+            <a:r>
+              <a:rPr lang="ru-RU" dirty="0" smtClean="0"/>
+              <a:t>4.0</a:t>
+            </a:r>
+          </a:p>
+          <a:p>
+            <a:pPr>
+              <a:buNone/>
+            </a:pPr>
+            <a:endParaRPr lang="ru-RU" dirty="0" smtClean="0"/>
+          </a:p>
+          <a:p>
+            <a:pPr lvl="0">
+              <a:buNone/>
+              <a:defRPr/>
+            </a:pPr>
+            <a:r>
+              <a:rPr lang="en-US" dirty="0" smtClean="0">
+                <a:solidFill>
+                  <a:schemeClr val="tx1">
+                    <a:lumMod val="75000"/>
+                  </a:schemeClr>
+                </a:solidFill>
+              </a:rPr>
+              <a:t># </a:t>
+            </a:r>
+            <a:r>
+              <a:rPr lang="ru-RU" dirty="0" smtClean="0">
+                <a:solidFill>
+                  <a:schemeClr val="tx1">
+                    <a:lumMod val="75000"/>
+                  </a:schemeClr>
+                </a:solidFill>
+              </a:rPr>
+              <a:t>Можно делать срезы:</a:t>
+            </a:r>
+          </a:p>
+          <a:p>
+            <a:pPr lvl="0">
+              <a:buNone/>
+              <a:defRPr/>
+            </a:pPr>
+            <a:r>
+              <a:rPr lang="en-US" dirty="0" smtClean="0"/>
+              <a:t>some_list[</a:t>
+            </a:r>
+            <a:r>
+              <a:rPr lang="ru-RU" dirty="0" smtClean="0"/>
+              <a:t>:2</a:t>
+            </a:r>
+            <a:r>
+              <a:rPr lang="en-US" dirty="0" smtClean="0"/>
+              <a:t>]</a:t>
+            </a:r>
+            <a:r>
+              <a:rPr lang="ru-RU" dirty="0" smtClean="0"/>
+              <a:t> </a:t>
+            </a:r>
+            <a:r>
+              <a:rPr lang="en-US" dirty="0" smtClean="0">
+                <a:solidFill>
+                  <a:schemeClr val="tx1">
+                    <a:lumMod val="75000"/>
+                  </a:schemeClr>
+                </a:solidFill>
+              </a:rPr>
+              <a:t># </a:t>
+            </a:r>
+            <a:r>
+              <a:rPr lang="ru-RU" dirty="0" smtClean="0">
+                <a:solidFill>
+                  <a:schemeClr val="tx1">
+                    <a:lumMod val="75000"/>
+                  </a:schemeClr>
+                </a:solidFill>
+              </a:rPr>
+              <a:t>до числа не включительно</a:t>
+            </a:r>
+            <a:endParaRPr lang="en-US" dirty="0" smtClean="0">
+              <a:solidFill>
+                <a:schemeClr val="tx1">
+                  <a:lumMod val="75000"/>
+                </a:schemeClr>
+              </a:solidFill>
+            </a:endParaRPr>
+          </a:p>
+          <a:p>
+            <a:pPr lvl="0">
+              <a:buNone/>
+              <a:defRPr/>
+            </a:pPr>
+            <a:r>
+              <a:rPr lang="en-US" dirty="0" smtClean="0">
+                <a:solidFill>
+                  <a:schemeClr val="tx1">
+                    <a:lumMod val="75000"/>
+                  </a:schemeClr>
+                </a:solidFill>
+              </a:rPr>
+              <a:t># </a:t>
+            </a:r>
+            <a:r>
+              <a:rPr lang="ru-RU" dirty="0" smtClean="0">
+                <a:solidFill>
+                  <a:schemeClr val="tx1">
+                    <a:lumMod val="75000"/>
+                  </a:schemeClr>
+                </a:solidFill>
+              </a:rPr>
+              <a:t>результат</a:t>
+            </a:r>
+          </a:p>
+          <a:p>
+            <a:pPr lvl="0">
+              <a:buNone/>
+              <a:defRPr/>
+            </a:pPr>
+            <a:r>
+              <a:rPr lang="en-US" dirty="0" smtClean="0"/>
+              <a:t>(‘1’, 2)</a:t>
+            </a:r>
+          </a:p>
+          <a:p>
+            <a:pPr lvl="0">
+              <a:buNone/>
+              <a:defRPr/>
+            </a:pPr>
+            <a:endParaRPr lang="en-US" dirty="0" smtClean="0"/>
+          </a:p>
+          <a:p>
+            <a:pPr lvl="0">
+              <a:buNone/>
+              <a:defRPr/>
+            </a:pPr>
+            <a:r>
+              <a:rPr lang="en-US" dirty="0" smtClean="0"/>
+              <a:t>some_list[1</a:t>
+            </a:r>
+            <a:r>
+              <a:rPr lang="ru-RU" dirty="0" smtClean="0"/>
+              <a:t>:</a:t>
+            </a:r>
+            <a:r>
+              <a:rPr lang="en-US" dirty="0" smtClean="0"/>
+              <a:t>]</a:t>
+            </a:r>
+            <a:r>
+              <a:rPr lang="ru-RU" dirty="0" smtClean="0"/>
+              <a:t> </a:t>
+            </a:r>
+            <a:r>
+              <a:rPr lang="en-US" dirty="0" smtClean="0">
+                <a:solidFill>
+                  <a:schemeClr val="tx1">
+                    <a:lumMod val="75000"/>
+                  </a:schemeClr>
+                </a:solidFill>
+              </a:rPr>
+              <a:t># </a:t>
+            </a:r>
+            <a:r>
+              <a:rPr lang="ru-RU" dirty="0" smtClean="0">
+                <a:solidFill>
+                  <a:schemeClr val="tx1">
+                    <a:lumMod val="75000"/>
+                  </a:schemeClr>
+                </a:solidFill>
+              </a:rPr>
+              <a:t>от числа включительно</a:t>
+            </a:r>
+            <a:endParaRPr lang="en-US" dirty="0" smtClean="0"/>
+          </a:p>
+          <a:p>
+            <a:pPr lvl="0">
+              <a:buNone/>
+              <a:defRPr/>
+            </a:pPr>
+            <a:r>
+              <a:rPr lang="en-US" dirty="0" smtClean="0">
+                <a:solidFill>
+                  <a:schemeClr val="tx1">
+                    <a:lumMod val="75000"/>
+                  </a:schemeClr>
+                </a:solidFill>
+              </a:rPr>
+              <a:t># </a:t>
+            </a:r>
+            <a:r>
+              <a:rPr lang="ru-RU" dirty="0" smtClean="0">
+                <a:solidFill>
+                  <a:schemeClr val="tx1">
+                    <a:lumMod val="75000"/>
+                  </a:schemeClr>
+                </a:solidFill>
+              </a:rPr>
+              <a:t>результат</a:t>
+            </a:r>
+          </a:p>
+          <a:p>
+            <a:pPr lvl="0">
+              <a:buNone/>
+              <a:defRPr/>
+            </a:pPr>
+            <a:r>
+              <a:rPr lang="en-US" dirty="0" smtClean="0"/>
+              <a:t>(2, ‘tree’, 4.0)</a:t>
+            </a:r>
+            <a:endParaRPr lang="ru-RU" dirty="0" smtClean="0"/>
+          </a:p>
+          <a:p>
+            <a:pPr lvl="0">
+              <a:defRPr/>
+            </a:pPr>
+            <a:endParaRPr lang="ru-RU" dirty="0" smtClean="0"/>
+          </a:p>
+          <a:p>
+            <a:pPr lvl="0">
+              <a:buNone/>
+              <a:defRPr/>
+            </a:pPr>
+            <a:r>
+              <a:rPr lang="en-US" dirty="0" smtClean="0"/>
+              <a:t>some_list[1</a:t>
+            </a:r>
+            <a:r>
+              <a:rPr lang="ru-RU" dirty="0" smtClean="0"/>
+              <a:t>:3</a:t>
+            </a:r>
+            <a:r>
+              <a:rPr lang="en-US" dirty="0" smtClean="0"/>
+              <a:t>]</a:t>
+            </a:r>
+            <a:r>
+              <a:rPr lang="ru-RU" dirty="0" smtClean="0"/>
+              <a:t> </a:t>
+            </a:r>
+            <a:r>
+              <a:rPr lang="en-US" dirty="0" smtClean="0">
+                <a:solidFill>
+                  <a:schemeClr val="tx1">
+                    <a:lumMod val="75000"/>
+                  </a:schemeClr>
+                </a:solidFill>
+              </a:rPr>
+              <a:t># </a:t>
+            </a:r>
+            <a:r>
+              <a:rPr lang="ru-RU" dirty="0" smtClean="0">
+                <a:solidFill>
+                  <a:schemeClr val="tx1">
+                    <a:lumMod val="75000"/>
+                  </a:schemeClr>
+                </a:solidFill>
+              </a:rPr>
+              <a:t>от и до</a:t>
+            </a:r>
+            <a:endParaRPr lang="en-US" dirty="0" smtClean="0"/>
+          </a:p>
+          <a:p>
+            <a:pPr lvl="0">
+              <a:buNone/>
+              <a:defRPr/>
+            </a:pPr>
+            <a:r>
+              <a:rPr lang="en-US" dirty="0" smtClean="0">
+                <a:solidFill>
+                  <a:schemeClr val="tx1">
+                    <a:lumMod val="75000"/>
+                  </a:schemeClr>
+                </a:solidFill>
+              </a:rPr>
+              <a:t># </a:t>
+            </a:r>
+            <a:r>
+              <a:rPr lang="ru-RU" dirty="0" smtClean="0">
+                <a:solidFill>
+                  <a:schemeClr val="tx1">
+                    <a:lumMod val="75000"/>
+                  </a:schemeClr>
+                </a:solidFill>
+              </a:rPr>
+              <a:t>результат</a:t>
+            </a:r>
+          </a:p>
+          <a:p>
+            <a:pPr lvl="0">
+              <a:buNone/>
+              <a:defRPr/>
+            </a:pPr>
+            <a:r>
+              <a:rPr lang="en-US" dirty="0" smtClean="0"/>
+              <a:t>(2, ‘tree’)</a:t>
+            </a:r>
+            <a:endParaRPr lang="ru-RU" dirty="0" smtClean="0"/>
+          </a:p>
+        </p:txBody>
+      </p:sp>
+    </p:spTree>
+  </p:cSld>
+  <p:clrMapOvr>
+    <a:masterClrMapping/>
+  </p:clrMapOvr>
+</p:sld>
+</file>
+
+<file path=ppt/slides/slide25.xml><?xml version="1.0" encoding="utf-8"?>
+<p:sld xmlns:a="http://schemas.openxmlformats.org/drawingml/2006/main" xmlns:r="http://schemas.openxmlformats.org/officeDocument/2006/relationships" xmlns:p="http://schemas.openxmlformats.org/presentationml/2006/main">
+  <p:cSld>
+    <p:spTree>
+      <p:nvGrpSpPr>
+        <p:cNvPr id="1" name=""/>
+        <p:cNvGrpSpPr/>
+        <p:nvPr/>
+      </p:nvGrpSpPr>
+      <p:grpSpPr>
+        <a:xfrm>
+          <a:off x="0" y="0"/>
+          <a:ext cx="0" cy="0"/>
+          <a:chOff x="0" y="0"/>
+          <a:chExt cx="0" cy="0"/>
+        </a:xfrm>
+      </p:grpSpPr>
+      <p:sp>
+        <p:nvSpPr>
+          <p:cNvPr id="2" name="Заголовок 1"/>
+          <p:cNvSpPr>
+            <a:spLocks noGrp="1"/>
+          </p:cNvSpPr>
+          <p:nvPr>
+            <p:ph type="title"/>
+          </p:nvPr>
+        </p:nvSpPr>
+        <p:spPr>
+          <a:xfrm>
+            <a:off x="677334" y="609600"/>
+            <a:ext cx="8596668" cy="855643"/>
+          </a:xfrm>
+        </p:spPr>
+        <p:txBody>
+          <a:bodyPr/>
+          <a:lstStyle/>
+          <a:p>
+            <a:r>
+              <a:rPr lang="ru-RU" dirty="0" smtClean="0"/>
+              <a:t>Задание</a:t>
+            </a:r>
+            <a:endParaRPr lang="ru-RU" dirty="0"/>
+          </a:p>
+        </p:txBody>
+      </p:sp>
+      <p:sp>
+        <p:nvSpPr>
+          <p:cNvPr id="3" name="Содержимое 2"/>
+          <p:cNvSpPr>
+            <a:spLocks noGrp="1"/>
+          </p:cNvSpPr>
+          <p:nvPr>
+            <p:ph idx="1"/>
+          </p:nvPr>
+        </p:nvSpPr>
+        <p:spPr/>
+        <p:txBody>
+          <a:bodyPr/>
+          <a:lstStyle/>
+          <a:p>
+            <a:pPr>
+              <a:buFont typeface="Wingdings"/>
+              <a:buChar char="Ø"/>
+            </a:pPr>
+            <a:r>
+              <a:rPr lang="ru-RU" dirty="0" smtClean="0"/>
+              <a:t>Создайте список из чисел от 1 до 5 при помощи </a:t>
+            </a:r>
+            <a:r>
+              <a:rPr lang="en-US" dirty="0" smtClean="0"/>
+              <a:t>while</a:t>
+            </a:r>
+          </a:p>
+          <a:p>
+            <a:pPr>
+              <a:buFont typeface="Wingdings"/>
+              <a:buChar char="Ø"/>
+            </a:pPr>
+            <a:r>
+              <a:rPr lang="ru-RU" dirty="0" smtClean="0"/>
+              <a:t>Создайте функцию разворачивающий созданный список</a:t>
+            </a:r>
+            <a:endParaRPr lang="ru-RU" dirty="0"/>
+          </a:p>
+        </p:txBody>
+      </p:sp>
+    </p:spTree>
   </p:cSld>
   <p:clrMapOvr>
     <a:masterClrMapping/>
@@ -10111,7 +12052,7 @@
     </p:spTree>
     <p:extLst>
       <p:ext uri="{BB962C8B-B14F-4D97-AF65-F5344CB8AC3E}">
-        <p14:creationId xmlns:p14="http://schemas.microsoft.com/office/powerpoint/2010/main" val="2036377716"/>
+        <p14:creationId xmlns="" xmlns:p14="http://schemas.microsoft.com/office/powerpoint/2010/main" val="2036377716"/>
       </p:ext>
     </p:extLst>
   </p:cSld>
@@ -12536,7 +14477,7 @@
   <a:extraClrSchemeLst/>
   <a:extLst>
     <a:ext uri="{05A4C25C-085E-4340-85A3-A5531E510DB2}">
-      <thm15:themeFamily xmlns:thm15="http://schemas.microsoft.com/office/thememl/2012/main" name="Facet" id="{C0C680CD-088A-49FC-A102-D699147F32B2}" vid="{8C59B386-999D-4CB6-B907-9F3997C027CC}"/>
+      <thm15:themeFamily xmlns="" xmlns:thm15="http://schemas.microsoft.com/office/thememl/2012/main" name="Facet" id="{C0C680CD-088A-49FC-A102-D699147F32B2}" vid="{8C59B386-999D-4CB6-B907-9F3997C027CC}"/>
     </a:ext>
   </a:extLst>
 </a:theme>
